--- a/documentation/source/figs/images.pptx
+++ b/documentation/source/figs/images.pptx
@@ -6,9 +6,11 @@
   </p:sldMasterIdLst>
   <p:sldIdLst>
     <p:sldId id="282" r:id="rId2"/>
-    <p:sldId id="283" r:id="rId3"/>
-    <p:sldId id="284" r:id="rId4"/>
-    <p:sldId id="285" r:id="rId5"/>
+    <p:sldId id="286" r:id="rId3"/>
+    <p:sldId id="287" r:id="rId4"/>
+    <p:sldId id="283" r:id="rId5"/>
+    <p:sldId id="284" r:id="rId6"/>
+    <p:sldId id="285" r:id="rId7"/>
   </p:sldIdLst>
   <p:sldSz cx="12192000" cy="6858000"/>
   <p:notesSz cx="6858000" cy="9144000"/>
@@ -262,7 +264,7 @@
           <a:p>
             <a:fld id="{326EFC06-FBCA-4C28-84D1-3187E30F45CE}" type="datetimeFigureOut">
               <a:rPr lang="en-US" smtClean="0"/>
-              <a:t>10/19/2022</a:t>
+              <a:t>10/20/2022</a:t>
             </a:fld>
             <a:endParaRPr lang="en-US"/>
           </a:p>
@@ -460,7 +462,7 @@
           <a:p>
             <a:fld id="{326EFC06-FBCA-4C28-84D1-3187E30F45CE}" type="datetimeFigureOut">
               <a:rPr lang="en-US" smtClean="0"/>
-              <a:t>10/19/2022</a:t>
+              <a:t>10/20/2022</a:t>
             </a:fld>
             <a:endParaRPr lang="en-US"/>
           </a:p>
@@ -668,7 +670,7 @@
           <a:p>
             <a:fld id="{326EFC06-FBCA-4C28-84D1-3187E30F45CE}" type="datetimeFigureOut">
               <a:rPr lang="en-US" smtClean="0"/>
-              <a:t>10/19/2022</a:t>
+              <a:t>10/20/2022</a:t>
             </a:fld>
             <a:endParaRPr lang="en-US"/>
           </a:p>
@@ -866,7 +868,7 @@
           <a:p>
             <a:fld id="{326EFC06-FBCA-4C28-84D1-3187E30F45CE}" type="datetimeFigureOut">
               <a:rPr lang="en-US" smtClean="0"/>
-              <a:t>10/19/2022</a:t>
+              <a:t>10/20/2022</a:t>
             </a:fld>
             <a:endParaRPr lang="en-US"/>
           </a:p>
@@ -1141,7 +1143,7 @@
           <a:p>
             <a:fld id="{326EFC06-FBCA-4C28-84D1-3187E30F45CE}" type="datetimeFigureOut">
               <a:rPr lang="en-US" smtClean="0"/>
-              <a:t>10/19/2022</a:t>
+              <a:t>10/20/2022</a:t>
             </a:fld>
             <a:endParaRPr lang="en-US"/>
           </a:p>
@@ -1406,7 +1408,7 @@
           <a:p>
             <a:fld id="{326EFC06-FBCA-4C28-84D1-3187E30F45CE}" type="datetimeFigureOut">
               <a:rPr lang="en-US" smtClean="0"/>
-              <a:t>10/19/2022</a:t>
+              <a:t>10/20/2022</a:t>
             </a:fld>
             <a:endParaRPr lang="en-US"/>
           </a:p>
@@ -1818,7 +1820,7 @@
           <a:p>
             <a:fld id="{326EFC06-FBCA-4C28-84D1-3187E30F45CE}" type="datetimeFigureOut">
               <a:rPr lang="en-US" smtClean="0"/>
-              <a:t>10/19/2022</a:t>
+              <a:t>10/20/2022</a:t>
             </a:fld>
             <a:endParaRPr lang="en-US"/>
           </a:p>
@@ -1959,7 +1961,7 @@
           <a:p>
             <a:fld id="{326EFC06-FBCA-4C28-84D1-3187E30F45CE}" type="datetimeFigureOut">
               <a:rPr lang="en-US" smtClean="0"/>
-              <a:t>10/19/2022</a:t>
+              <a:t>10/20/2022</a:t>
             </a:fld>
             <a:endParaRPr lang="en-US"/>
           </a:p>
@@ -2072,7 +2074,7 @@
           <a:p>
             <a:fld id="{326EFC06-FBCA-4C28-84D1-3187E30F45CE}" type="datetimeFigureOut">
               <a:rPr lang="en-US" smtClean="0"/>
-              <a:t>10/19/2022</a:t>
+              <a:t>10/20/2022</a:t>
             </a:fld>
             <a:endParaRPr lang="en-US"/>
           </a:p>
@@ -2383,7 +2385,7 @@
           <a:p>
             <a:fld id="{326EFC06-FBCA-4C28-84D1-3187E30F45CE}" type="datetimeFigureOut">
               <a:rPr lang="en-US" smtClean="0"/>
-              <a:t>10/19/2022</a:t>
+              <a:t>10/20/2022</a:t>
             </a:fld>
             <a:endParaRPr lang="en-US"/>
           </a:p>
@@ -2671,7 +2673,7 @@
           <a:p>
             <a:fld id="{326EFC06-FBCA-4C28-84D1-3187E30F45CE}" type="datetimeFigureOut">
               <a:rPr lang="en-US" smtClean="0"/>
-              <a:t>10/19/2022</a:t>
+              <a:t>10/20/2022</a:t>
             </a:fld>
             <a:endParaRPr lang="en-US"/>
           </a:p>
@@ -2912,7 +2914,7 @@
           <a:p>
             <a:fld id="{326EFC06-FBCA-4C28-84D1-3187E30F45CE}" type="datetimeFigureOut">
               <a:rPr lang="en-US" smtClean="0"/>
-              <a:t>10/19/2022</a:t>
+              <a:t>10/20/2022</a:t>
             </a:fld>
             <a:endParaRPr lang="en-US"/>
           </a:p>
@@ -4555,6 +4557,2612 @@
 </file>
 
 <file path=ppt/slides/slide2.xml><?xml version="1.0" encoding="utf-8"?>
+<p:sld xmlns:a="http://schemas.openxmlformats.org/drawingml/2006/main" xmlns:r="http://schemas.openxmlformats.org/officeDocument/2006/relationships" xmlns:p="http://schemas.openxmlformats.org/presentationml/2006/main">
+  <p:cSld>
+    <p:spTree>
+      <p:nvGrpSpPr>
+        <p:cNvPr id="1" name=""/>
+        <p:cNvGrpSpPr/>
+        <p:nvPr/>
+      </p:nvGrpSpPr>
+      <p:grpSpPr>
+        <a:xfrm>
+          <a:off x="0" y="0"/>
+          <a:ext cx="0" cy="0"/>
+          <a:chOff x="0" y="0"/>
+          <a:chExt cx="0" cy="0"/>
+        </a:xfrm>
+      </p:grpSpPr>
+      <mc:AlternateContent xmlns:mc="http://schemas.openxmlformats.org/markup-compatibility/2006">
+        <mc:Choice xmlns:a14="http://schemas.microsoft.com/office/drawing/2010/main" Requires="a14">
+          <p:sp>
+            <p:nvSpPr>
+              <p:cNvPr id="3" name="Rectangle 2">
+                <a:extLst>
+                  <a:ext uri="{FF2B5EF4-FFF2-40B4-BE49-F238E27FC236}">
+                    <a16:creationId xmlns:a16="http://schemas.microsoft.com/office/drawing/2014/main" id="{81697CEE-E40C-8AF1-39F1-8792A7BBBEC3}"/>
+                  </a:ext>
+                </a:extLst>
+              </p:cNvPr>
+              <p:cNvSpPr/>
+              <p:nvPr/>
+            </p:nvSpPr>
+            <p:spPr>
+              <a:xfrm>
+                <a:off x="2252869" y="1798155"/>
+                <a:ext cx="1908313" cy="1060174"/>
+              </a:xfrm>
+              <a:prstGeom prst="rect">
+                <a:avLst/>
+              </a:prstGeom>
+              <a:noFill/>
+              <a:ln w="28575">
+                <a:solidFill>
+                  <a:schemeClr val="tx1"/>
+                </a:solidFill>
+              </a:ln>
+            </p:spPr>
+            <p:style>
+              <a:lnRef idx="2">
+                <a:schemeClr val="accent1">
+                  <a:shade val="50000"/>
+                </a:schemeClr>
+              </a:lnRef>
+              <a:fillRef idx="1">
+                <a:schemeClr val="accent1"/>
+              </a:fillRef>
+              <a:effectRef idx="0">
+                <a:schemeClr val="accent1"/>
+              </a:effectRef>
+              <a:fontRef idx="minor">
+                <a:schemeClr val="lt1"/>
+              </a:fontRef>
+            </p:style>
+            <p:txBody>
+              <a:bodyPr rtlCol="0" anchor="ctr"/>
+              <a:lstStyle/>
+              <a:p>
+                <a:pPr algn="ctr"/>
+                <a14:m>
+                  <m:oMathPara xmlns:m="http://schemas.openxmlformats.org/officeDocument/2006/math">
+                    <m:oMathParaPr>
+                      <m:jc m:val="centerGroup"/>
+                    </m:oMathParaPr>
+                    <m:oMath xmlns:m="http://schemas.openxmlformats.org/officeDocument/2006/math">
+                      <m:sSub>
+                        <m:sSubPr>
+                          <m:ctrlPr>
+                            <a:rPr lang="en-US" sz="2000" b="0" i="1" smtClean="0">
+                              <a:solidFill>
+                                <a:schemeClr val="tx1"/>
+                              </a:solidFill>
+                              <a:latin typeface="Cambria Math" panose="02040503050406030204" pitchFamily="18" charset="0"/>
+                            </a:rPr>
+                          </m:ctrlPr>
+                        </m:sSubPr>
+                        <m:e>
+                          <m:r>
+                            <a:rPr lang="en-US" sz="2000" b="0" i="1" smtClean="0">
+                              <a:solidFill>
+                                <a:schemeClr val="tx1"/>
+                              </a:solidFill>
+                              <a:latin typeface="Cambria Math" panose="02040503050406030204" pitchFamily="18" charset="0"/>
+                            </a:rPr>
+                            <m:t>𝑀</m:t>
+                          </m:r>
+                        </m:e>
+                        <m:sub>
+                          <m:r>
+                            <a:rPr lang="en-US" sz="2000" b="0" i="1" smtClean="0">
+                              <a:solidFill>
+                                <a:schemeClr val="tx1"/>
+                              </a:solidFill>
+                              <a:latin typeface="Cambria Math" panose="02040503050406030204" pitchFamily="18" charset="0"/>
+                            </a:rPr>
+                            <m:t>1</m:t>
+                          </m:r>
+                        </m:sub>
+                      </m:sSub>
+                      <m:r>
+                        <a:rPr lang="en-US" sz="2000" b="0" i="1" smtClean="0">
+                          <a:solidFill>
+                            <a:schemeClr val="tx1"/>
+                          </a:solidFill>
+                          <a:latin typeface="Cambria Math" panose="02040503050406030204" pitchFamily="18" charset="0"/>
+                        </a:rPr>
+                        <m:t>⊨</m:t>
+                      </m:r>
+                      <m:sSub>
+                        <m:sSubPr>
+                          <m:ctrlPr>
+                            <a:rPr lang="en-US" sz="2000" b="0" i="1" smtClean="0">
+                              <a:solidFill>
+                                <a:schemeClr val="tx1"/>
+                              </a:solidFill>
+                              <a:latin typeface="Cambria Math" panose="02040503050406030204" pitchFamily="18" charset="0"/>
+                            </a:rPr>
+                          </m:ctrlPr>
+                        </m:sSubPr>
+                        <m:e>
+                          <m:r>
+                            <a:rPr lang="en-US" sz="2000" b="0" i="1" smtClean="0">
+                              <a:solidFill>
+                                <a:schemeClr val="tx1"/>
+                              </a:solidFill>
+                              <a:latin typeface="Cambria Math" panose="02040503050406030204" pitchFamily="18" charset="0"/>
+                            </a:rPr>
+                            <m:t>𝐶</m:t>
+                          </m:r>
+                        </m:e>
+                        <m:sub>
+                          <m:r>
+                            <a:rPr lang="en-US" sz="2000" b="0" i="1" smtClean="0">
+                              <a:solidFill>
+                                <a:schemeClr val="tx1"/>
+                              </a:solidFill>
+                              <a:latin typeface="Cambria Math" panose="02040503050406030204" pitchFamily="18" charset="0"/>
+                            </a:rPr>
+                            <m:t>1</m:t>
+                          </m:r>
+                        </m:sub>
+                      </m:sSub>
+                      <m:d>
+                        <m:dPr>
+                          <m:ctrlPr>
+                            <a:rPr lang="en-US" sz="2000" b="0" i="1" smtClean="0">
+                              <a:solidFill>
+                                <a:schemeClr val="tx1"/>
+                              </a:solidFill>
+                              <a:latin typeface="Cambria Math" panose="02040503050406030204" pitchFamily="18" charset="0"/>
+                            </a:rPr>
+                          </m:ctrlPr>
+                        </m:dPr>
+                        <m:e>
+                          <m:r>
+                            <a:rPr lang="en-US" sz="2000" b="0" i="1" smtClean="0">
+                              <a:solidFill>
+                                <a:schemeClr val="tx1"/>
+                              </a:solidFill>
+                              <a:latin typeface="Cambria Math" panose="02040503050406030204" pitchFamily="18" charset="0"/>
+                            </a:rPr>
+                            <m:t>𝑝</m:t>
+                          </m:r>
+                          <m:r>
+                            <a:rPr lang="en-US" sz="2000" b="0" i="1" smtClean="0">
+                              <a:solidFill>
+                                <a:schemeClr val="tx1"/>
+                              </a:solidFill>
+                              <a:latin typeface="Cambria Math" panose="02040503050406030204" pitchFamily="18" charset="0"/>
+                            </a:rPr>
+                            <m:t>,</m:t>
+                          </m:r>
+                          <m:r>
+                            <a:rPr lang="en-US" sz="2000" b="0" i="1" smtClean="0">
+                              <a:solidFill>
+                                <a:schemeClr val="tx1"/>
+                              </a:solidFill>
+                              <a:latin typeface="Cambria Math" panose="02040503050406030204" pitchFamily="18" charset="0"/>
+                            </a:rPr>
+                            <m:t>𝑐</m:t>
+                          </m:r>
+                        </m:e>
+                      </m:d>
+                    </m:oMath>
+                  </m:oMathPara>
+                </a14:m>
+                <a:endParaRPr lang="en-US" sz="2000" dirty="0"/>
+              </a:p>
+            </p:txBody>
+          </p:sp>
+        </mc:Choice>
+        <mc:Fallback>
+          <p:sp>
+            <p:nvSpPr>
+              <p:cNvPr id="3" name="Rectangle 2">
+                <a:extLst>
+                  <a:ext uri="{FF2B5EF4-FFF2-40B4-BE49-F238E27FC236}">
+                    <a16:creationId xmlns:a16="http://schemas.microsoft.com/office/drawing/2014/main" id="{81697CEE-E40C-8AF1-39F1-8792A7BBBEC3}"/>
+                  </a:ext>
+                </a:extLst>
+              </p:cNvPr>
+              <p:cNvSpPr>
+                <a:spLocks noRot="1" noChangeAspect="1" noMove="1" noResize="1" noEditPoints="1" noAdjustHandles="1" noChangeArrowheads="1" noChangeShapeType="1" noTextEdit="1"/>
+              </p:cNvSpPr>
+              <p:nvPr/>
+            </p:nvSpPr>
+            <p:spPr>
+              <a:xfrm>
+                <a:off x="2252869" y="1798155"/>
+                <a:ext cx="1908313" cy="1060174"/>
+              </a:xfrm>
+              <a:prstGeom prst="rect">
+                <a:avLst/>
+              </a:prstGeom>
+              <a:blipFill>
+                <a:blip r:embed="rId2"/>
+                <a:stretch>
+                  <a:fillRect/>
+                </a:stretch>
+              </a:blipFill>
+              <a:ln w="28575">
+                <a:solidFill>
+                  <a:schemeClr val="tx1"/>
+                </a:solidFill>
+              </a:ln>
+            </p:spPr>
+            <p:txBody>
+              <a:bodyPr/>
+              <a:lstStyle/>
+              <a:p>
+                <a:r>
+                  <a:rPr lang="en-US">
+                    <a:noFill/>
+                  </a:rPr>
+                  <a:t> </a:t>
+                </a:r>
+              </a:p>
+            </p:txBody>
+          </p:sp>
+        </mc:Fallback>
+      </mc:AlternateContent>
+      <p:cxnSp>
+        <p:nvCxnSpPr>
+          <p:cNvPr id="7" name="Straight Arrow Connector 6">
+            <a:extLst>
+              <a:ext uri="{FF2B5EF4-FFF2-40B4-BE49-F238E27FC236}">
+                <a16:creationId xmlns:a16="http://schemas.microsoft.com/office/drawing/2014/main" id="{8276139F-8C68-CEC8-010E-25C8C8E48C3E}"/>
+              </a:ext>
+            </a:extLst>
+          </p:cNvPr>
+          <p:cNvCxnSpPr>
+            <a:cxnSpLocks/>
+            <a:stCxn id="3" idx="3"/>
+          </p:cNvCxnSpPr>
+          <p:nvPr/>
+        </p:nvCxnSpPr>
+        <p:spPr>
+          <a:xfrm>
+            <a:off x="4161182" y="2328242"/>
+            <a:ext cx="1245704" cy="0"/>
+          </a:xfrm>
+          <a:prstGeom prst="straightConnector1">
+            <a:avLst/>
+          </a:prstGeom>
+          <a:ln>
+            <a:solidFill>
+              <a:schemeClr val="tx1"/>
+            </a:solidFill>
+            <a:tailEnd type="triangle"/>
+          </a:ln>
+        </p:spPr>
+        <p:style>
+          <a:lnRef idx="1">
+            <a:schemeClr val="accent1"/>
+          </a:lnRef>
+          <a:fillRef idx="0">
+            <a:schemeClr val="accent1"/>
+          </a:fillRef>
+          <a:effectRef idx="0">
+            <a:schemeClr val="accent1"/>
+          </a:effectRef>
+          <a:fontRef idx="minor">
+            <a:schemeClr val="tx1"/>
+          </a:fontRef>
+        </p:style>
+      </p:cxnSp>
+      <mc:AlternateContent xmlns:mc="http://schemas.openxmlformats.org/markup-compatibility/2006">
+        <mc:Choice xmlns:a14="http://schemas.microsoft.com/office/drawing/2010/main" Requires="a14">
+          <p:sp>
+            <p:nvSpPr>
+              <p:cNvPr id="11" name="TextBox 10">
+                <a:extLst>
+                  <a:ext uri="{FF2B5EF4-FFF2-40B4-BE49-F238E27FC236}">
+                    <a16:creationId xmlns:a16="http://schemas.microsoft.com/office/drawing/2014/main" id="{0CF76764-698E-B5B3-EC2C-6914FA54D6BC}"/>
+                  </a:ext>
+                </a:extLst>
+              </p:cNvPr>
+              <p:cNvSpPr txBox="1"/>
+              <p:nvPr/>
+            </p:nvSpPr>
+            <p:spPr>
+              <a:xfrm>
+                <a:off x="4472608" y="1798155"/>
+                <a:ext cx="622852" cy="461665"/>
+              </a:xfrm>
+              <a:prstGeom prst="rect">
+                <a:avLst/>
+              </a:prstGeom>
+              <a:noFill/>
+            </p:spPr>
+            <p:txBody>
+              <a:bodyPr wrap="square">
+                <a:spAutoFit/>
+              </a:bodyPr>
+              <a:lstStyle/>
+              <a:p>
+                <a:pPr/>
+                <a14:m>
+                  <m:oMathPara xmlns:m="http://schemas.openxmlformats.org/officeDocument/2006/math">
+                    <m:oMathParaPr>
+                      <m:jc m:val="centerGroup"/>
+                    </m:oMathParaPr>
+                    <m:oMath xmlns:m="http://schemas.openxmlformats.org/officeDocument/2006/math">
+                      <m:r>
+                        <a:rPr lang="en-US" sz="2400" b="0" i="1" smtClean="0">
+                          <a:solidFill>
+                            <a:schemeClr val="tx1"/>
+                          </a:solidFill>
+                          <a:latin typeface="Cambria Math" panose="02040503050406030204" pitchFamily="18" charset="0"/>
+                        </a:rPr>
+                        <m:t>𝑢</m:t>
+                      </m:r>
+                    </m:oMath>
+                  </m:oMathPara>
+                </a14:m>
+                <a:endParaRPr lang="en-US" sz="2400" dirty="0"/>
+              </a:p>
+            </p:txBody>
+          </p:sp>
+        </mc:Choice>
+        <mc:Fallback>
+          <p:sp>
+            <p:nvSpPr>
+              <p:cNvPr id="11" name="TextBox 10">
+                <a:extLst>
+                  <a:ext uri="{FF2B5EF4-FFF2-40B4-BE49-F238E27FC236}">
+                    <a16:creationId xmlns:a16="http://schemas.microsoft.com/office/drawing/2014/main" id="{0CF76764-698E-B5B3-EC2C-6914FA54D6BC}"/>
+                  </a:ext>
+                </a:extLst>
+              </p:cNvPr>
+              <p:cNvSpPr txBox="1">
+                <a:spLocks noRot="1" noChangeAspect="1" noMove="1" noResize="1" noEditPoints="1" noAdjustHandles="1" noChangeArrowheads="1" noChangeShapeType="1" noTextEdit="1"/>
+              </p:cNvSpPr>
+              <p:nvPr/>
+            </p:nvSpPr>
+            <p:spPr>
+              <a:xfrm>
+                <a:off x="4472608" y="1798155"/>
+                <a:ext cx="622852" cy="461665"/>
+              </a:xfrm>
+              <a:prstGeom prst="rect">
+                <a:avLst/>
+              </a:prstGeom>
+              <a:blipFill>
+                <a:blip r:embed="rId3"/>
+                <a:stretch>
+                  <a:fillRect/>
+                </a:stretch>
+              </a:blipFill>
+            </p:spPr>
+            <p:txBody>
+              <a:bodyPr/>
+              <a:lstStyle/>
+              <a:p>
+                <a:r>
+                  <a:rPr lang="en-US">
+                    <a:noFill/>
+                  </a:rPr>
+                  <a:t> </a:t>
+                </a:r>
+              </a:p>
+            </p:txBody>
+          </p:sp>
+        </mc:Fallback>
+      </mc:AlternateContent>
+      <mc:AlternateContent xmlns:mc="http://schemas.openxmlformats.org/markup-compatibility/2006">
+        <mc:Choice xmlns:a14="http://schemas.microsoft.com/office/drawing/2010/main" Requires="a14">
+          <p:sp>
+            <p:nvSpPr>
+              <p:cNvPr id="12" name="Rectangle 11">
+                <a:extLst>
+                  <a:ext uri="{FF2B5EF4-FFF2-40B4-BE49-F238E27FC236}">
+                    <a16:creationId xmlns:a16="http://schemas.microsoft.com/office/drawing/2014/main" id="{437991F8-4164-812F-66F6-C8E5155688BD}"/>
+                  </a:ext>
+                </a:extLst>
+              </p:cNvPr>
+              <p:cNvSpPr/>
+              <p:nvPr/>
+            </p:nvSpPr>
+            <p:spPr>
+              <a:xfrm>
+                <a:off x="7060509" y="3858454"/>
+                <a:ext cx="1908313" cy="1060174"/>
+              </a:xfrm>
+              <a:prstGeom prst="rect">
+                <a:avLst/>
+              </a:prstGeom>
+              <a:noFill/>
+              <a:ln w="28575">
+                <a:solidFill>
+                  <a:schemeClr val="tx1"/>
+                </a:solidFill>
+              </a:ln>
+            </p:spPr>
+            <p:style>
+              <a:lnRef idx="2">
+                <a:schemeClr val="accent1">
+                  <a:shade val="50000"/>
+                </a:schemeClr>
+              </a:lnRef>
+              <a:fillRef idx="1">
+                <a:schemeClr val="accent1"/>
+              </a:fillRef>
+              <a:effectRef idx="0">
+                <a:schemeClr val="accent1"/>
+              </a:effectRef>
+              <a:fontRef idx="minor">
+                <a:schemeClr val="lt1"/>
+              </a:fontRef>
+            </p:style>
+            <p:txBody>
+              <a:bodyPr rtlCol="0" anchor="ctr"/>
+              <a:lstStyle/>
+              <a:p>
+                <a:pPr algn="ctr"/>
+                <a14:m>
+                  <m:oMathPara xmlns:m="http://schemas.openxmlformats.org/officeDocument/2006/math">
+                    <m:oMathParaPr>
+                      <m:jc m:val="centerGroup"/>
+                    </m:oMathParaPr>
+                    <m:oMath xmlns:m="http://schemas.openxmlformats.org/officeDocument/2006/math">
+                      <m:sSub>
+                        <m:sSubPr>
+                          <m:ctrlPr>
+                            <a:rPr lang="en-US" sz="2000" i="1" smtClean="0">
+                              <a:solidFill>
+                                <a:schemeClr val="tx1"/>
+                              </a:solidFill>
+                              <a:latin typeface="Cambria Math" panose="02040503050406030204" pitchFamily="18" charset="0"/>
+                            </a:rPr>
+                          </m:ctrlPr>
+                        </m:sSubPr>
+                        <m:e>
+                          <m:r>
+                            <a:rPr lang="en-US" sz="2000" i="1">
+                              <a:solidFill>
+                                <a:schemeClr val="tx1"/>
+                              </a:solidFill>
+                              <a:latin typeface="Cambria Math" panose="02040503050406030204" pitchFamily="18" charset="0"/>
+                            </a:rPr>
+                            <m:t>𝑀</m:t>
+                          </m:r>
+                        </m:e>
+                        <m:sub>
+                          <m:r>
+                            <a:rPr lang="en-US" sz="2000" b="0" i="1" smtClean="0">
+                              <a:solidFill>
+                                <a:schemeClr val="tx1"/>
+                              </a:solidFill>
+                              <a:latin typeface="Cambria Math" panose="02040503050406030204" pitchFamily="18" charset="0"/>
+                            </a:rPr>
+                            <m:t>2</m:t>
+                          </m:r>
+                        </m:sub>
+                      </m:sSub>
+                      <m:d>
+                        <m:dPr>
+                          <m:ctrlPr>
+                            <a:rPr lang="en-US" sz="2000" i="1">
+                              <a:solidFill>
+                                <a:schemeClr val="tx1"/>
+                              </a:solidFill>
+                              <a:latin typeface="Cambria Math" panose="02040503050406030204" pitchFamily="18" charset="0"/>
+                            </a:rPr>
+                          </m:ctrlPr>
+                        </m:dPr>
+                        <m:e>
+                          <m:sSub>
+                            <m:sSubPr>
+                              <m:ctrlPr>
+                                <a:rPr lang="en-US" sz="2000" i="1">
+                                  <a:solidFill>
+                                    <a:schemeClr val="tx1"/>
+                                  </a:solidFill>
+                                  <a:latin typeface="Cambria Math" panose="02040503050406030204" pitchFamily="18" charset="0"/>
+                                </a:rPr>
+                              </m:ctrlPr>
+                            </m:sSubPr>
+                            <m:e>
+                              <m:r>
+                                <a:rPr lang="en-US" sz="2000" i="1">
+                                  <a:solidFill>
+                                    <a:schemeClr val="tx1"/>
+                                  </a:solidFill>
+                                  <a:latin typeface="Cambria Math" panose="02040503050406030204" pitchFamily="18" charset="0"/>
+                                </a:rPr>
+                                <m:t>𝜋</m:t>
+                              </m:r>
+                            </m:e>
+                            <m:sub>
+                              <m:r>
+                                <a:rPr lang="en-US" sz="2000" b="0" i="1" smtClean="0">
+                                  <a:solidFill>
+                                    <a:schemeClr val="tx1"/>
+                                  </a:solidFill>
+                                  <a:latin typeface="Cambria Math" panose="02040503050406030204" pitchFamily="18" charset="0"/>
+                                </a:rPr>
+                                <m:t>𝑀</m:t>
+                              </m:r>
+                            </m:sub>
+                          </m:sSub>
+                        </m:e>
+                      </m:d>
+                      <m:r>
+                        <a:rPr lang="en-US" sz="2000" i="1">
+                          <a:solidFill>
+                            <a:schemeClr val="tx1"/>
+                          </a:solidFill>
+                          <a:latin typeface="Cambria Math" panose="02040503050406030204" pitchFamily="18" charset="0"/>
+                        </a:rPr>
+                        <m:t>⊨</m:t>
+                      </m:r>
+                      <m:sSub>
+                        <m:sSubPr>
+                          <m:ctrlPr>
+                            <a:rPr lang="en-US" sz="2000" i="1">
+                              <a:solidFill>
+                                <a:schemeClr val="tx1"/>
+                              </a:solidFill>
+                              <a:latin typeface="Cambria Math" panose="02040503050406030204" pitchFamily="18" charset="0"/>
+                            </a:rPr>
+                          </m:ctrlPr>
+                        </m:sSubPr>
+                        <m:e>
+                          <m:r>
+                            <a:rPr lang="en-US" sz="2000" i="1">
+                              <a:solidFill>
+                                <a:schemeClr val="tx1"/>
+                              </a:solidFill>
+                              <a:latin typeface="Cambria Math" panose="02040503050406030204" pitchFamily="18" charset="0"/>
+                            </a:rPr>
+                            <m:t>𝐶</m:t>
+                          </m:r>
+                        </m:e>
+                        <m:sub>
+                          <m:r>
+                            <a:rPr lang="en-US" sz="2000" b="0" i="1" smtClean="0">
+                              <a:solidFill>
+                                <a:schemeClr val="tx1"/>
+                              </a:solidFill>
+                              <a:latin typeface="Cambria Math" panose="02040503050406030204" pitchFamily="18" charset="0"/>
+                            </a:rPr>
+                            <m:t>2</m:t>
+                          </m:r>
+                        </m:sub>
+                      </m:sSub>
+                    </m:oMath>
+                  </m:oMathPara>
+                </a14:m>
+                <a:endParaRPr lang="en-US" sz="2000" dirty="0"/>
+              </a:p>
+            </p:txBody>
+          </p:sp>
+        </mc:Choice>
+        <mc:Fallback>
+          <p:sp>
+            <p:nvSpPr>
+              <p:cNvPr id="12" name="Rectangle 11">
+                <a:extLst>
+                  <a:ext uri="{FF2B5EF4-FFF2-40B4-BE49-F238E27FC236}">
+                    <a16:creationId xmlns:a16="http://schemas.microsoft.com/office/drawing/2014/main" id="{437991F8-4164-812F-66F6-C8E5155688BD}"/>
+                  </a:ext>
+                </a:extLst>
+              </p:cNvPr>
+              <p:cNvSpPr>
+                <a:spLocks noRot="1" noChangeAspect="1" noMove="1" noResize="1" noEditPoints="1" noAdjustHandles="1" noChangeArrowheads="1" noChangeShapeType="1" noTextEdit="1"/>
+              </p:cNvSpPr>
+              <p:nvPr/>
+            </p:nvSpPr>
+            <p:spPr>
+              <a:xfrm>
+                <a:off x="7060509" y="3858454"/>
+                <a:ext cx="1908313" cy="1060174"/>
+              </a:xfrm>
+              <a:prstGeom prst="rect">
+                <a:avLst/>
+              </a:prstGeom>
+              <a:blipFill>
+                <a:blip r:embed="rId4"/>
+                <a:stretch>
+                  <a:fillRect/>
+                </a:stretch>
+              </a:blipFill>
+              <a:ln w="28575">
+                <a:solidFill>
+                  <a:schemeClr val="tx1"/>
+                </a:solidFill>
+              </a:ln>
+            </p:spPr>
+            <p:txBody>
+              <a:bodyPr/>
+              <a:lstStyle/>
+              <a:p>
+                <a:r>
+                  <a:rPr lang="en-US">
+                    <a:noFill/>
+                  </a:rPr>
+                  <a:t> </a:t>
+                </a:r>
+              </a:p>
+            </p:txBody>
+          </p:sp>
+        </mc:Fallback>
+      </mc:AlternateContent>
+      <mc:AlternateContent xmlns:mc="http://schemas.openxmlformats.org/markup-compatibility/2006">
+        <mc:Choice xmlns:a14="http://schemas.microsoft.com/office/drawing/2010/main" Requires="a14">
+          <p:sp>
+            <p:nvSpPr>
+              <p:cNvPr id="17" name="TextBox 16">
+                <a:extLst>
+                  <a:ext uri="{FF2B5EF4-FFF2-40B4-BE49-F238E27FC236}">
+                    <a16:creationId xmlns:a16="http://schemas.microsoft.com/office/drawing/2014/main" id="{0560F027-104C-8145-F946-B79063A70BEA}"/>
+                  </a:ext>
+                </a:extLst>
+              </p:cNvPr>
+              <p:cNvSpPr txBox="1"/>
+              <p:nvPr/>
+            </p:nvSpPr>
+            <p:spPr>
+              <a:xfrm>
+                <a:off x="5383575" y="2977240"/>
+                <a:ext cx="5262180" cy="461665"/>
+              </a:xfrm>
+              <a:prstGeom prst="rect">
+                <a:avLst/>
+              </a:prstGeom>
+              <a:noFill/>
+            </p:spPr>
+            <p:txBody>
+              <a:bodyPr wrap="square">
+                <a:spAutoFit/>
+              </a:bodyPr>
+              <a:lstStyle/>
+              <a:p>
+                <a:pPr/>
+                <a14:m>
+                  <m:oMathPara xmlns:m="http://schemas.openxmlformats.org/officeDocument/2006/math">
+                    <m:oMathParaPr>
+                      <m:jc m:val="centerGroup"/>
+                    </m:oMathParaPr>
+                    <m:oMath xmlns:m="http://schemas.openxmlformats.org/officeDocument/2006/math">
+                      <m:r>
+                        <a:rPr lang="en-US" sz="2400" i="1" smtClean="0">
+                          <a:latin typeface="Cambria Math" panose="02040503050406030204" pitchFamily="18" charset="0"/>
+                        </a:rPr>
+                        <m:t>𝑤</m:t>
+                      </m:r>
+                      <m:r>
+                        <a:rPr lang="en-US" sz="2400" i="1" smtClean="0">
+                          <a:latin typeface="Cambria Math" panose="02040503050406030204" pitchFamily="18" charset="0"/>
+                        </a:rPr>
+                        <m:t>~</m:t>
+                      </m:r>
+                      <m:r>
+                        <a:rPr lang="en-US" sz="2400" i="1" smtClean="0">
+                          <a:latin typeface="Cambria Math" panose="02040503050406030204" pitchFamily="18" charset="0"/>
+                        </a:rPr>
+                        <m:t>𝐺𝑎𝑢𝑠𝑠𝑖𝑎𝑛</m:t>
+                      </m:r>
+                      <m:r>
+                        <a:rPr lang="en-US" sz="2400" i="1" smtClean="0">
+                          <a:latin typeface="Cambria Math" panose="02040503050406030204" pitchFamily="18" charset="0"/>
+                        </a:rPr>
+                        <m:t> </m:t>
+                      </m:r>
+                      <m:d>
+                        <m:dPr>
+                          <m:ctrlPr>
+                            <a:rPr lang="en-US" sz="2400" i="1">
+                              <a:latin typeface="Cambria Math" panose="02040503050406030204" pitchFamily="18" charset="0"/>
+                            </a:rPr>
+                          </m:ctrlPr>
+                        </m:dPr>
+                        <m:e>
+                          <m:sSup>
+                            <m:sSupPr>
+                              <m:ctrlPr>
+                                <a:rPr lang="en-US" sz="2400" i="1">
+                                  <a:latin typeface="Cambria Math" panose="02040503050406030204" pitchFamily="18" charset="0"/>
+                                </a:rPr>
+                              </m:ctrlPr>
+                            </m:sSupPr>
+                            <m:e>
+                              <m:r>
+                                <a:rPr lang="en-US" sz="2400" b="0" i="1" smtClean="0">
+                                  <a:latin typeface="Cambria Math" panose="02040503050406030204" pitchFamily="18" charset="0"/>
+                                </a:rPr>
+                                <m:t>𝜇</m:t>
+                              </m:r>
+                              <m:r>
+                                <a:rPr lang="en-US" sz="2400" i="1">
+                                  <a:latin typeface="Cambria Math" panose="02040503050406030204" pitchFamily="18" charset="0"/>
+                                </a:rPr>
+                                <m:t>,</m:t>
+                              </m:r>
+                              <m:r>
+                                <a:rPr lang="en-US" sz="2400" b="0" i="1" smtClean="0">
+                                  <a:latin typeface="Cambria Math" panose="02040503050406030204" pitchFamily="18" charset="0"/>
+                                </a:rPr>
+                                <m:t>𝜎</m:t>
+                              </m:r>
+                            </m:e>
+                            <m:sup>
+                              <m:r>
+                                <a:rPr lang="en-US" sz="2400" i="1">
+                                  <a:latin typeface="Cambria Math" panose="02040503050406030204" pitchFamily="18" charset="0"/>
+                                </a:rPr>
+                                <m:t>2</m:t>
+                              </m:r>
+                            </m:sup>
+                          </m:sSup>
+                        </m:e>
+                      </m:d>
+                    </m:oMath>
+                  </m:oMathPara>
+                </a14:m>
+                <a:endParaRPr lang="en-US" sz="2400" dirty="0"/>
+              </a:p>
+            </p:txBody>
+          </p:sp>
+        </mc:Choice>
+        <mc:Fallback>
+          <p:sp>
+            <p:nvSpPr>
+              <p:cNvPr id="17" name="TextBox 16">
+                <a:extLst>
+                  <a:ext uri="{FF2B5EF4-FFF2-40B4-BE49-F238E27FC236}">
+                    <a16:creationId xmlns:a16="http://schemas.microsoft.com/office/drawing/2014/main" id="{0560F027-104C-8145-F946-B79063A70BEA}"/>
+                  </a:ext>
+                </a:extLst>
+              </p:cNvPr>
+              <p:cNvSpPr txBox="1">
+                <a:spLocks noRot="1" noChangeAspect="1" noMove="1" noResize="1" noEditPoints="1" noAdjustHandles="1" noChangeArrowheads="1" noChangeShapeType="1" noTextEdit="1"/>
+              </p:cNvSpPr>
+              <p:nvPr/>
+            </p:nvSpPr>
+            <p:spPr>
+              <a:xfrm>
+                <a:off x="5383575" y="2977240"/>
+                <a:ext cx="5262180" cy="461665"/>
+              </a:xfrm>
+              <a:prstGeom prst="rect">
+                <a:avLst/>
+              </a:prstGeom>
+              <a:blipFill>
+                <a:blip r:embed="rId5"/>
+                <a:stretch>
+                  <a:fillRect b="-7895"/>
+                </a:stretch>
+              </a:blipFill>
+            </p:spPr>
+            <p:txBody>
+              <a:bodyPr/>
+              <a:lstStyle/>
+              <a:p>
+                <a:r>
+                  <a:rPr lang="en-US">
+                    <a:noFill/>
+                  </a:rPr>
+                  <a:t> </a:t>
+                </a:r>
+              </a:p>
+            </p:txBody>
+          </p:sp>
+        </mc:Fallback>
+      </mc:AlternateContent>
+      <p:cxnSp>
+        <p:nvCxnSpPr>
+          <p:cNvPr id="18" name="Straight Arrow Connector 17">
+            <a:extLst>
+              <a:ext uri="{FF2B5EF4-FFF2-40B4-BE49-F238E27FC236}">
+                <a16:creationId xmlns:a16="http://schemas.microsoft.com/office/drawing/2014/main" id="{0C310376-5EA1-7696-6E27-B7800D712F8B}"/>
+              </a:ext>
+            </a:extLst>
+          </p:cNvPr>
+          <p:cNvCxnSpPr>
+            <a:cxnSpLocks/>
+            <a:stCxn id="17" idx="2"/>
+            <a:endCxn id="12" idx="0"/>
+          </p:cNvCxnSpPr>
+          <p:nvPr/>
+        </p:nvCxnSpPr>
+        <p:spPr>
+          <a:xfrm>
+            <a:off x="8014665" y="3438905"/>
+            <a:ext cx="1" cy="419549"/>
+          </a:xfrm>
+          <a:prstGeom prst="straightConnector1">
+            <a:avLst/>
+          </a:prstGeom>
+          <a:ln>
+            <a:solidFill>
+              <a:schemeClr val="tx1"/>
+            </a:solidFill>
+            <a:prstDash val="lgDash"/>
+            <a:tailEnd type="triangle"/>
+          </a:ln>
+        </p:spPr>
+        <p:style>
+          <a:lnRef idx="1">
+            <a:schemeClr val="accent1"/>
+          </a:lnRef>
+          <a:fillRef idx="0">
+            <a:schemeClr val="accent1"/>
+          </a:fillRef>
+          <a:effectRef idx="0">
+            <a:schemeClr val="accent1"/>
+          </a:effectRef>
+          <a:fontRef idx="minor">
+            <a:schemeClr val="tx1"/>
+          </a:fontRef>
+        </p:style>
+      </p:cxnSp>
+      <mc:AlternateContent xmlns:mc="http://schemas.openxmlformats.org/markup-compatibility/2006">
+        <mc:Choice xmlns:a14="http://schemas.microsoft.com/office/drawing/2010/main" Requires="a14">
+          <p:sp>
+            <p:nvSpPr>
+              <p:cNvPr id="4" name="TextBox 3">
+                <a:extLst>
+                  <a:ext uri="{FF2B5EF4-FFF2-40B4-BE49-F238E27FC236}">
+                    <a16:creationId xmlns:a16="http://schemas.microsoft.com/office/drawing/2014/main" id="{E7674DEB-29A6-07FD-ACE3-616AA5B11751}"/>
+                  </a:ext>
+                </a:extLst>
+              </p:cNvPr>
+              <p:cNvSpPr txBox="1"/>
+              <p:nvPr/>
+            </p:nvSpPr>
+            <p:spPr>
+              <a:xfrm>
+                <a:off x="1811875" y="1037236"/>
+                <a:ext cx="2790301" cy="461665"/>
+              </a:xfrm>
+              <a:prstGeom prst="rect">
+                <a:avLst/>
+              </a:prstGeom>
+              <a:noFill/>
+            </p:spPr>
+            <p:txBody>
+              <a:bodyPr wrap="square">
+                <a:spAutoFit/>
+              </a:bodyPr>
+              <a:lstStyle/>
+              <a:p>
+                <a:pPr/>
+                <a14:m>
+                  <m:oMathPara xmlns:m="http://schemas.openxmlformats.org/officeDocument/2006/math">
+                    <m:oMathParaPr>
+                      <m:jc m:val="centerGroup"/>
+                    </m:oMathParaPr>
+                    <m:oMath xmlns:m="http://schemas.openxmlformats.org/officeDocument/2006/math">
+                      <m:r>
+                        <a:rPr lang="en-US" sz="2400" b="0" i="1" smtClean="0">
+                          <a:solidFill>
+                            <a:schemeClr val="tx1"/>
+                          </a:solidFill>
+                          <a:latin typeface="Cambria Math" panose="02040503050406030204" pitchFamily="18" charset="0"/>
+                        </a:rPr>
+                        <m:t>𝑤</m:t>
+                      </m:r>
+                      <m:r>
+                        <a:rPr lang="en-US" sz="2400" b="0" i="1" smtClean="0">
+                          <a:solidFill>
+                            <a:schemeClr val="tx1"/>
+                          </a:solidFill>
+                          <a:latin typeface="Cambria Math" panose="02040503050406030204" pitchFamily="18" charset="0"/>
+                        </a:rPr>
+                        <m:t>~</m:t>
+                      </m:r>
+                      <m:r>
+                        <a:rPr lang="en-US" sz="2400" b="0" i="1" smtClean="0">
+                          <a:solidFill>
+                            <a:schemeClr val="tx1"/>
+                          </a:solidFill>
+                          <a:latin typeface="Cambria Math" panose="02040503050406030204" pitchFamily="18" charset="0"/>
+                        </a:rPr>
+                        <m:t>𝐺𝑎𝑢𝑠𝑠𝑖𝑎𝑛</m:t>
+                      </m:r>
+                      <m:r>
+                        <a:rPr lang="en-US" sz="2400" b="0" i="1" smtClean="0">
+                          <a:solidFill>
+                            <a:schemeClr val="tx1"/>
+                          </a:solidFill>
+                          <a:latin typeface="Cambria Math" panose="02040503050406030204" pitchFamily="18" charset="0"/>
+                        </a:rPr>
+                        <m:t> </m:t>
+                      </m:r>
+                      <m:d>
+                        <m:dPr>
+                          <m:ctrlPr>
+                            <a:rPr lang="en-US" sz="2400" b="0" i="1" smtClean="0">
+                              <a:solidFill>
+                                <a:schemeClr val="tx1"/>
+                              </a:solidFill>
+                              <a:latin typeface="Cambria Math" panose="02040503050406030204" pitchFamily="18" charset="0"/>
+                            </a:rPr>
+                          </m:ctrlPr>
+                        </m:dPr>
+                        <m:e>
+                          <m:sSup>
+                            <m:sSupPr>
+                              <m:ctrlPr>
+                                <a:rPr lang="en-US" sz="2400" b="0" i="1" smtClean="0">
+                                  <a:solidFill>
+                                    <a:schemeClr val="tx1"/>
+                                  </a:solidFill>
+                                  <a:latin typeface="Cambria Math" panose="02040503050406030204" pitchFamily="18" charset="0"/>
+                                </a:rPr>
+                              </m:ctrlPr>
+                            </m:sSupPr>
+                            <m:e>
+                              <m:r>
+                                <a:rPr lang="en-US" sz="2400" b="0" i="1" smtClean="0">
+                                  <a:solidFill>
+                                    <a:schemeClr val="tx1"/>
+                                  </a:solidFill>
+                                  <a:latin typeface="Cambria Math" panose="02040503050406030204" pitchFamily="18" charset="0"/>
+                                </a:rPr>
+                                <m:t>0,2</m:t>
+                              </m:r>
+                            </m:e>
+                            <m:sup>
+                              <m:r>
+                                <a:rPr lang="en-US" sz="2400" b="0" i="1" smtClean="0">
+                                  <a:solidFill>
+                                    <a:schemeClr val="tx1"/>
+                                  </a:solidFill>
+                                  <a:latin typeface="Cambria Math" panose="02040503050406030204" pitchFamily="18" charset="0"/>
+                                </a:rPr>
+                                <m:t>2</m:t>
+                              </m:r>
+                            </m:sup>
+                          </m:sSup>
+                        </m:e>
+                      </m:d>
+                    </m:oMath>
+                  </m:oMathPara>
+                </a14:m>
+                <a:endParaRPr lang="en-US" sz="2400" dirty="0"/>
+              </a:p>
+            </p:txBody>
+          </p:sp>
+        </mc:Choice>
+        <mc:Fallback>
+          <p:sp>
+            <p:nvSpPr>
+              <p:cNvPr id="4" name="TextBox 3">
+                <a:extLst>
+                  <a:ext uri="{FF2B5EF4-FFF2-40B4-BE49-F238E27FC236}">
+                    <a16:creationId xmlns:a16="http://schemas.microsoft.com/office/drawing/2014/main" id="{E7674DEB-29A6-07FD-ACE3-616AA5B11751}"/>
+                  </a:ext>
+                </a:extLst>
+              </p:cNvPr>
+              <p:cNvSpPr txBox="1">
+                <a:spLocks noRot="1" noChangeAspect="1" noMove="1" noResize="1" noEditPoints="1" noAdjustHandles="1" noChangeArrowheads="1" noChangeShapeType="1" noTextEdit="1"/>
+              </p:cNvSpPr>
+              <p:nvPr/>
+            </p:nvSpPr>
+            <p:spPr>
+              <a:xfrm>
+                <a:off x="1811875" y="1037236"/>
+                <a:ext cx="2790301" cy="461665"/>
+              </a:xfrm>
+              <a:prstGeom prst="rect">
+                <a:avLst/>
+              </a:prstGeom>
+              <a:blipFill>
+                <a:blip r:embed="rId6"/>
+                <a:stretch>
+                  <a:fillRect/>
+                </a:stretch>
+              </a:blipFill>
+            </p:spPr>
+            <p:txBody>
+              <a:bodyPr/>
+              <a:lstStyle/>
+              <a:p>
+                <a:r>
+                  <a:rPr lang="en-US">
+                    <a:noFill/>
+                  </a:rPr>
+                  <a:t> </a:t>
+                </a:r>
+              </a:p>
+            </p:txBody>
+          </p:sp>
+        </mc:Fallback>
+      </mc:AlternateContent>
+      <p:cxnSp>
+        <p:nvCxnSpPr>
+          <p:cNvPr id="6" name="Straight Arrow Connector 5">
+            <a:extLst>
+              <a:ext uri="{FF2B5EF4-FFF2-40B4-BE49-F238E27FC236}">
+                <a16:creationId xmlns:a16="http://schemas.microsoft.com/office/drawing/2014/main" id="{8B4F61FE-30C2-D9E3-8EC1-F1CC75B12CEF}"/>
+              </a:ext>
+            </a:extLst>
+          </p:cNvPr>
+          <p:cNvCxnSpPr>
+            <a:cxnSpLocks/>
+            <a:stCxn id="4" idx="2"/>
+            <a:endCxn id="3" idx="0"/>
+          </p:cNvCxnSpPr>
+          <p:nvPr/>
+        </p:nvCxnSpPr>
+        <p:spPr>
+          <a:xfrm>
+            <a:off x="3207026" y="1498901"/>
+            <a:ext cx="0" cy="299254"/>
+          </a:xfrm>
+          <a:prstGeom prst="straightConnector1">
+            <a:avLst/>
+          </a:prstGeom>
+          <a:ln>
+            <a:solidFill>
+              <a:schemeClr val="tx1"/>
+            </a:solidFill>
+            <a:prstDash val="lgDash"/>
+            <a:tailEnd type="triangle"/>
+          </a:ln>
+        </p:spPr>
+        <p:style>
+          <a:lnRef idx="1">
+            <a:schemeClr val="accent1"/>
+          </a:lnRef>
+          <a:fillRef idx="0">
+            <a:schemeClr val="accent1"/>
+          </a:fillRef>
+          <a:effectRef idx="0">
+            <a:schemeClr val="accent1"/>
+          </a:effectRef>
+          <a:fontRef idx="minor">
+            <a:schemeClr val="tx1"/>
+          </a:fontRef>
+        </p:style>
+      </p:cxnSp>
+    </p:spTree>
+    <p:extLst>
+      <p:ext uri="{BB962C8B-B14F-4D97-AF65-F5344CB8AC3E}">
+        <p14:creationId xmlns:p14="http://schemas.microsoft.com/office/powerpoint/2010/main" val="1524540945"/>
+      </p:ext>
+    </p:extLst>
+  </p:cSld>
+  <p:clrMapOvr>
+    <a:masterClrMapping/>
+  </p:clrMapOvr>
+</p:sld>
+</file>
+
+<file path=ppt/slides/slide3.xml><?xml version="1.0" encoding="utf-8"?>
+<p:sld xmlns:a="http://schemas.openxmlformats.org/drawingml/2006/main" xmlns:r="http://schemas.openxmlformats.org/officeDocument/2006/relationships" xmlns:p="http://schemas.openxmlformats.org/presentationml/2006/main">
+  <p:cSld>
+    <p:spTree>
+      <p:nvGrpSpPr>
+        <p:cNvPr id="1" name=""/>
+        <p:cNvGrpSpPr/>
+        <p:nvPr/>
+      </p:nvGrpSpPr>
+      <p:grpSpPr>
+        <a:xfrm>
+          <a:off x="0" y="0"/>
+          <a:ext cx="0" cy="0"/>
+          <a:chOff x="0" y="0"/>
+          <a:chExt cx="0" cy="0"/>
+        </a:xfrm>
+      </p:grpSpPr>
+      <mc:AlternateContent xmlns:mc="http://schemas.openxmlformats.org/markup-compatibility/2006">
+        <mc:Choice xmlns:a14="http://schemas.microsoft.com/office/drawing/2010/main" Requires="a14">
+          <p:sp>
+            <p:nvSpPr>
+              <p:cNvPr id="12" name="Rectangle 11">
+                <a:extLst>
+                  <a:ext uri="{FF2B5EF4-FFF2-40B4-BE49-F238E27FC236}">
+                    <a16:creationId xmlns:a16="http://schemas.microsoft.com/office/drawing/2014/main" id="{437991F8-4164-812F-66F6-C8E5155688BD}"/>
+                  </a:ext>
+                </a:extLst>
+              </p:cNvPr>
+              <p:cNvSpPr/>
+              <p:nvPr/>
+            </p:nvSpPr>
+            <p:spPr>
+              <a:xfrm>
+                <a:off x="4900803" y="1798155"/>
+                <a:ext cx="2236129" cy="1060174"/>
+              </a:xfrm>
+              <a:prstGeom prst="rect">
+                <a:avLst/>
+              </a:prstGeom>
+              <a:noFill/>
+              <a:ln w="28575">
+                <a:solidFill>
+                  <a:schemeClr val="tx1"/>
+                </a:solidFill>
+              </a:ln>
+            </p:spPr>
+            <p:style>
+              <a:lnRef idx="2">
+                <a:schemeClr val="accent1">
+                  <a:shade val="50000"/>
+                </a:schemeClr>
+              </a:lnRef>
+              <a:fillRef idx="1">
+                <a:schemeClr val="accent1"/>
+              </a:fillRef>
+              <a:effectRef idx="0">
+                <a:schemeClr val="accent1"/>
+              </a:effectRef>
+              <a:fontRef idx="minor">
+                <a:schemeClr val="lt1"/>
+              </a:fontRef>
+            </p:style>
+            <p:txBody>
+              <a:bodyPr rtlCol="0" anchor="ctr"/>
+              <a:lstStyle/>
+              <a:p>
+                <a:pPr algn="ctr"/>
+                <a14:m>
+                  <m:oMathPara xmlns:m="http://schemas.openxmlformats.org/officeDocument/2006/math">
+                    <m:oMathParaPr>
+                      <m:jc m:val="centerGroup"/>
+                    </m:oMathParaPr>
+                    <m:oMath xmlns:m="http://schemas.openxmlformats.org/officeDocument/2006/math">
+                      <m:r>
+                        <a:rPr lang="en-US" sz="2000" i="1" smtClean="0">
+                          <a:solidFill>
+                            <a:schemeClr val="tx1"/>
+                          </a:solidFill>
+                          <a:latin typeface="Cambria Math" panose="02040503050406030204" pitchFamily="18" charset="0"/>
+                        </a:rPr>
+                        <m:t>𝑀</m:t>
+                      </m:r>
+                      <m:d>
+                        <m:dPr>
+                          <m:ctrlPr>
+                            <a:rPr lang="en-US" sz="2000" i="1">
+                              <a:solidFill>
+                                <a:schemeClr val="tx1"/>
+                              </a:solidFill>
+                              <a:latin typeface="Cambria Math" panose="02040503050406030204" pitchFamily="18" charset="0"/>
+                            </a:rPr>
+                          </m:ctrlPr>
+                        </m:dPr>
+                        <m:e>
+                          <m:r>
+                            <a:rPr lang="en-US" sz="2000" i="1" smtClean="0">
+                              <a:solidFill>
+                                <a:schemeClr val="tx1"/>
+                              </a:solidFill>
+                              <a:latin typeface="Cambria Math" panose="02040503050406030204" pitchFamily="18" charset="0"/>
+                            </a:rPr>
+                            <m:t>𝜎</m:t>
+                          </m:r>
+                        </m:e>
+                      </m:d>
+                      <m:r>
+                        <a:rPr lang="en-US" sz="2000" i="1">
+                          <a:solidFill>
+                            <a:schemeClr val="tx1"/>
+                          </a:solidFill>
+                          <a:latin typeface="Cambria Math" panose="02040503050406030204" pitchFamily="18" charset="0"/>
+                        </a:rPr>
+                        <m:t>⊨</m:t>
+                      </m:r>
+                      <m:sSub>
+                        <m:sSubPr>
+                          <m:ctrlPr>
+                            <a:rPr lang="en-US" sz="2000" i="1">
+                              <a:solidFill>
+                                <a:schemeClr val="tx1"/>
+                              </a:solidFill>
+                              <a:latin typeface="Cambria Math" panose="02040503050406030204" pitchFamily="18" charset="0"/>
+                            </a:rPr>
+                          </m:ctrlPr>
+                        </m:sSubPr>
+                        <m:e>
+                          <m:r>
+                            <a:rPr lang="en-US" sz="2000" i="1">
+                              <a:solidFill>
+                                <a:schemeClr val="tx1"/>
+                              </a:solidFill>
+                              <a:latin typeface="Cambria Math" panose="02040503050406030204" pitchFamily="18" charset="0"/>
+                            </a:rPr>
+                            <m:t>𝐶</m:t>
+                          </m:r>
+                        </m:e>
+                        <m:sub>
+                          <m:r>
+                            <a:rPr lang="en-US" sz="2000" b="0" i="1" smtClean="0">
+                              <a:solidFill>
+                                <a:schemeClr val="tx1"/>
+                              </a:solidFill>
+                              <a:latin typeface="Cambria Math" panose="02040503050406030204" pitchFamily="18" charset="0"/>
+                            </a:rPr>
+                            <m:t>2</m:t>
+                          </m:r>
+                        </m:sub>
+                      </m:sSub>
+                      <m:d>
+                        <m:dPr>
+                          <m:ctrlPr>
+                            <a:rPr lang="en-US" sz="2000" i="1">
+                              <a:solidFill>
+                                <a:schemeClr val="tx1"/>
+                              </a:solidFill>
+                              <a:latin typeface="Cambria Math" panose="02040503050406030204" pitchFamily="18" charset="0"/>
+                            </a:rPr>
+                          </m:ctrlPr>
+                        </m:dPr>
+                        <m:e>
+                          <m:r>
+                            <a:rPr lang="en-US" sz="2000" i="1">
+                              <a:solidFill>
+                                <a:schemeClr val="tx1"/>
+                              </a:solidFill>
+                              <a:latin typeface="Cambria Math" panose="02040503050406030204" pitchFamily="18" charset="0"/>
+                            </a:rPr>
+                            <m:t>𝑝</m:t>
+                          </m:r>
+                        </m:e>
+                      </m:d>
+                    </m:oMath>
+                  </m:oMathPara>
+                </a14:m>
+                <a:endParaRPr lang="en-US" sz="2000" dirty="0"/>
+              </a:p>
+            </p:txBody>
+          </p:sp>
+        </mc:Choice>
+        <mc:Fallback>
+          <p:sp>
+            <p:nvSpPr>
+              <p:cNvPr id="12" name="Rectangle 11">
+                <a:extLst>
+                  <a:ext uri="{FF2B5EF4-FFF2-40B4-BE49-F238E27FC236}">
+                    <a16:creationId xmlns:a16="http://schemas.microsoft.com/office/drawing/2014/main" id="{437991F8-4164-812F-66F6-C8E5155688BD}"/>
+                  </a:ext>
+                </a:extLst>
+              </p:cNvPr>
+              <p:cNvSpPr>
+                <a:spLocks noRot="1" noChangeAspect="1" noMove="1" noResize="1" noEditPoints="1" noAdjustHandles="1" noChangeArrowheads="1" noChangeShapeType="1" noTextEdit="1"/>
+              </p:cNvSpPr>
+              <p:nvPr/>
+            </p:nvSpPr>
+            <p:spPr>
+              <a:xfrm>
+                <a:off x="4900803" y="1798155"/>
+                <a:ext cx="2236129" cy="1060174"/>
+              </a:xfrm>
+              <a:prstGeom prst="rect">
+                <a:avLst/>
+              </a:prstGeom>
+              <a:blipFill>
+                <a:blip r:embed="rId2"/>
+                <a:stretch>
+                  <a:fillRect/>
+                </a:stretch>
+              </a:blipFill>
+              <a:ln w="28575">
+                <a:solidFill>
+                  <a:schemeClr val="tx1"/>
+                </a:solidFill>
+              </a:ln>
+            </p:spPr>
+            <p:txBody>
+              <a:bodyPr/>
+              <a:lstStyle/>
+              <a:p>
+                <a:r>
+                  <a:rPr lang="en-US">
+                    <a:noFill/>
+                  </a:rPr>
+                  <a:t> </a:t>
+                </a:r>
+              </a:p>
+            </p:txBody>
+          </p:sp>
+        </mc:Fallback>
+      </mc:AlternateContent>
+      <mc:AlternateContent xmlns:mc="http://schemas.openxmlformats.org/markup-compatibility/2006">
+        <mc:Choice xmlns:a14="http://schemas.microsoft.com/office/drawing/2010/main" Requires="a14">
+          <p:sp>
+            <p:nvSpPr>
+              <p:cNvPr id="3" name="Rectangle 2">
+                <a:extLst>
+                  <a:ext uri="{FF2B5EF4-FFF2-40B4-BE49-F238E27FC236}">
+                    <a16:creationId xmlns:a16="http://schemas.microsoft.com/office/drawing/2014/main" id="{81697CEE-E40C-8AF1-39F1-8792A7BBBEC3}"/>
+                  </a:ext>
+                </a:extLst>
+              </p:cNvPr>
+              <p:cNvSpPr/>
+              <p:nvPr/>
+            </p:nvSpPr>
+            <p:spPr>
+              <a:xfrm>
+                <a:off x="1925053" y="1798155"/>
+                <a:ext cx="2236129" cy="1060174"/>
+              </a:xfrm>
+              <a:prstGeom prst="rect">
+                <a:avLst/>
+              </a:prstGeom>
+              <a:solidFill>
+                <a:schemeClr val="bg1"/>
+              </a:solidFill>
+              <a:ln w="28575">
+                <a:solidFill>
+                  <a:schemeClr val="tx1"/>
+                </a:solidFill>
+              </a:ln>
+            </p:spPr>
+            <p:style>
+              <a:lnRef idx="2">
+                <a:schemeClr val="accent1">
+                  <a:shade val="50000"/>
+                </a:schemeClr>
+              </a:lnRef>
+              <a:fillRef idx="1">
+                <a:schemeClr val="accent1"/>
+              </a:fillRef>
+              <a:effectRef idx="0">
+                <a:schemeClr val="accent1"/>
+              </a:effectRef>
+              <a:fontRef idx="minor">
+                <a:schemeClr val="lt1"/>
+              </a:fontRef>
+            </p:style>
+            <p:txBody>
+              <a:bodyPr rtlCol="0" anchor="ctr"/>
+              <a:lstStyle/>
+              <a:p>
+                <a:pPr algn="ctr"/>
+                <a14:m>
+                  <m:oMathPara xmlns:m="http://schemas.openxmlformats.org/officeDocument/2006/math">
+                    <m:oMathParaPr>
+                      <m:jc m:val="centerGroup"/>
+                    </m:oMathParaPr>
+                    <m:oMath xmlns:m="http://schemas.openxmlformats.org/officeDocument/2006/math">
+                      <m:r>
+                        <a:rPr lang="en-US" sz="2000" b="0" i="1" smtClean="0">
+                          <a:solidFill>
+                            <a:schemeClr val="tx1"/>
+                          </a:solidFill>
+                          <a:latin typeface="Cambria Math" panose="02040503050406030204" pitchFamily="18" charset="0"/>
+                        </a:rPr>
+                        <m:t>𝑀</m:t>
+                      </m:r>
+                      <m:d>
+                        <m:dPr>
+                          <m:ctrlPr>
+                            <a:rPr lang="en-US" sz="2000" b="0" i="1" smtClean="0">
+                              <a:solidFill>
+                                <a:schemeClr val="tx1"/>
+                              </a:solidFill>
+                              <a:latin typeface="Cambria Math" panose="02040503050406030204" pitchFamily="18" charset="0"/>
+                            </a:rPr>
+                          </m:ctrlPr>
+                        </m:dPr>
+                        <m:e>
+                          <m:r>
+                            <a:rPr lang="en-US" sz="2000" i="1">
+                              <a:solidFill>
+                                <a:schemeClr val="tx1"/>
+                              </a:solidFill>
+                              <a:latin typeface="Cambria Math" panose="02040503050406030204" pitchFamily="18" charset="0"/>
+                            </a:rPr>
+                            <m:t>𝜎</m:t>
+                          </m:r>
+                        </m:e>
+                      </m:d>
+                      <m:r>
+                        <a:rPr lang="en-US" sz="2000" b="0" i="1" smtClean="0">
+                          <a:solidFill>
+                            <a:schemeClr val="tx1"/>
+                          </a:solidFill>
+                          <a:latin typeface="Cambria Math" panose="02040503050406030204" pitchFamily="18" charset="0"/>
+                        </a:rPr>
+                        <m:t>⊨</m:t>
+                      </m:r>
+                      <m:sSub>
+                        <m:sSubPr>
+                          <m:ctrlPr>
+                            <a:rPr lang="en-US" sz="2000" b="0" i="1" smtClean="0">
+                              <a:solidFill>
+                                <a:schemeClr val="tx1"/>
+                              </a:solidFill>
+                              <a:latin typeface="Cambria Math" panose="02040503050406030204" pitchFamily="18" charset="0"/>
+                            </a:rPr>
+                          </m:ctrlPr>
+                        </m:sSubPr>
+                        <m:e>
+                          <m:r>
+                            <a:rPr lang="en-US" sz="2000" b="0" i="1" smtClean="0">
+                              <a:solidFill>
+                                <a:schemeClr val="tx1"/>
+                              </a:solidFill>
+                              <a:latin typeface="Cambria Math" panose="02040503050406030204" pitchFamily="18" charset="0"/>
+                            </a:rPr>
+                            <m:t>𝐶</m:t>
+                          </m:r>
+                        </m:e>
+                        <m:sub>
+                          <m:r>
+                            <a:rPr lang="en-US" sz="2000" b="0" i="1" smtClean="0">
+                              <a:solidFill>
+                                <a:schemeClr val="tx1"/>
+                              </a:solidFill>
+                              <a:latin typeface="Cambria Math" panose="02040503050406030204" pitchFamily="18" charset="0"/>
+                            </a:rPr>
+                            <m:t>1</m:t>
+                          </m:r>
+                        </m:sub>
+                      </m:sSub>
+                    </m:oMath>
+                  </m:oMathPara>
+                </a14:m>
+                <a:endParaRPr lang="en-US" sz="2000" dirty="0"/>
+              </a:p>
+            </p:txBody>
+          </p:sp>
+        </mc:Choice>
+        <mc:Fallback>
+          <p:sp>
+            <p:nvSpPr>
+              <p:cNvPr id="3" name="Rectangle 2">
+                <a:extLst>
+                  <a:ext uri="{FF2B5EF4-FFF2-40B4-BE49-F238E27FC236}">
+                    <a16:creationId xmlns:a16="http://schemas.microsoft.com/office/drawing/2014/main" id="{81697CEE-E40C-8AF1-39F1-8792A7BBBEC3}"/>
+                  </a:ext>
+                </a:extLst>
+              </p:cNvPr>
+              <p:cNvSpPr>
+                <a:spLocks noRot="1" noChangeAspect="1" noMove="1" noResize="1" noEditPoints="1" noAdjustHandles="1" noChangeArrowheads="1" noChangeShapeType="1" noTextEdit="1"/>
+              </p:cNvSpPr>
+              <p:nvPr/>
+            </p:nvSpPr>
+            <p:spPr>
+              <a:xfrm>
+                <a:off x="1925053" y="1798155"/>
+                <a:ext cx="2236129" cy="1060174"/>
+              </a:xfrm>
+              <a:prstGeom prst="rect">
+                <a:avLst/>
+              </a:prstGeom>
+              <a:blipFill>
+                <a:blip r:embed="rId3"/>
+                <a:stretch>
+                  <a:fillRect/>
+                </a:stretch>
+              </a:blipFill>
+              <a:ln w="28575">
+                <a:solidFill>
+                  <a:schemeClr val="tx1"/>
+                </a:solidFill>
+              </a:ln>
+            </p:spPr>
+            <p:txBody>
+              <a:bodyPr/>
+              <a:lstStyle/>
+              <a:p>
+                <a:r>
+                  <a:rPr lang="en-US">
+                    <a:noFill/>
+                  </a:rPr>
+                  <a:t> </a:t>
+                </a:r>
+              </a:p>
+            </p:txBody>
+          </p:sp>
+        </mc:Fallback>
+      </mc:AlternateContent>
+      <p:cxnSp>
+        <p:nvCxnSpPr>
+          <p:cNvPr id="7" name="Straight Arrow Connector 6">
+            <a:extLst>
+              <a:ext uri="{FF2B5EF4-FFF2-40B4-BE49-F238E27FC236}">
+                <a16:creationId xmlns:a16="http://schemas.microsoft.com/office/drawing/2014/main" id="{8276139F-8C68-CEC8-010E-25C8C8E48C3E}"/>
+              </a:ext>
+            </a:extLst>
+          </p:cNvPr>
+          <p:cNvCxnSpPr>
+            <a:cxnSpLocks/>
+          </p:cNvCxnSpPr>
+          <p:nvPr/>
+        </p:nvCxnSpPr>
+        <p:spPr>
+          <a:xfrm>
+            <a:off x="9617044" y="1553418"/>
+            <a:ext cx="1245704" cy="0"/>
+          </a:xfrm>
+          <a:prstGeom prst="straightConnector1">
+            <a:avLst/>
+          </a:prstGeom>
+          <a:ln>
+            <a:solidFill>
+              <a:schemeClr val="tx1"/>
+            </a:solidFill>
+            <a:tailEnd type="triangle"/>
+          </a:ln>
+        </p:spPr>
+        <p:style>
+          <a:lnRef idx="1">
+            <a:schemeClr val="accent1"/>
+          </a:lnRef>
+          <a:fillRef idx="0">
+            <a:schemeClr val="accent1"/>
+          </a:fillRef>
+          <a:effectRef idx="0">
+            <a:schemeClr val="accent1"/>
+          </a:effectRef>
+          <a:fontRef idx="minor">
+            <a:schemeClr val="tx1"/>
+          </a:fontRef>
+        </p:style>
+      </p:cxnSp>
+      <mc:AlternateContent xmlns:mc="http://schemas.openxmlformats.org/markup-compatibility/2006">
+        <mc:Choice xmlns:a14="http://schemas.microsoft.com/office/drawing/2010/main" Requires="a14">
+          <p:sp>
+            <p:nvSpPr>
+              <p:cNvPr id="11" name="TextBox 10">
+                <a:extLst>
+                  <a:ext uri="{FF2B5EF4-FFF2-40B4-BE49-F238E27FC236}">
+                    <a16:creationId xmlns:a16="http://schemas.microsoft.com/office/drawing/2014/main" id="{0CF76764-698E-B5B3-EC2C-6914FA54D6BC}"/>
+                  </a:ext>
+                </a:extLst>
+              </p:cNvPr>
+              <p:cNvSpPr txBox="1"/>
+              <p:nvPr/>
+            </p:nvSpPr>
+            <p:spPr>
+              <a:xfrm>
+                <a:off x="9928470" y="1023331"/>
+                <a:ext cx="622852" cy="461665"/>
+              </a:xfrm>
+              <a:prstGeom prst="rect">
+                <a:avLst/>
+              </a:prstGeom>
+              <a:noFill/>
+            </p:spPr>
+            <p:txBody>
+              <a:bodyPr wrap="square">
+                <a:spAutoFit/>
+              </a:bodyPr>
+              <a:lstStyle/>
+              <a:p>
+                <a:pPr/>
+                <a14:m>
+                  <m:oMathPara xmlns:m="http://schemas.openxmlformats.org/officeDocument/2006/math">
+                    <m:oMathParaPr>
+                      <m:jc m:val="centerGroup"/>
+                    </m:oMathParaPr>
+                    <m:oMath xmlns:m="http://schemas.openxmlformats.org/officeDocument/2006/math">
+                      <m:r>
+                        <a:rPr lang="en-US" sz="2400" b="0" i="1" smtClean="0">
+                          <a:solidFill>
+                            <a:schemeClr val="tx1"/>
+                          </a:solidFill>
+                          <a:latin typeface="Cambria Math" panose="02040503050406030204" pitchFamily="18" charset="0"/>
+                        </a:rPr>
+                        <m:t>𝑢</m:t>
+                      </m:r>
+                    </m:oMath>
+                  </m:oMathPara>
+                </a14:m>
+                <a:endParaRPr lang="en-US" sz="2400" dirty="0"/>
+              </a:p>
+            </p:txBody>
+          </p:sp>
+        </mc:Choice>
+        <mc:Fallback>
+          <p:sp>
+            <p:nvSpPr>
+              <p:cNvPr id="11" name="TextBox 10">
+                <a:extLst>
+                  <a:ext uri="{FF2B5EF4-FFF2-40B4-BE49-F238E27FC236}">
+                    <a16:creationId xmlns:a16="http://schemas.microsoft.com/office/drawing/2014/main" id="{0CF76764-698E-B5B3-EC2C-6914FA54D6BC}"/>
+                  </a:ext>
+                </a:extLst>
+              </p:cNvPr>
+              <p:cNvSpPr txBox="1">
+                <a:spLocks noRot="1" noChangeAspect="1" noMove="1" noResize="1" noEditPoints="1" noAdjustHandles="1" noChangeArrowheads="1" noChangeShapeType="1" noTextEdit="1"/>
+              </p:cNvSpPr>
+              <p:nvPr/>
+            </p:nvSpPr>
+            <p:spPr>
+              <a:xfrm>
+                <a:off x="9928470" y="1023331"/>
+                <a:ext cx="622852" cy="461665"/>
+              </a:xfrm>
+              <a:prstGeom prst="rect">
+                <a:avLst/>
+              </a:prstGeom>
+              <a:blipFill>
+                <a:blip r:embed="rId4"/>
+                <a:stretch>
+                  <a:fillRect/>
+                </a:stretch>
+              </a:blipFill>
+            </p:spPr>
+            <p:txBody>
+              <a:bodyPr/>
+              <a:lstStyle/>
+              <a:p>
+                <a:r>
+                  <a:rPr lang="en-US">
+                    <a:noFill/>
+                  </a:rPr>
+                  <a:t> </a:t>
+                </a:r>
+              </a:p>
+            </p:txBody>
+          </p:sp>
+        </mc:Fallback>
+      </mc:AlternateContent>
+      <mc:AlternateContent xmlns:mc="http://schemas.openxmlformats.org/markup-compatibility/2006">
+        <mc:Choice xmlns:a14="http://schemas.microsoft.com/office/drawing/2010/main" Requires="a14">
+          <p:sp>
+            <p:nvSpPr>
+              <p:cNvPr id="4" name="TextBox 3">
+                <a:extLst>
+                  <a:ext uri="{FF2B5EF4-FFF2-40B4-BE49-F238E27FC236}">
+                    <a16:creationId xmlns:a16="http://schemas.microsoft.com/office/drawing/2014/main" id="{E7674DEB-29A6-07FD-ACE3-616AA5B11751}"/>
+                  </a:ext>
+                </a:extLst>
+              </p:cNvPr>
+              <p:cNvSpPr txBox="1"/>
+              <p:nvPr/>
+            </p:nvSpPr>
+            <p:spPr>
+              <a:xfrm>
+                <a:off x="1647967" y="1023331"/>
+                <a:ext cx="2790301" cy="461665"/>
+              </a:xfrm>
+              <a:prstGeom prst="rect">
+                <a:avLst/>
+              </a:prstGeom>
+              <a:noFill/>
+            </p:spPr>
+            <p:txBody>
+              <a:bodyPr wrap="square">
+                <a:spAutoFit/>
+              </a:bodyPr>
+              <a:lstStyle/>
+              <a:p>
+                <a:pPr/>
+                <a14:m>
+                  <m:oMathPara xmlns:m="http://schemas.openxmlformats.org/officeDocument/2006/math">
+                    <m:oMathParaPr>
+                      <m:jc m:val="centerGroup"/>
+                    </m:oMathParaPr>
+                    <m:oMath xmlns:m="http://schemas.openxmlformats.org/officeDocument/2006/math">
+                      <m:r>
+                        <a:rPr lang="en-US" sz="2400" b="0" i="1" smtClean="0">
+                          <a:solidFill>
+                            <a:schemeClr val="tx1"/>
+                          </a:solidFill>
+                          <a:latin typeface="Cambria Math" panose="02040503050406030204" pitchFamily="18" charset="0"/>
+                        </a:rPr>
+                        <m:t>𝑤</m:t>
+                      </m:r>
+                      <m:r>
+                        <a:rPr lang="en-US" sz="2400" b="0" i="1" smtClean="0">
+                          <a:solidFill>
+                            <a:schemeClr val="tx1"/>
+                          </a:solidFill>
+                          <a:latin typeface="Cambria Math" panose="02040503050406030204" pitchFamily="18" charset="0"/>
+                        </a:rPr>
+                        <m:t>~</m:t>
+                      </m:r>
+                      <m:r>
+                        <a:rPr lang="en-US" sz="2400" b="0" i="1" smtClean="0">
+                          <a:solidFill>
+                            <a:schemeClr val="tx1"/>
+                          </a:solidFill>
+                          <a:latin typeface="Cambria Math" panose="02040503050406030204" pitchFamily="18" charset="0"/>
+                        </a:rPr>
+                        <m:t>𝐺𝑎𝑢𝑠𝑠𝑖𝑎𝑛</m:t>
+                      </m:r>
+                      <m:r>
+                        <a:rPr lang="en-US" sz="2400" b="0" i="1" smtClean="0">
+                          <a:solidFill>
+                            <a:schemeClr val="tx1"/>
+                          </a:solidFill>
+                          <a:latin typeface="Cambria Math" panose="02040503050406030204" pitchFamily="18" charset="0"/>
+                        </a:rPr>
+                        <m:t> </m:t>
+                      </m:r>
+                      <m:d>
+                        <m:dPr>
+                          <m:ctrlPr>
+                            <a:rPr lang="en-US" sz="2400" b="0" i="1" smtClean="0">
+                              <a:solidFill>
+                                <a:schemeClr val="tx1"/>
+                              </a:solidFill>
+                              <a:latin typeface="Cambria Math" panose="02040503050406030204" pitchFamily="18" charset="0"/>
+                            </a:rPr>
+                          </m:ctrlPr>
+                        </m:dPr>
+                        <m:e>
+                          <m:sSup>
+                            <m:sSupPr>
+                              <m:ctrlPr>
+                                <a:rPr lang="en-US" sz="2400" b="0" i="1" smtClean="0">
+                                  <a:solidFill>
+                                    <a:schemeClr val="tx1"/>
+                                  </a:solidFill>
+                                  <a:latin typeface="Cambria Math" panose="02040503050406030204" pitchFamily="18" charset="0"/>
+                                </a:rPr>
+                              </m:ctrlPr>
+                            </m:sSupPr>
+                            <m:e>
+                              <m:r>
+                                <a:rPr lang="en-US" sz="2400" b="0" i="1" smtClean="0">
+                                  <a:solidFill>
+                                    <a:schemeClr val="tx1"/>
+                                  </a:solidFill>
+                                  <a:latin typeface="Cambria Math" panose="02040503050406030204" pitchFamily="18" charset="0"/>
+                                </a:rPr>
+                                <m:t>0,</m:t>
+                              </m:r>
+                              <m:r>
+                                <a:rPr lang="en-US" sz="2400" b="0" i="1" smtClean="0">
+                                  <a:solidFill>
+                                    <a:schemeClr val="tx1"/>
+                                  </a:solidFill>
+                                  <a:latin typeface="Cambria Math" panose="02040503050406030204" pitchFamily="18" charset="0"/>
+                                </a:rPr>
+                                <m:t>𝜎</m:t>
+                              </m:r>
+                            </m:e>
+                            <m:sup>
+                              <m:r>
+                                <a:rPr lang="en-US" sz="2400" b="0" i="1" smtClean="0">
+                                  <a:solidFill>
+                                    <a:schemeClr val="tx1"/>
+                                  </a:solidFill>
+                                  <a:latin typeface="Cambria Math" panose="02040503050406030204" pitchFamily="18" charset="0"/>
+                                </a:rPr>
+                                <m:t>2</m:t>
+                              </m:r>
+                            </m:sup>
+                          </m:sSup>
+                        </m:e>
+                      </m:d>
+                    </m:oMath>
+                  </m:oMathPara>
+                </a14:m>
+                <a:endParaRPr lang="en-US" sz="2400" dirty="0"/>
+              </a:p>
+            </p:txBody>
+          </p:sp>
+        </mc:Choice>
+        <mc:Fallback>
+          <p:sp>
+            <p:nvSpPr>
+              <p:cNvPr id="4" name="TextBox 3">
+                <a:extLst>
+                  <a:ext uri="{FF2B5EF4-FFF2-40B4-BE49-F238E27FC236}">
+                    <a16:creationId xmlns:a16="http://schemas.microsoft.com/office/drawing/2014/main" id="{E7674DEB-29A6-07FD-ACE3-616AA5B11751}"/>
+                  </a:ext>
+                </a:extLst>
+              </p:cNvPr>
+              <p:cNvSpPr txBox="1">
+                <a:spLocks noRot="1" noChangeAspect="1" noMove="1" noResize="1" noEditPoints="1" noAdjustHandles="1" noChangeArrowheads="1" noChangeShapeType="1" noTextEdit="1"/>
+              </p:cNvSpPr>
+              <p:nvPr/>
+            </p:nvSpPr>
+            <p:spPr>
+              <a:xfrm>
+                <a:off x="1647967" y="1023331"/>
+                <a:ext cx="2790301" cy="461665"/>
+              </a:xfrm>
+              <a:prstGeom prst="rect">
+                <a:avLst/>
+              </a:prstGeom>
+              <a:blipFill>
+                <a:blip r:embed="rId5"/>
+                <a:stretch>
+                  <a:fillRect/>
+                </a:stretch>
+              </a:blipFill>
+            </p:spPr>
+            <p:txBody>
+              <a:bodyPr/>
+              <a:lstStyle/>
+              <a:p>
+                <a:r>
+                  <a:rPr lang="en-US">
+                    <a:noFill/>
+                  </a:rPr>
+                  <a:t> </a:t>
+                </a:r>
+              </a:p>
+            </p:txBody>
+          </p:sp>
+        </mc:Fallback>
+      </mc:AlternateContent>
+      <p:cxnSp>
+        <p:nvCxnSpPr>
+          <p:cNvPr id="6" name="Straight Arrow Connector 5">
+            <a:extLst>
+              <a:ext uri="{FF2B5EF4-FFF2-40B4-BE49-F238E27FC236}">
+                <a16:creationId xmlns:a16="http://schemas.microsoft.com/office/drawing/2014/main" id="{8B4F61FE-30C2-D9E3-8EC1-F1CC75B12CEF}"/>
+              </a:ext>
+            </a:extLst>
+          </p:cNvPr>
+          <p:cNvCxnSpPr>
+            <a:cxnSpLocks/>
+            <a:stCxn id="4" idx="2"/>
+            <a:endCxn id="3" idx="0"/>
+          </p:cNvCxnSpPr>
+          <p:nvPr/>
+        </p:nvCxnSpPr>
+        <p:spPr>
+          <a:xfrm>
+            <a:off x="3043118" y="1484996"/>
+            <a:ext cx="0" cy="313159"/>
+          </a:xfrm>
+          <a:prstGeom prst="straightConnector1">
+            <a:avLst/>
+          </a:prstGeom>
+          <a:ln>
+            <a:solidFill>
+              <a:schemeClr val="tx1"/>
+            </a:solidFill>
+            <a:prstDash val="lgDash"/>
+            <a:tailEnd type="triangle"/>
+          </a:ln>
+        </p:spPr>
+        <p:style>
+          <a:lnRef idx="1">
+            <a:schemeClr val="accent1"/>
+          </a:lnRef>
+          <a:fillRef idx="0">
+            <a:schemeClr val="accent1"/>
+          </a:fillRef>
+          <a:effectRef idx="0">
+            <a:schemeClr val="accent1"/>
+          </a:effectRef>
+          <a:fontRef idx="minor">
+            <a:schemeClr val="tx1"/>
+          </a:fontRef>
+        </p:style>
+      </p:cxnSp>
+      <p:cxnSp>
+        <p:nvCxnSpPr>
+          <p:cNvPr id="25" name="Connector: Elbow 24">
+            <a:extLst>
+              <a:ext uri="{FF2B5EF4-FFF2-40B4-BE49-F238E27FC236}">
+                <a16:creationId xmlns:a16="http://schemas.microsoft.com/office/drawing/2014/main" id="{7935C83B-66C3-6FD6-554F-C71208D72504}"/>
+              </a:ext>
+            </a:extLst>
+          </p:cNvPr>
+          <p:cNvCxnSpPr>
+            <a:stCxn id="4" idx="3"/>
+            <a:endCxn id="12" idx="0"/>
+          </p:cNvCxnSpPr>
+          <p:nvPr/>
+        </p:nvCxnSpPr>
+        <p:spPr>
+          <a:xfrm>
+            <a:off x="4438268" y="1254164"/>
+            <a:ext cx="1580600" cy="543991"/>
+          </a:xfrm>
+          <a:prstGeom prst="bentConnector2">
+            <a:avLst/>
+          </a:prstGeom>
+          <a:ln>
+            <a:solidFill>
+              <a:schemeClr val="tx1"/>
+            </a:solidFill>
+            <a:prstDash val="lgDash"/>
+            <a:tailEnd type="triangle"/>
+          </a:ln>
+        </p:spPr>
+        <p:style>
+          <a:lnRef idx="1">
+            <a:schemeClr val="accent1"/>
+          </a:lnRef>
+          <a:fillRef idx="0">
+            <a:schemeClr val="accent1"/>
+          </a:fillRef>
+          <a:effectRef idx="0">
+            <a:schemeClr val="accent1"/>
+          </a:effectRef>
+          <a:fontRef idx="minor">
+            <a:schemeClr val="tx1"/>
+          </a:fontRef>
+        </p:style>
+      </p:cxnSp>
+      <mc:AlternateContent xmlns:mc="http://schemas.openxmlformats.org/markup-compatibility/2006">
+        <mc:Choice xmlns:a14="http://schemas.microsoft.com/office/drawing/2010/main" Requires="a14">
+          <p:sp>
+            <p:nvSpPr>
+              <p:cNvPr id="26" name="Rectangle 25">
+                <a:extLst>
+                  <a:ext uri="{FF2B5EF4-FFF2-40B4-BE49-F238E27FC236}">
+                    <a16:creationId xmlns:a16="http://schemas.microsoft.com/office/drawing/2014/main" id="{48EAA940-F327-CCBE-FF46-D4A781B7FA0D}"/>
+                  </a:ext>
+                </a:extLst>
+              </p:cNvPr>
+              <p:cNvSpPr/>
+              <p:nvPr/>
+            </p:nvSpPr>
+            <p:spPr>
+              <a:xfrm>
+                <a:off x="4900803" y="4774495"/>
+                <a:ext cx="2236129" cy="1060174"/>
+              </a:xfrm>
+              <a:prstGeom prst="rect">
+                <a:avLst/>
+              </a:prstGeom>
+              <a:noFill/>
+              <a:ln w="28575">
+                <a:solidFill>
+                  <a:schemeClr val="tx1"/>
+                </a:solidFill>
+              </a:ln>
+            </p:spPr>
+            <p:style>
+              <a:lnRef idx="2">
+                <a:schemeClr val="accent1">
+                  <a:shade val="50000"/>
+                </a:schemeClr>
+              </a:lnRef>
+              <a:fillRef idx="1">
+                <a:schemeClr val="accent1"/>
+              </a:fillRef>
+              <a:effectRef idx="0">
+                <a:schemeClr val="accent1"/>
+              </a:effectRef>
+              <a:fontRef idx="minor">
+                <a:schemeClr val="lt1"/>
+              </a:fontRef>
+            </p:style>
+            <p:txBody>
+              <a:bodyPr rtlCol="0" anchor="ctr"/>
+              <a:lstStyle/>
+              <a:p>
+                <a:pPr algn="ctr"/>
+                <a14:m>
+                  <m:oMathPara xmlns:m="http://schemas.openxmlformats.org/officeDocument/2006/math">
+                    <m:oMathParaPr>
+                      <m:jc m:val="centerGroup"/>
+                    </m:oMathParaPr>
+                    <m:oMath xmlns:m="http://schemas.openxmlformats.org/officeDocument/2006/math">
+                      <m:r>
+                        <a:rPr lang="en-US" sz="2000" i="1" smtClean="0">
+                          <a:solidFill>
+                            <a:schemeClr val="tx1"/>
+                          </a:solidFill>
+                          <a:latin typeface="Cambria Math" panose="02040503050406030204" pitchFamily="18" charset="0"/>
+                        </a:rPr>
+                        <m:t>𝑀</m:t>
+                      </m:r>
+                      <m:d>
+                        <m:dPr>
+                          <m:ctrlPr>
+                            <a:rPr lang="en-US" sz="2000" i="1">
+                              <a:solidFill>
+                                <a:schemeClr val="tx1"/>
+                              </a:solidFill>
+                              <a:latin typeface="Cambria Math" panose="02040503050406030204" pitchFamily="18" charset="0"/>
+                            </a:rPr>
+                          </m:ctrlPr>
+                        </m:dPr>
+                        <m:e>
+                          <m:r>
+                            <a:rPr lang="en-US" sz="2000" i="1" smtClean="0">
+                              <a:solidFill>
+                                <a:schemeClr val="tx1"/>
+                              </a:solidFill>
+                              <a:latin typeface="Cambria Math" panose="02040503050406030204" pitchFamily="18" charset="0"/>
+                            </a:rPr>
+                            <m:t>𝜎</m:t>
+                          </m:r>
+                        </m:e>
+                      </m:d>
+                      <m:r>
+                        <a:rPr lang="en-US" sz="2000" i="1">
+                          <a:solidFill>
+                            <a:schemeClr val="tx1"/>
+                          </a:solidFill>
+                          <a:latin typeface="Cambria Math" panose="02040503050406030204" pitchFamily="18" charset="0"/>
+                        </a:rPr>
+                        <m:t>⊨</m:t>
+                      </m:r>
+                      <m:sSub>
+                        <m:sSubPr>
+                          <m:ctrlPr>
+                            <a:rPr lang="en-US" sz="2000" i="1">
+                              <a:solidFill>
+                                <a:schemeClr val="tx1"/>
+                              </a:solidFill>
+                              <a:latin typeface="Cambria Math" panose="02040503050406030204" pitchFamily="18" charset="0"/>
+                            </a:rPr>
+                          </m:ctrlPr>
+                        </m:sSubPr>
+                        <m:e>
+                          <m:r>
+                            <a:rPr lang="en-US" sz="2000" i="1">
+                              <a:solidFill>
+                                <a:schemeClr val="tx1"/>
+                              </a:solidFill>
+                              <a:latin typeface="Cambria Math" panose="02040503050406030204" pitchFamily="18" charset="0"/>
+                            </a:rPr>
+                            <m:t>𝐶</m:t>
+                          </m:r>
+                        </m:e>
+                        <m:sub>
+                          <m:r>
+                            <a:rPr lang="en-US" sz="2000" b="0" i="1" smtClean="0">
+                              <a:solidFill>
+                                <a:schemeClr val="tx1"/>
+                              </a:solidFill>
+                              <a:latin typeface="Cambria Math" panose="02040503050406030204" pitchFamily="18" charset="0"/>
+                            </a:rPr>
+                            <m:t>2</m:t>
+                          </m:r>
+                        </m:sub>
+                      </m:sSub>
+                    </m:oMath>
+                  </m:oMathPara>
+                </a14:m>
+                <a:endParaRPr lang="en-US" sz="2000" dirty="0"/>
+              </a:p>
+            </p:txBody>
+          </p:sp>
+        </mc:Choice>
+        <mc:Fallback>
+          <p:sp>
+            <p:nvSpPr>
+              <p:cNvPr id="26" name="Rectangle 25">
+                <a:extLst>
+                  <a:ext uri="{FF2B5EF4-FFF2-40B4-BE49-F238E27FC236}">
+                    <a16:creationId xmlns:a16="http://schemas.microsoft.com/office/drawing/2014/main" id="{48EAA940-F327-CCBE-FF46-D4A781B7FA0D}"/>
+                  </a:ext>
+                </a:extLst>
+              </p:cNvPr>
+              <p:cNvSpPr>
+                <a:spLocks noRot="1" noChangeAspect="1" noMove="1" noResize="1" noEditPoints="1" noAdjustHandles="1" noChangeArrowheads="1" noChangeShapeType="1" noTextEdit="1"/>
+              </p:cNvSpPr>
+              <p:nvPr/>
+            </p:nvSpPr>
+            <p:spPr>
+              <a:xfrm>
+                <a:off x="4900803" y="4774495"/>
+                <a:ext cx="2236129" cy="1060174"/>
+              </a:xfrm>
+              <a:prstGeom prst="rect">
+                <a:avLst/>
+              </a:prstGeom>
+              <a:blipFill>
+                <a:blip r:embed="rId6"/>
+                <a:stretch>
+                  <a:fillRect/>
+                </a:stretch>
+              </a:blipFill>
+              <a:ln w="28575">
+                <a:solidFill>
+                  <a:schemeClr val="tx1"/>
+                </a:solidFill>
+              </a:ln>
+            </p:spPr>
+            <p:txBody>
+              <a:bodyPr/>
+              <a:lstStyle/>
+              <a:p>
+                <a:r>
+                  <a:rPr lang="en-US">
+                    <a:noFill/>
+                  </a:rPr>
+                  <a:t> </a:t>
+                </a:r>
+              </a:p>
+            </p:txBody>
+          </p:sp>
+        </mc:Fallback>
+      </mc:AlternateContent>
+      <mc:AlternateContent xmlns:mc="http://schemas.openxmlformats.org/markup-compatibility/2006">
+        <mc:Choice xmlns:a14="http://schemas.microsoft.com/office/drawing/2010/main" Requires="a14">
+          <p:sp>
+            <p:nvSpPr>
+              <p:cNvPr id="27" name="Rectangle 26">
+                <a:extLst>
+                  <a:ext uri="{FF2B5EF4-FFF2-40B4-BE49-F238E27FC236}">
+                    <a16:creationId xmlns:a16="http://schemas.microsoft.com/office/drawing/2014/main" id="{09107B5E-46EE-7147-09FC-3D1A6D2CAA55}"/>
+                  </a:ext>
+                </a:extLst>
+              </p:cNvPr>
+              <p:cNvSpPr/>
+              <p:nvPr/>
+            </p:nvSpPr>
+            <p:spPr>
+              <a:xfrm>
+                <a:off x="1925053" y="4774495"/>
+                <a:ext cx="2236129" cy="1060174"/>
+              </a:xfrm>
+              <a:prstGeom prst="rect">
+                <a:avLst/>
+              </a:prstGeom>
+              <a:solidFill>
+                <a:schemeClr val="bg1"/>
+              </a:solidFill>
+              <a:ln w="28575">
+                <a:solidFill>
+                  <a:schemeClr val="tx1"/>
+                </a:solidFill>
+              </a:ln>
+            </p:spPr>
+            <p:style>
+              <a:lnRef idx="2">
+                <a:schemeClr val="accent1">
+                  <a:shade val="50000"/>
+                </a:schemeClr>
+              </a:lnRef>
+              <a:fillRef idx="1">
+                <a:schemeClr val="accent1"/>
+              </a:fillRef>
+              <a:effectRef idx="0">
+                <a:schemeClr val="accent1"/>
+              </a:effectRef>
+              <a:fontRef idx="minor">
+                <a:schemeClr val="lt1"/>
+              </a:fontRef>
+            </p:style>
+            <p:txBody>
+              <a:bodyPr rtlCol="0" anchor="ctr"/>
+              <a:lstStyle/>
+              <a:p>
+                <a:pPr algn="ctr"/>
+                <a14:m>
+                  <m:oMathPara xmlns:m="http://schemas.openxmlformats.org/officeDocument/2006/math">
+                    <m:oMathParaPr>
+                      <m:jc m:val="centerGroup"/>
+                    </m:oMathParaPr>
+                    <m:oMath xmlns:m="http://schemas.openxmlformats.org/officeDocument/2006/math">
+                      <m:r>
+                        <a:rPr lang="en-US" sz="2000" b="0" i="1" smtClean="0">
+                          <a:solidFill>
+                            <a:schemeClr val="tx1"/>
+                          </a:solidFill>
+                          <a:latin typeface="Cambria Math" panose="02040503050406030204" pitchFamily="18" charset="0"/>
+                        </a:rPr>
+                        <m:t>𝑀</m:t>
+                      </m:r>
+                      <m:d>
+                        <m:dPr>
+                          <m:ctrlPr>
+                            <a:rPr lang="en-US" sz="2000" b="0" i="1" smtClean="0">
+                              <a:solidFill>
+                                <a:schemeClr val="tx1"/>
+                              </a:solidFill>
+                              <a:latin typeface="Cambria Math" panose="02040503050406030204" pitchFamily="18" charset="0"/>
+                            </a:rPr>
+                          </m:ctrlPr>
+                        </m:dPr>
+                        <m:e>
+                          <m:r>
+                            <a:rPr lang="en-US" sz="2000" i="1">
+                              <a:solidFill>
+                                <a:schemeClr val="tx1"/>
+                              </a:solidFill>
+                              <a:latin typeface="Cambria Math" panose="02040503050406030204" pitchFamily="18" charset="0"/>
+                            </a:rPr>
+                            <m:t>𝜎</m:t>
+                          </m:r>
+                        </m:e>
+                      </m:d>
+                      <m:r>
+                        <a:rPr lang="en-US" sz="2000" b="0" i="1" smtClean="0">
+                          <a:solidFill>
+                            <a:schemeClr val="tx1"/>
+                          </a:solidFill>
+                          <a:latin typeface="Cambria Math" panose="02040503050406030204" pitchFamily="18" charset="0"/>
+                        </a:rPr>
+                        <m:t>⊨</m:t>
+                      </m:r>
+                      <m:sSub>
+                        <m:sSubPr>
+                          <m:ctrlPr>
+                            <a:rPr lang="en-US" sz="2000" b="0" i="1" smtClean="0">
+                              <a:solidFill>
+                                <a:schemeClr val="tx1"/>
+                              </a:solidFill>
+                              <a:latin typeface="Cambria Math" panose="02040503050406030204" pitchFamily="18" charset="0"/>
+                            </a:rPr>
+                          </m:ctrlPr>
+                        </m:sSubPr>
+                        <m:e>
+                          <m:r>
+                            <a:rPr lang="en-US" sz="2000" b="0" i="1" smtClean="0">
+                              <a:solidFill>
+                                <a:schemeClr val="tx1"/>
+                              </a:solidFill>
+                              <a:latin typeface="Cambria Math" panose="02040503050406030204" pitchFamily="18" charset="0"/>
+                            </a:rPr>
+                            <m:t>𝐶</m:t>
+                          </m:r>
+                        </m:e>
+                        <m:sub>
+                          <m:r>
+                            <a:rPr lang="en-US" sz="2000" b="0" i="1" smtClean="0">
+                              <a:solidFill>
+                                <a:schemeClr val="tx1"/>
+                              </a:solidFill>
+                              <a:latin typeface="Cambria Math" panose="02040503050406030204" pitchFamily="18" charset="0"/>
+                            </a:rPr>
+                            <m:t>1</m:t>
+                          </m:r>
+                        </m:sub>
+                      </m:sSub>
+                      <m:d>
+                        <m:dPr>
+                          <m:ctrlPr>
+                            <a:rPr lang="en-US" sz="2000" b="0" i="1" smtClean="0">
+                              <a:solidFill>
+                                <a:schemeClr val="tx1"/>
+                              </a:solidFill>
+                              <a:latin typeface="Cambria Math" panose="02040503050406030204" pitchFamily="18" charset="0"/>
+                            </a:rPr>
+                          </m:ctrlPr>
+                        </m:dPr>
+                        <m:e>
+                          <m:r>
+                            <a:rPr lang="en-US" sz="2000" b="0" i="1" smtClean="0">
+                              <a:solidFill>
+                                <a:schemeClr val="tx1"/>
+                              </a:solidFill>
+                              <a:latin typeface="Cambria Math" panose="02040503050406030204" pitchFamily="18" charset="0"/>
+                            </a:rPr>
+                            <m:t>𝑐</m:t>
+                          </m:r>
+                        </m:e>
+                      </m:d>
+                    </m:oMath>
+                  </m:oMathPara>
+                </a14:m>
+                <a:endParaRPr lang="en-US" sz="2000" dirty="0"/>
+              </a:p>
+            </p:txBody>
+          </p:sp>
+        </mc:Choice>
+        <mc:Fallback>
+          <p:sp>
+            <p:nvSpPr>
+              <p:cNvPr id="27" name="Rectangle 26">
+                <a:extLst>
+                  <a:ext uri="{FF2B5EF4-FFF2-40B4-BE49-F238E27FC236}">
+                    <a16:creationId xmlns:a16="http://schemas.microsoft.com/office/drawing/2014/main" id="{09107B5E-46EE-7147-09FC-3D1A6D2CAA55}"/>
+                  </a:ext>
+                </a:extLst>
+              </p:cNvPr>
+              <p:cNvSpPr>
+                <a:spLocks noRot="1" noChangeAspect="1" noMove="1" noResize="1" noEditPoints="1" noAdjustHandles="1" noChangeArrowheads="1" noChangeShapeType="1" noTextEdit="1"/>
+              </p:cNvSpPr>
+              <p:nvPr/>
+            </p:nvSpPr>
+            <p:spPr>
+              <a:xfrm>
+                <a:off x="1925053" y="4774495"/>
+                <a:ext cx="2236129" cy="1060174"/>
+              </a:xfrm>
+              <a:prstGeom prst="rect">
+                <a:avLst/>
+              </a:prstGeom>
+              <a:blipFill>
+                <a:blip r:embed="rId7"/>
+                <a:stretch>
+                  <a:fillRect/>
+                </a:stretch>
+              </a:blipFill>
+              <a:ln w="28575">
+                <a:solidFill>
+                  <a:schemeClr val="tx1"/>
+                </a:solidFill>
+              </a:ln>
+            </p:spPr>
+            <p:txBody>
+              <a:bodyPr/>
+              <a:lstStyle/>
+              <a:p>
+                <a:r>
+                  <a:rPr lang="en-US">
+                    <a:noFill/>
+                  </a:rPr>
+                  <a:t> </a:t>
+                </a:r>
+              </a:p>
+            </p:txBody>
+          </p:sp>
+        </mc:Fallback>
+      </mc:AlternateContent>
+      <mc:AlternateContent xmlns:mc="http://schemas.openxmlformats.org/markup-compatibility/2006">
+        <mc:Choice xmlns:a14="http://schemas.microsoft.com/office/drawing/2010/main" Requires="a14">
+          <p:sp>
+            <p:nvSpPr>
+              <p:cNvPr id="28" name="TextBox 27">
+                <a:extLst>
+                  <a:ext uri="{FF2B5EF4-FFF2-40B4-BE49-F238E27FC236}">
+                    <a16:creationId xmlns:a16="http://schemas.microsoft.com/office/drawing/2014/main" id="{DE94CFC7-C9EA-3FF5-2C23-B4D4DBA2C303}"/>
+                  </a:ext>
+                </a:extLst>
+              </p:cNvPr>
+              <p:cNvSpPr txBox="1"/>
+              <p:nvPr/>
+            </p:nvSpPr>
+            <p:spPr>
+              <a:xfrm>
+                <a:off x="1647967" y="3999671"/>
+                <a:ext cx="2790301" cy="461665"/>
+              </a:xfrm>
+              <a:prstGeom prst="rect">
+                <a:avLst/>
+              </a:prstGeom>
+              <a:noFill/>
+            </p:spPr>
+            <p:txBody>
+              <a:bodyPr wrap="square">
+                <a:spAutoFit/>
+              </a:bodyPr>
+              <a:lstStyle/>
+              <a:p>
+                <a:pPr/>
+                <a14:m>
+                  <m:oMathPara xmlns:m="http://schemas.openxmlformats.org/officeDocument/2006/math">
+                    <m:oMathParaPr>
+                      <m:jc m:val="centerGroup"/>
+                    </m:oMathParaPr>
+                    <m:oMath xmlns:m="http://schemas.openxmlformats.org/officeDocument/2006/math">
+                      <m:r>
+                        <a:rPr lang="en-US" sz="2400" b="0" i="1" smtClean="0">
+                          <a:solidFill>
+                            <a:schemeClr val="tx1"/>
+                          </a:solidFill>
+                          <a:latin typeface="Cambria Math" panose="02040503050406030204" pitchFamily="18" charset="0"/>
+                        </a:rPr>
+                        <m:t>𝑤</m:t>
+                      </m:r>
+                      <m:r>
+                        <a:rPr lang="en-US" sz="2400" b="0" i="1" smtClean="0">
+                          <a:solidFill>
+                            <a:schemeClr val="tx1"/>
+                          </a:solidFill>
+                          <a:latin typeface="Cambria Math" panose="02040503050406030204" pitchFamily="18" charset="0"/>
+                        </a:rPr>
+                        <m:t>~</m:t>
+                      </m:r>
+                      <m:r>
+                        <a:rPr lang="en-US" sz="2400" b="0" i="1" smtClean="0">
+                          <a:solidFill>
+                            <a:schemeClr val="tx1"/>
+                          </a:solidFill>
+                          <a:latin typeface="Cambria Math" panose="02040503050406030204" pitchFamily="18" charset="0"/>
+                        </a:rPr>
+                        <m:t>𝐺𝑎𝑢𝑠𝑠𝑖𝑎𝑛</m:t>
+                      </m:r>
+                      <m:r>
+                        <a:rPr lang="en-US" sz="2400" b="0" i="1" smtClean="0">
+                          <a:solidFill>
+                            <a:schemeClr val="tx1"/>
+                          </a:solidFill>
+                          <a:latin typeface="Cambria Math" panose="02040503050406030204" pitchFamily="18" charset="0"/>
+                        </a:rPr>
+                        <m:t> </m:t>
+                      </m:r>
+                      <m:d>
+                        <m:dPr>
+                          <m:ctrlPr>
+                            <a:rPr lang="en-US" sz="2400" b="0" i="1" smtClean="0">
+                              <a:solidFill>
+                                <a:schemeClr val="tx1"/>
+                              </a:solidFill>
+                              <a:latin typeface="Cambria Math" panose="02040503050406030204" pitchFamily="18" charset="0"/>
+                            </a:rPr>
+                          </m:ctrlPr>
+                        </m:dPr>
+                        <m:e>
+                          <m:sSup>
+                            <m:sSupPr>
+                              <m:ctrlPr>
+                                <a:rPr lang="en-US" sz="2400" b="0" i="1" smtClean="0">
+                                  <a:solidFill>
+                                    <a:schemeClr val="tx1"/>
+                                  </a:solidFill>
+                                  <a:latin typeface="Cambria Math" panose="02040503050406030204" pitchFamily="18" charset="0"/>
+                                </a:rPr>
+                              </m:ctrlPr>
+                            </m:sSupPr>
+                            <m:e>
+                              <m:r>
+                                <a:rPr lang="en-US" sz="2400" b="0" i="1" smtClean="0">
+                                  <a:solidFill>
+                                    <a:schemeClr val="tx1"/>
+                                  </a:solidFill>
+                                  <a:latin typeface="Cambria Math" panose="02040503050406030204" pitchFamily="18" charset="0"/>
+                                </a:rPr>
+                                <m:t>0,</m:t>
+                              </m:r>
+                              <m:r>
+                                <a:rPr lang="en-US" sz="2400" b="0" i="1" smtClean="0">
+                                  <a:solidFill>
+                                    <a:schemeClr val="tx1"/>
+                                  </a:solidFill>
+                                  <a:latin typeface="Cambria Math" panose="02040503050406030204" pitchFamily="18" charset="0"/>
+                                </a:rPr>
+                                <m:t>𝜎</m:t>
+                              </m:r>
+                            </m:e>
+                            <m:sup>
+                              <m:r>
+                                <a:rPr lang="en-US" sz="2400" b="0" i="1" smtClean="0">
+                                  <a:solidFill>
+                                    <a:schemeClr val="tx1"/>
+                                  </a:solidFill>
+                                  <a:latin typeface="Cambria Math" panose="02040503050406030204" pitchFamily="18" charset="0"/>
+                                </a:rPr>
+                                <m:t>2</m:t>
+                              </m:r>
+                            </m:sup>
+                          </m:sSup>
+                        </m:e>
+                      </m:d>
+                    </m:oMath>
+                  </m:oMathPara>
+                </a14:m>
+                <a:endParaRPr lang="en-US" sz="2400" dirty="0"/>
+              </a:p>
+            </p:txBody>
+          </p:sp>
+        </mc:Choice>
+        <mc:Fallback>
+          <p:sp>
+            <p:nvSpPr>
+              <p:cNvPr id="28" name="TextBox 27">
+                <a:extLst>
+                  <a:ext uri="{FF2B5EF4-FFF2-40B4-BE49-F238E27FC236}">
+                    <a16:creationId xmlns:a16="http://schemas.microsoft.com/office/drawing/2014/main" id="{DE94CFC7-C9EA-3FF5-2C23-B4D4DBA2C303}"/>
+                  </a:ext>
+                </a:extLst>
+              </p:cNvPr>
+              <p:cNvSpPr txBox="1">
+                <a:spLocks noRot="1" noChangeAspect="1" noMove="1" noResize="1" noEditPoints="1" noAdjustHandles="1" noChangeArrowheads="1" noChangeShapeType="1" noTextEdit="1"/>
+              </p:cNvSpPr>
+              <p:nvPr/>
+            </p:nvSpPr>
+            <p:spPr>
+              <a:xfrm>
+                <a:off x="1647967" y="3999671"/>
+                <a:ext cx="2790301" cy="461665"/>
+              </a:xfrm>
+              <a:prstGeom prst="rect">
+                <a:avLst/>
+              </a:prstGeom>
+              <a:blipFill>
+                <a:blip r:embed="rId8"/>
+                <a:stretch>
+                  <a:fillRect/>
+                </a:stretch>
+              </a:blipFill>
+            </p:spPr>
+            <p:txBody>
+              <a:bodyPr/>
+              <a:lstStyle/>
+              <a:p>
+                <a:r>
+                  <a:rPr lang="en-US">
+                    <a:noFill/>
+                  </a:rPr>
+                  <a:t> </a:t>
+                </a:r>
+              </a:p>
+            </p:txBody>
+          </p:sp>
+        </mc:Fallback>
+      </mc:AlternateContent>
+      <p:cxnSp>
+        <p:nvCxnSpPr>
+          <p:cNvPr id="29" name="Straight Arrow Connector 28">
+            <a:extLst>
+              <a:ext uri="{FF2B5EF4-FFF2-40B4-BE49-F238E27FC236}">
+                <a16:creationId xmlns:a16="http://schemas.microsoft.com/office/drawing/2014/main" id="{EBD78814-873B-B925-6E8A-DF0E82272659}"/>
+              </a:ext>
+            </a:extLst>
+          </p:cNvPr>
+          <p:cNvCxnSpPr>
+            <a:cxnSpLocks/>
+            <a:stCxn id="28" idx="2"/>
+            <a:endCxn id="27" idx="0"/>
+          </p:cNvCxnSpPr>
+          <p:nvPr/>
+        </p:nvCxnSpPr>
+        <p:spPr>
+          <a:xfrm>
+            <a:off x="3043118" y="4461336"/>
+            <a:ext cx="0" cy="313159"/>
+          </a:xfrm>
+          <a:prstGeom prst="straightConnector1">
+            <a:avLst/>
+          </a:prstGeom>
+          <a:ln>
+            <a:solidFill>
+              <a:schemeClr val="tx1"/>
+            </a:solidFill>
+            <a:prstDash val="lgDash"/>
+            <a:tailEnd type="triangle"/>
+          </a:ln>
+        </p:spPr>
+        <p:style>
+          <a:lnRef idx="1">
+            <a:schemeClr val="accent1"/>
+          </a:lnRef>
+          <a:fillRef idx="0">
+            <a:schemeClr val="accent1"/>
+          </a:fillRef>
+          <a:effectRef idx="0">
+            <a:schemeClr val="accent1"/>
+          </a:effectRef>
+          <a:fontRef idx="minor">
+            <a:schemeClr val="tx1"/>
+          </a:fontRef>
+        </p:style>
+      </p:cxnSp>
+      <p:cxnSp>
+        <p:nvCxnSpPr>
+          <p:cNvPr id="30" name="Connector: Elbow 29">
+            <a:extLst>
+              <a:ext uri="{FF2B5EF4-FFF2-40B4-BE49-F238E27FC236}">
+                <a16:creationId xmlns:a16="http://schemas.microsoft.com/office/drawing/2014/main" id="{8955B4D5-F562-6BC9-EA84-2A6ED8C592F3}"/>
+              </a:ext>
+            </a:extLst>
+          </p:cNvPr>
+          <p:cNvCxnSpPr>
+            <a:stCxn id="28" idx="3"/>
+            <a:endCxn id="26" idx="0"/>
+          </p:cNvCxnSpPr>
+          <p:nvPr/>
+        </p:nvCxnSpPr>
+        <p:spPr>
+          <a:xfrm>
+            <a:off x="4438268" y="4230504"/>
+            <a:ext cx="1580600" cy="543991"/>
+          </a:xfrm>
+          <a:prstGeom prst="bentConnector2">
+            <a:avLst/>
+          </a:prstGeom>
+          <a:ln>
+            <a:solidFill>
+              <a:schemeClr val="tx1"/>
+            </a:solidFill>
+            <a:prstDash val="lgDash"/>
+            <a:tailEnd type="triangle"/>
+          </a:ln>
+        </p:spPr>
+        <p:style>
+          <a:lnRef idx="1">
+            <a:schemeClr val="accent1"/>
+          </a:lnRef>
+          <a:fillRef idx="0">
+            <a:schemeClr val="accent1"/>
+          </a:fillRef>
+          <a:effectRef idx="0">
+            <a:schemeClr val="accent1"/>
+          </a:effectRef>
+          <a:fontRef idx="minor">
+            <a:schemeClr val="tx1"/>
+          </a:fontRef>
+        </p:style>
+      </p:cxnSp>
+    </p:spTree>
+    <p:extLst>
+      <p:ext uri="{BB962C8B-B14F-4D97-AF65-F5344CB8AC3E}">
+        <p14:creationId xmlns:p14="http://schemas.microsoft.com/office/powerpoint/2010/main" val="2345169072"/>
+      </p:ext>
+    </p:extLst>
+  </p:cSld>
+  <p:clrMapOvr>
+    <a:masterClrMapping/>
+  </p:clrMapOvr>
+</p:sld>
+</file>
+
+<file path=ppt/slides/slide4.xml><?xml version="1.0" encoding="utf-8"?>
 <p:sld xmlns:a="http://schemas.openxmlformats.org/drawingml/2006/main" xmlns:r="http://schemas.openxmlformats.org/officeDocument/2006/relationships" xmlns:p="http://schemas.openxmlformats.org/presentationml/2006/main">
   <p:cSld>
     <p:spTree>
@@ -8647,7 +11255,7 @@
 </p:sld>
 </file>
 
-<file path=ppt/slides/slide3.xml><?xml version="1.0" encoding="utf-8"?>
+<file path=ppt/slides/slide5.xml><?xml version="1.0" encoding="utf-8"?>
 <p:sld xmlns:a="http://schemas.openxmlformats.org/drawingml/2006/main" xmlns:r="http://schemas.openxmlformats.org/officeDocument/2006/relationships" xmlns:p="http://schemas.openxmlformats.org/presentationml/2006/main">
   <p:cSld>
     <p:spTree>
@@ -13088,7 +15696,7 @@
 </p:sld>
 </file>
 
-<file path=ppt/slides/slide4.xml><?xml version="1.0" encoding="utf-8"?>
+<file path=ppt/slides/slide6.xml><?xml version="1.0" encoding="utf-8"?>
 <p:sld xmlns:a="http://schemas.openxmlformats.org/drawingml/2006/main" xmlns:r="http://schemas.openxmlformats.org/officeDocument/2006/relationships" xmlns:p="http://schemas.openxmlformats.org/presentationml/2006/main">
   <p:cSld>
     <p:spTree>

--- a/documentation/source/figs/images.pptx
+++ b/documentation/source/figs/images.pptx
@@ -11,6 +11,7 @@
     <p:sldId id="283" r:id="rId5"/>
     <p:sldId id="284" r:id="rId6"/>
     <p:sldId id="285" r:id="rId7"/>
+    <p:sldId id="288" r:id="rId8"/>
   </p:sldIdLst>
   <p:sldSz cx="12192000" cy="6858000"/>
   <p:notesSz cx="6858000" cy="9144000"/>
@@ -264,7 +265,7 @@
           <a:p>
             <a:fld id="{326EFC06-FBCA-4C28-84D1-3187E30F45CE}" type="datetimeFigureOut">
               <a:rPr lang="en-US" smtClean="0"/>
-              <a:t>10/20/2022</a:t>
+              <a:t>10/22/2022</a:t>
             </a:fld>
             <a:endParaRPr lang="en-US"/>
           </a:p>
@@ -462,7 +463,7 @@
           <a:p>
             <a:fld id="{326EFC06-FBCA-4C28-84D1-3187E30F45CE}" type="datetimeFigureOut">
               <a:rPr lang="en-US" smtClean="0"/>
-              <a:t>10/20/2022</a:t>
+              <a:t>10/22/2022</a:t>
             </a:fld>
             <a:endParaRPr lang="en-US"/>
           </a:p>
@@ -670,7 +671,7 @@
           <a:p>
             <a:fld id="{326EFC06-FBCA-4C28-84D1-3187E30F45CE}" type="datetimeFigureOut">
               <a:rPr lang="en-US" smtClean="0"/>
-              <a:t>10/20/2022</a:t>
+              <a:t>10/22/2022</a:t>
             </a:fld>
             <a:endParaRPr lang="en-US"/>
           </a:p>
@@ -868,7 +869,7 @@
           <a:p>
             <a:fld id="{326EFC06-FBCA-4C28-84D1-3187E30F45CE}" type="datetimeFigureOut">
               <a:rPr lang="en-US" smtClean="0"/>
-              <a:t>10/20/2022</a:t>
+              <a:t>10/22/2022</a:t>
             </a:fld>
             <a:endParaRPr lang="en-US"/>
           </a:p>
@@ -1143,7 +1144,7 @@
           <a:p>
             <a:fld id="{326EFC06-FBCA-4C28-84D1-3187E30F45CE}" type="datetimeFigureOut">
               <a:rPr lang="en-US" smtClean="0"/>
-              <a:t>10/20/2022</a:t>
+              <a:t>10/22/2022</a:t>
             </a:fld>
             <a:endParaRPr lang="en-US"/>
           </a:p>
@@ -1408,7 +1409,7 @@
           <a:p>
             <a:fld id="{326EFC06-FBCA-4C28-84D1-3187E30F45CE}" type="datetimeFigureOut">
               <a:rPr lang="en-US" smtClean="0"/>
-              <a:t>10/20/2022</a:t>
+              <a:t>10/22/2022</a:t>
             </a:fld>
             <a:endParaRPr lang="en-US"/>
           </a:p>
@@ -1820,7 +1821,7 @@
           <a:p>
             <a:fld id="{326EFC06-FBCA-4C28-84D1-3187E30F45CE}" type="datetimeFigureOut">
               <a:rPr lang="en-US" smtClean="0"/>
-              <a:t>10/20/2022</a:t>
+              <a:t>10/22/2022</a:t>
             </a:fld>
             <a:endParaRPr lang="en-US"/>
           </a:p>
@@ -1961,7 +1962,7 @@
           <a:p>
             <a:fld id="{326EFC06-FBCA-4C28-84D1-3187E30F45CE}" type="datetimeFigureOut">
               <a:rPr lang="en-US" smtClean="0"/>
-              <a:t>10/20/2022</a:t>
+              <a:t>10/22/2022</a:t>
             </a:fld>
             <a:endParaRPr lang="en-US"/>
           </a:p>
@@ -2074,7 +2075,7 @@
           <a:p>
             <a:fld id="{326EFC06-FBCA-4C28-84D1-3187E30F45CE}" type="datetimeFigureOut">
               <a:rPr lang="en-US" smtClean="0"/>
-              <a:t>10/20/2022</a:t>
+              <a:t>10/22/2022</a:t>
             </a:fld>
             <a:endParaRPr lang="en-US"/>
           </a:p>
@@ -2385,7 +2386,7 @@
           <a:p>
             <a:fld id="{326EFC06-FBCA-4C28-84D1-3187E30F45CE}" type="datetimeFigureOut">
               <a:rPr lang="en-US" smtClean="0"/>
-              <a:t>10/20/2022</a:t>
+              <a:t>10/22/2022</a:t>
             </a:fld>
             <a:endParaRPr lang="en-US"/>
           </a:p>
@@ -2673,7 +2674,7 @@
           <a:p>
             <a:fld id="{326EFC06-FBCA-4C28-84D1-3187E30F45CE}" type="datetimeFigureOut">
               <a:rPr lang="en-US" smtClean="0"/>
-              <a:t>10/20/2022</a:t>
+              <a:t>10/22/2022</a:t>
             </a:fld>
             <a:endParaRPr lang="en-US"/>
           </a:p>
@@ -2914,7 +2915,7 @@
           <a:p>
             <a:fld id="{326EFC06-FBCA-4C28-84D1-3187E30F45CE}" type="datetimeFigureOut">
               <a:rPr lang="en-US" smtClean="0"/>
-              <a:t>10/20/2022</a:t>
+              <a:t>10/22/2022</a:t>
             </a:fld>
             <a:endParaRPr lang="en-US"/>
           </a:p>
@@ -4573,8 +4574,8 @@
           <a:chExt cx="0" cy="0"/>
         </a:xfrm>
       </p:grpSpPr>
-      <mc:AlternateContent xmlns:mc="http://schemas.openxmlformats.org/markup-compatibility/2006">
-        <mc:Choice xmlns:a14="http://schemas.microsoft.com/office/drawing/2010/main" Requires="a14">
+      <mc:AlternateContent xmlns:mc="http://schemas.openxmlformats.org/markup-compatibility/2006" xmlns:a14="http://schemas.microsoft.com/office/drawing/2010/main">
+        <mc:Choice Requires="a14">
           <p:sp>
             <p:nvSpPr>
               <p:cNvPr id="3" name="Rectangle 2">
@@ -4755,7 +4756,7 @@
             </p:txBody>
           </p:sp>
         </mc:Choice>
-        <mc:Fallback>
+        <mc:Fallback xmlns="">
           <p:sp>
             <p:nvSpPr>
               <p:cNvPr id="3" name="Rectangle 2">
@@ -4850,8 +4851,8 @@
           </a:fontRef>
         </p:style>
       </p:cxnSp>
-      <mc:AlternateContent xmlns:mc="http://schemas.openxmlformats.org/markup-compatibility/2006">
-        <mc:Choice xmlns:a14="http://schemas.microsoft.com/office/drawing/2010/main" Requires="a14">
+      <mc:AlternateContent xmlns:mc="http://schemas.openxmlformats.org/markup-compatibility/2006" xmlns:a14="http://schemas.microsoft.com/office/drawing/2010/main">
+        <mc:Choice Requires="a14">
           <p:sp>
             <p:nvSpPr>
               <p:cNvPr id="11" name="TextBox 10">
@@ -4904,7 +4905,7 @@
             </p:txBody>
           </p:sp>
         </mc:Choice>
-        <mc:Fallback>
+        <mc:Fallback xmlns="">
           <p:sp>
             <p:nvSpPr>
               <p:cNvPr id="11" name="TextBox 10">
@@ -4949,8 +4950,8 @@
           </p:sp>
         </mc:Fallback>
       </mc:AlternateContent>
-      <mc:AlternateContent xmlns:mc="http://schemas.openxmlformats.org/markup-compatibility/2006">
-        <mc:Choice xmlns:a14="http://schemas.microsoft.com/office/drawing/2010/main" Requires="a14">
+      <mc:AlternateContent xmlns:mc="http://schemas.openxmlformats.org/markup-compatibility/2006" xmlns:a14="http://schemas.microsoft.com/office/drawing/2010/main">
+        <mc:Choice Requires="a14">
           <p:sp>
             <p:nvSpPr>
               <p:cNvPr id="12" name="Rectangle 11">
@@ -5051,40 +5052,33 @@
                           </m:ctrlPr>
                         </m:dPr>
                         <m:e>
-                          <m:sSub>
-                            <m:sSubPr>
-                              <m:ctrlPr>
-                                <a:rPr lang="en-US" sz="2000" i="1">
-                                  <a:solidFill>
-                                    <a:schemeClr val="tx1"/>
-                                  </a:solidFill>
-                                  <a:latin typeface="Cambria Math" panose="02040503050406030204" pitchFamily="18" charset="0"/>
-                                </a:rPr>
-                              </m:ctrlPr>
-                            </m:sSubPr>
-                            <m:e>
-                              <m:r>
-                                <a:rPr lang="en-US" sz="2000" i="1">
-                                  <a:solidFill>
-                                    <a:schemeClr val="tx1"/>
-                                  </a:solidFill>
-                                  <a:latin typeface="Cambria Math" panose="02040503050406030204" pitchFamily="18" charset="0"/>
-                                </a:rPr>
-                                <m:t>𝜋</m:t>
-                              </m:r>
-                            </m:e>
-                            <m:sub>
-                              <m:r>
-                                <a:rPr lang="en-US" sz="2000" b="0" i="1" smtClean="0">
-                                  <a:solidFill>
-                                    <a:schemeClr val="tx1"/>
-                                  </a:solidFill>
-                                  <a:latin typeface="Cambria Math" panose="02040503050406030204" pitchFamily="18" charset="0"/>
-                                </a:rPr>
-                                <m:t>𝑀</m:t>
-                              </m:r>
-                            </m:sub>
-                          </m:sSub>
+                          <m:r>
+                            <a:rPr lang="en-US" sz="2000" i="1" smtClean="0">
+                              <a:solidFill>
+                                <a:schemeClr val="tx1"/>
+                              </a:solidFill>
+                              <a:latin typeface="Cambria Math" panose="02040503050406030204" pitchFamily="18" charset="0"/>
+                            </a:rPr>
+                            <m:t>𝜇</m:t>
+                          </m:r>
+                          <m:r>
+                            <a:rPr lang="en-US" sz="2000" b="0" i="1" smtClean="0">
+                              <a:solidFill>
+                                <a:schemeClr val="tx1"/>
+                              </a:solidFill>
+                              <a:latin typeface="Cambria Math" panose="02040503050406030204" pitchFamily="18" charset="0"/>
+                            </a:rPr>
+                            <m:t>,</m:t>
+                          </m:r>
+                          <m:r>
+                            <a:rPr lang="en-US" sz="2000" b="0" i="1" smtClean="0">
+                              <a:solidFill>
+                                <a:schemeClr val="tx1"/>
+                              </a:solidFill>
+                              <a:latin typeface="Cambria Math" panose="02040503050406030204" pitchFamily="18" charset="0"/>
+                            </a:rPr>
+                            <m:t>𝜎</m:t>
+                          </m:r>
                         </m:e>
                       </m:d>
                       <m:r>
@@ -5138,7 +5132,7 @@
             </p:txBody>
           </p:sp>
         </mc:Choice>
-        <mc:Fallback>
+        <mc:Fallback xmlns="">
           <p:sp>
             <p:nvSpPr>
               <p:cNvPr id="12" name="Rectangle 11">
@@ -5188,8 +5182,8 @@
           </p:sp>
         </mc:Fallback>
       </mc:AlternateContent>
-      <mc:AlternateContent xmlns:mc="http://schemas.openxmlformats.org/markup-compatibility/2006">
-        <mc:Choice xmlns:a14="http://schemas.microsoft.com/office/drawing/2010/main" Requires="a14">
+      <mc:AlternateContent xmlns:mc="http://schemas.openxmlformats.org/markup-compatibility/2006" xmlns:a14="http://schemas.microsoft.com/office/drawing/2010/main">
+        <mc:Choice Requires="a14">
           <p:sp>
             <p:nvSpPr>
               <p:cNvPr id="17" name="TextBox 16">
@@ -5305,7 +5299,7 @@
             </p:txBody>
           </p:sp>
         </mc:Choice>
-        <mc:Fallback>
+        <mc:Fallback xmlns="">
           <p:sp>
             <p:nvSpPr>
               <p:cNvPr id="17" name="TextBox 16">
@@ -5397,8 +5391,8 @@
           </a:fontRef>
         </p:style>
       </p:cxnSp>
-      <mc:AlternateContent xmlns:mc="http://schemas.openxmlformats.org/markup-compatibility/2006">
-        <mc:Choice xmlns:a14="http://schemas.microsoft.com/office/drawing/2010/main" Requires="a14">
+      <mc:AlternateContent xmlns:mc="http://schemas.openxmlformats.org/markup-compatibility/2006" xmlns:a14="http://schemas.microsoft.com/office/drawing/2010/main">
+        <mc:Choice Requires="a14">
           <p:sp>
             <p:nvSpPr>
               <p:cNvPr id="4" name="TextBox 3">
@@ -5526,7 +5520,7 @@
             </p:txBody>
           </p:sp>
         </mc:Choice>
-        <mc:Fallback>
+        <mc:Fallback xmlns="">
           <p:sp>
             <p:nvSpPr>
               <p:cNvPr id="4" name="TextBox 3">
@@ -5648,8 +5642,8 @@
           <a:chExt cx="0" cy="0"/>
         </a:xfrm>
       </p:grpSpPr>
-      <mc:AlternateContent xmlns:mc="http://schemas.openxmlformats.org/markup-compatibility/2006">
-        <mc:Choice xmlns:a14="http://schemas.microsoft.com/office/drawing/2010/main" Requires="a14">
+      <mc:AlternateContent xmlns:mc="http://schemas.openxmlformats.org/markup-compatibility/2006" xmlns:a14="http://schemas.microsoft.com/office/drawing/2010/main">
+        <mc:Choice Requires="a14">
           <p:sp>
             <p:nvSpPr>
               <p:cNvPr id="12" name="Rectangle 11">
@@ -5810,7 +5804,7 @@
             </p:txBody>
           </p:sp>
         </mc:Choice>
-        <mc:Fallback>
+        <mc:Fallback xmlns="">
           <p:sp>
             <p:nvSpPr>
               <p:cNvPr id="12" name="Rectangle 11">
@@ -5860,8 +5854,8 @@
           </p:sp>
         </mc:Fallback>
       </mc:AlternateContent>
-      <mc:AlternateContent xmlns:mc="http://schemas.openxmlformats.org/markup-compatibility/2006">
-        <mc:Choice xmlns:a14="http://schemas.microsoft.com/office/drawing/2010/main" Requires="a14">
+      <mc:AlternateContent xmlns:mc="http://schemas.openxmlformats.org/markup-compatibility/2006" xmlns:a14="http://schemas.microsoft.com/office/drawing/2010/main">
+        <mc:Choice Requires="a14">
           <p:sp>
             <p:nvSpPr>
               <p:cNvPr id="3" name="Rectangle 2">
@@ -6001,7 +5995,7 @@
             </p:txBody>
           </p:sp>
         </mc:Choice>
-        <mc:Fallback>
+        <mc:Fallback xmlns="">
           <p:sp>
             <p:nvSpPr>
               <p:cNvPr id="3" name="Rectangle 2">
@@ -6095,8 +6089,8 @@
           </a:fontRef>
         </p:style>
       </p:cxnSp>
-      <mc:AlternateContent xmlns:mc="http://schemas.openxmlformats.org/markup-compatibility/2006">
-        <mc:Choice xmlns:a14="http://schemas.microsoft.com/office/drawing/2010/main" Requires="a14">
+      <mc:AlternateContent xmlns:mc="http://schemas.openxmlformats.org/markup-compatibility/2006" xmlns:a14="http://schemas.microsoft.com/office/drawing/2010/main">
+        <mc:Choice Requires="a14">
           <p:sp>
             <p:nvSpPr>
               <p:cNvPr id="11" name="TextBox 10">
@@ -6149,7 +6143,7 @@
             </p:txBody>
           </p:sp>
         </mc:Choice>
-        <mc:Fallback>
+        <mc:Fallback xmlns="">
           <p:sp>
             <p:nvSpPr>
               <p:cNvPr id="11" name="TextBox 10">
@@ -6194,8 +6188,8 @@
           </p:sp>
         </mc:Fallback>
       </mc:AlternateContent>
-      <mc:AlternateContent xmlns:mc="http://schemas.openxmlformats.org/markup-compatibility/2006">
-        <mc:Choice xmlns:a14="http://schemas.microsoft.com/office/drawing/2010/main" Requires="a14">
+      <mc:AlternateContent xmlns:mc="http://schemas.openxmlformats.org/markup-compatibility/2006" xmlns:a14="http://schemas.microsoft.com/office/drawing/2010/main">
+        <mc:Choice Requires="a14">
           <p:sp>
             <p:nvSpPr>
               <p:cNvPr id="4" name="TextBox 3">
@@ -6332,7 +6326,7 @@
             </p:txBody>
           </p:sp>
         </mc:Choice>
-        <mc:Fallback>
+        <mc:Fallback xmlns="">
           <p:sp>
             <p:nvSpPr>
               <p:cNvPr id="4" name="TextBox 3">
@@ -6470,8 +6464,8 @@
           </a:fontRef>
         </p:style>
       </p:cxnSp>
-      <mc:AlternateContent xmlns:mc="http://schemas.openxmlformats.org/markup-compatibility/2006">
-        <mc:Choice xmlns:a14="http://schemas.microsoft.com/office/drawing/2010/main" Requires="a14">
+      <mc:AlternateContent xmlns:mc="http://schemas.openxmlformats.org/markup-compatibility/2006" xmlns:a14="http://schemas.microsoft.com/office/drawing/2010/main">
+        <mc:Choice Requires="a14">
           <p:sp>
             <p:nvSpPr>
               <p:cNvPr id="26" name="Rectangle 25">
@@ -6609,7 +6603,7 @@
             </p:txBody>
           </p:sp>
         </mc:Choice>
-        <mc:Fallback>
+        <mc:Fallback xmlns="">
           <p:sp>
             <p:nvSpPr>
               <p:cNvPr id="26" name="Rectangle 25">
@@ -6659,8 +6653,8 @@
           </p:sp>
         </mc:Fallback>
       </mc:AlternateContent>
-      <mc:AlternateContent xmlns:mc="http://schemas.openxmlformats.org/markup-compatibility/2006">
-        <mc:Choice xmlns:a14="http://schemas.microsoft.com/office/drawing/2010/main" Requires="a14">
+      <mc:AlternateContent xmlns:mc="http://schemas.openxmlformats.org/markup-compatibility/2006" xmlns:a14="http://schemas.microsoft.com/office/drawing/2010/main">
+        <mc:Choice Requires="a14">
           <p:sp>
             <p:nvSpPr>
               <p:cNvPr id="27" name="Rectangle 26">
@@ -6823,7 +6817,7 @@
             </p:txBody>
           </p:sp>
         </mc:Choice>
-        <mc:Fallback>
+        <mc:Fallback xmlns="">
           <p:sp>
             <p:nvSpPr>
               <p:cNvPr id="27" name="Rectangle 26">
@@ -6873,8 +6867,8 @@
           </p:sp>
         </mc:Fallback>
       </mc:AlternateContent>
-      <mc:AlternateContent xmlns:mc="http://schemas.openxmlformats.org/markup-compatibility/2006">
-        <mc:Choice xmlns:a14="http://schemas.microsoft.com/office/drawing/2010/main" Requires="a14">
+      <mc:AlternateContent xmlns:mc="http://schemas.openxmlformats.org/markup-compatibility/2006" xmlns:a14="http://schemas.microsoft.com/office/drawing/2010/main">
+        <mc:Choice Requires="a14">
           <p:sp>
             <p:nvSpPr>
               <p:cNvPr id="28" name="TextBox 27">
@@ -7011,7 +7005,7 @@
             </p:txBody>
           </p:sp>
         </mc:Choice>
-        <mc:Fallback>
+        <mc:Fallback xmlns="">
           <p:sp>
             <p:nvSpPr>
               <p:cNvPr id="28" name="TextBox 27">
@@ -17589,6 +17583,2474 @@
 </p:sld>
 </file>
 
+<file path=ppt/slides/slide7.xml><?xml version="1.0" encoding="utf-8"?>
+<p:sld xmlns:a="http://schemas.openxmlformats.org/drawingml/2006/main" xmlns:r="http://schemas.openxmlformats.org/officeDocument/2006/relationships" xmlns:p="http://schemas.openxmlformats.org/presentationml/2006/main">
+  <p:cSld>
+    <p:spTree>
+      <p:nvGrpSpPr>
+        <p:cNvPr id="1" name=""/>
+        <p:cNvGrpSpPr/>
+        <p:nvPr/>
+      </p:nvGrpSpPr>
+      <p:grpSpPr>
+        <a:xfrm>
+          <a:off x="0" y="0"/>
+          <a:ext cx="0" cy="0"/>
+          <a:chOff x="0" y="0"/>
+          <a:chExt cx="0" cy="0"/>
+        </a:xfrm>
+      </p:grpSpPr>
+      <p:sp>
+        <p:nvSpPr>
+          <p:cNvPr id="3" name="Rectangle: Rounded Corners 2">
+            <a:extLst>
+              <a:ext uri="{FF2B5EF4-FFF2-40B4-BE49-F238E27FC236}">
+                <a16:creationId xmlns:a16="http://schemas.microsoft.com/office/drawing/2014/main" id="{6A618D8D-FDAF-FA50-C569-11F1407D79AD}"/>
+              </a:ext>
+            </a:extLst>
+          </p:cNvPr>
+          <p:cNvSpPr/>
+          <p:nvPr/>
+        </p:nvSpPr>
+        <p:spPr>
+          <a:xfrm>
+            <a:off x="4303224" y="1842202"/>
+            <a:ext cx="3223623" cy="3465627"/>
+          </a:xfrm>
+          <a:prstGeom prst="roundRect">
+            <a:avLst/>
+          </a:prstGeom>
+          <a:solidFill>
+            <a:srgbClr val="EBF1DE"/>
+          </a:solidFill>
+          <a:ln>
+            <a:noFill/>
+          </a:ln>
+        </p:spPr>
+        <p:style>
+          <a:lnRef idx="2">
+            <a:schemeClr val="accent1">
+              <a:shade val="50000"/>
+            </a:schemeClr>
+          </a:lnRef>
+          <a:fillRef idx="1">
+            <a:schemeClr val="accent1"/>
+          </a:fillRef>
+          <a:effectRef idx="0">
+            <a:schemeClr val="accent1"/>
+          </a:effectRef>
+          <a:fontRef idx="minor">
+            <a:schemeClr val="lt1"/>
+          </a:fontRef>
+        </p:style>
+        <p:txBody>
+          <a:bodyPr rtlCol="0" anchor="ctr"/>
+          <a:lstStyle/>
+          <a:p>
+            <a:pPr algn="ctr"/>
+            <a:endParaRPr lang="en-US" sz="1600">
+              <a:solidFill>
+                <a:schemeClr val="tx1"/>
+              </a:solidFill>
+            </a:endParaRPr>
+          </a:p>
+        </p:txBody>
+      </p:sp>
+      <mc:AlternateContent xmlns:mc="http://schemas.openxmlformats.org/markup-compatibility/2006">
+        <mc:Choice xmlns:a14="http://schemas.microsoft.com/office/drawing/2010/main" Requires="a14">
+          <p:sp>
+            <p:nvSpPr>
+              <p:cNvPr id="8" name="Rectangle: Rounded Corners 7">
+                <a:extLst>
+                  <a:ext uri="{FF2B5EF4-FFF2-40B4-BE49-F238E27FC236}">
+                    <a16:creationId xmlns:a16="http://schemas.microsoft.com/office/drawing/2014/main" id="{0B055F18-759C-3CAF-7192-927B8F8BE6CA}"/>
+                  </a:ext>
+                </a:extLst>
+              </p:cNvPr>
+              <p:cNvSpPr/>
+              <p:nvPr/>
+            </p:nvSpPr>
+            <p:spPr bwMode="auto">
+              <a:xfrm>
+                <a:off x="4763465" y="2431751"/>
+                <a:ext cx="1129548" cy="498497"/>
+              </a:xfrm>
+              <a:prstGeom prst="roundRect">
+                <a:avLst/>
+              </a:prstGeom>
+              <a:solidFill>
+                <a:srgbClr val="77933C"/>
+              </a:solidFill>
+              <a:ln w="25400" cap="flat" cmpd="sng" algn="ctr">
+                <a:noFill/>
+                <a:prstDash val="solid"/>
+                <a:round/>
+                <a:headEnd type="none" w="med" len="med"/>
+                <a:tailEnd type="none" w="med" len="med"/>
+              </a:ln>
+              <a:effectLst/>
+            </p:spPr>
+            <p:txBody>
+              <a:bodyPr vert="horz" wrap="square" lIns="91440" tIns="45720" rIns="91440" bIns="45720" numCol="1" rtlCol="0" anchor="ctr" anchorCtr="0" compatLnSpc="1">
+                <a:prstTxWarp prst="textNoShape">
+                  <a:avLst/>
+                </a:prstTxWarp>
+              </a:bodyPr>
+              <a:lstStyle/>
+              <a:p>
+                <a:pPr marL="0" marR="0" indent="0" algn="ctr" defTabSz="914400" rtl="0" eaLnBrk="1" fontAlgn="base" latinLnBrk="0" hangingPunct="1">
+                  <a:lnSpc>
+                    <a:spcPct val="100000"/>
+                  </a:lnSpc>
+                  <a:spcBef>
+                    <a:spcPct val="0"/>
+                  </a:spcBef>
+                  <a:spcAft>
+                    <a:spcPct val="0"/>
+                  </a:spcAft>
+                  <a:buClrTx/>
+                  <a:buSzTx/>
+                  <a:buFontTx/>
+                  <a:buNone/>
+                  <a:tabLst/>
+                </a:pPr>
+                <a:r>
+                  <a:rPr kumimoji="0" lang="en-US" sz="1200" b="0" i="0" u="none" strike="noStrike" cap="none" normalizeH="0" baseline="0" dirty="0">
+                    <a:ln>
+                      <a:noFill/>
+                    </a:ln>
+                    <a:solidFill>
+                      <a:schemeClr val="bg1"/>
+                    </a:solidFill>
+                    <a:effectLst/>
+                  </a:rPr>
+                  <a:t>Sensor </a:t>
+                </a:r>
+                <a14:m>
+                  <m:oMath xmlns:m="http://schemas.openxmlformats.org/officeDocument/2006/math">
+                    <m:r>
+                      <a:rPr kumimoji="0" lang="en-US" sz="1200" b="0" i="1" u="none" strike="noStrike" cap="none" normalizeH="0" baseline="0" dirty="0" smtClean="0">
+                        <a:ln>
+                          <a:noFill/>
+                        </a:ln>
+                        <a:solidFill>
+                          <a:schemeClr val="bg1"/>
+                        </a:solidFill>
+                        <a:effectLst/>
+                        <a:latin typeface="Cambria Math" panose="02040503050406030204" pitchFamily="18" charset="0"/>
+                      </a:rPr>
+                      <m:t>1</m:t>
+                    </m:r>
+                  </m:oMath>
+                </a14:m>
+                <a:r>
+                  <a:rPr kumimoji="0" lang="en-US" sz="1200" b="0" i="0" u="none" strike="noStrike" cap="none" normalizeH="0" baseline="0" dirty="0">
+                    <a:ln>
+                      <a:noFill/>
+                    </a:ln>
+                    <a:solidFill>
+                      <a:schemeClr val="bg1"/>
+                    </a:solidFill>
+                    <a:effectLst/>
+                  </a:rPr>
+                  <a:t>, </a:t>
+                </a:r>
+                <a14:m>
+                  <m:oMath xmlns:m="http://schemas.openxmlformats.org/officeDocument/2006/math">
+                    <m:sSub>
+                      <m:sSubPr>
+                        <m:ctrlPr>
+                          <a:rPr kumimoji="0" lang="en-US" sz="1200" b="0" i="1" u="none" strike="noStrike" cap="none" normalizeH="0" baseline="0" smtClean="0">
+                            <a:ln>
+                              <a:noFill/>
+                            </a:ln>
+                            <a:solidFill>
+                              <a:schemeClr val="bg1"/>
+                            </a:solidFill>
+                            <a:effectLst/>
+                            <a:latin typeface="Cambria Math" panose="02040503050406030204" pitchFamily="18" charset="0"/>
+                          </a:rPr>
+                        </m:ctrlPr>
+                      </m:sSubPr>
+                      <m:e>
+                        <m:r>
+                          <a:rPr kumimoji="0" lang="en-US" sz="1200" b="0" i="1" u="none" strike="noStrike" cap="none" normalizeH="0" baseline="0" smtClean="0">
+                            <a:ln>
+                              <a:noFill/>
+                            </a:ln>
+                            <a:solidFill>
+                              <a:schemeClr val="bg1"/>
+                            </a:solidFill>
+                            <a:effectLst/>
+                            <a:latin typeface="Cambria Math" panose="02040503050406030204" pitchFamily="18" charset="0"/>
+                          </a:rPr>
+                          <m:t>𝑀</m:t>
+                        </m:r>
+                      </m:e>
+                      <m:sub>
+                        <m:r>
+                          <a:rPr kumimoji="0" lang="en-US" sz="1200" b="0" i="1" u="none" strike="noStrike" cap="none" normalizeH="0" baseline="0" smtClean="0">
+                            <a:ln>
+                              <a:noFill/>
+                            </a:ln>
+                            <a:solidFill>
+                              <a:schemeClr val="bg1"/>
+                            </a:solidFill>
+                            <a:effectLst/>
+                            <a:latin typeface="Cambria Math" panose="02040503050406030204" pitchFamily="18" charset="0"/>
+                          </a:rPr>
+                          <m:t>1</m:t>
+                        </m:r>
+                      </m:sub>
+                    </m:sSub>
+                  </m:oMath>
+                </a14:m>
+                <a:endParaRPr kumimoji="0" lang="en-US" sz="1200" b="0" i="0" u="none" strike="noStrike" cap="none" normalizeH="0" baseline="0" dirty="0">
+                  <a:ln>
+                    <a:noFill/>
+                  </a:ln>
+                  <a:solidFill>
+                    <a:schemeClr val="bg1"/>
+                  </a:solidFill>
+                  <a:effectLst/>
+                </a:endParaRPr>
+              </a:p>
+            </p:txBody>
+          </p:sp>
+        </mc:Choice>
+        <mc:Fallback>
+          <p:sp>
+            <p:nvSpPr>
+              <p:cNvPr id="8" name="Rectangle: Rounded Corners 7">
+                <a:extLst>
+                  <a:ext uri="{FF2B5EF4-FFF2-40B4-BE49-F238E27FC236}">
+                    <a16:creationId xmlns:a16="http://schemas.microsoft.com/office/drawing/2014/main" id="{0B055F18-759C-3CAF-7192-927B8F8BE6CA}"/>
+                  </a:ext>
+                </a:extLst>
+              </p:cNvPr>
+              <p:cNvSpPr>
+                <a:spLocks noRot="1" noChangeAspect="1" noMove="1" noResize="1" noEditPoints="1" noAdjustHandles="1" noChangeArrowheads="1" noChangeShapeType="1" noTextEdit="1"/>
+              </p:cNvSpPr>
+              <p:nvPr/>
+            </p:nvSpPr>
+            <p:spPr bwMode="auto">
+              <a:xfrm>
+                <a:off x="4763465" y="2431751"/>
+                <a:ext cx="1129548" cy="498497"/>
+              </a:xfrm>
+              <a:prstGeom prst="roundRect">
+                <a:avLst/>
+              </a:prstGeom>
+              <a:blipFill>
+                <a:blip r:embed="rId2"/>
+                <a:stretch>
+                  <a:fillRect/>
+                </a:stretch>
+              </a:blipFill>
+              <a:ln w="25400" cap="flat" cmpd="sng" algn="ctr">
+                <a:noFill/>
+                <a:prstDash val="solid"/>
+                <a:round/>
+                <a:headEnd type="none" w="med" len="med"/>
+                <a:tailEnd type="none" w="med" len="med"/>
+              </a:ln>
+              <a:effectLst/>
+            </p:spPr>
+            <p:txBody>
+              <a:bodyPr/>
+              <a:lstStyle/>
+              <a:p>
+                <a:r>
+                  <a:rPr lang="en-US">
+                    <a:noFill/>
+                  </a:rPr>
+                  <a:t> </a:t>
+                </a:r>
+              </a:p>
+            </p:txBody>
+          </p:sp>
+        </mc:Fallback>
+      </mc:AlternateContent>
+      <p:cxnSp>
+        <p:nvCxnSpPr>
+          <p:cNvPr id="9" name="Straight Arrow Connector 8">
+            <a:extLst>
+              <a:ext uri="{FF2B5EF4-FFF2-40B4-BE49-F238E27FC236}">
+                <a16:creationId xmlns:a16="http://schemas.microsoft.com/office/drawing/2014/main" id="{E1512187-64A9-9162-30E7-C671D873CAA4}"/>
+              </a:ext>
+            </a:extLst>
+          </p:cNvPr>
+          <p:cNvCxnSpPr>
+            <a:cxnSpLocks/>
+            <a:stCxn id="8" idx="3"/>
+          </p:cNvCxnSpPr>
+          <p:nvPr/>
+        </p:nvCxnSpPr>
+        <p:spPr>
+          <a:xfrm flipV="1">
+            <a:off x="5893013" y="2679815"/>
+            <a:ext cx="583955" cy="1185"/>
+          </a:xfrm>
+          <a:prstGeom prst="straightConnector1">
+            <a:avLst/>
+          </a:prstGeom>
+          <a:ln>
+            <a:solidFill>
+              <a:schemeClr val="tx1"/>
+            </a:solidFill>
+            <a:tailEnd type="triangle" w="lg" len="lg"/>
+          </a:ln>
+        </p:spPr>
+        <p:style>
+          <a:lnRef idx="1">
+            <a:schemeClr val="accent1"/>
+          </a:lnRef>
+          <a:fillRef idx="0">
+            <a:schemeClr val="accent1"/>
+          </a:fillRef>
+          <a:effectRef idx="0">
+            <a:schemeClr val="accent1"/>
+          </a:effectRef>
+          <a:fontRef idx="minor">
+            <a:schemeClr val="tx1"/>
+          </a:fontRef>
+        </p:style>
+      </p:cxnSp>
+      <p:cxnSp>
+        <p:nvCxnSpPr>
+          <p:cNvPr id="10" name="Straight Arrow Connector 9">
+            <a:extLst>
+              <a:ext uri="{FF2B5EF4-FFF2-40B4-BE49-F238E27FC236}">
+                <a16:creationId xmlns:a16="http://schemas.microsoft.com/office/drawing/2014/main" id="{573129F7-C6F9-C006-1BC3-C46CED48717D}"/>
+              </a:ext>
+            </a:extLst>
+          </p:cNvPr>
+          <p:cNvCxnSpPr>
+            <a:cxnSpLocks/>
+          </p:cNvCxnSpPr>
+          <p:nvPr/>
+        </p:nvCxnSpPr>
+        <p:spPr>
+          <a:xfrm>
+            <a:off x="5867305" y="3592024"/>
+            <a:ext cx="609663" cy="6328"/>
+          </a:xfrm>
+          <a:prstGeom prst="straightConnector1">
+            <a:avLst/>
+          </a:prstGeom>
+          <a:ln>
+            <a:solidFill>
+              <a:schemeClr val="tx1"/>
+            </a:solidFill>
+            <a:tailEnd type="triangle" w="lg" len="lg"/>
+          </a:ln>
+        </p:spPr>
+        <p:style>
+          <a:lnRef idx="1">
+            <a:schemeClr val="accent1"/>
+          </a:lnRef>
+          <a:fillRef idx="0">
+            <a:schemeClr val="accent1"/>
+          </a:fillRef>
+          <a:effectRef idx="0">
+            <a:schemeClr val="accent1"/>
+          </a:effectRef>
+          <a:fontRef idx="minor">
+            <a:schemeClr val="tx1"/>
+          </a:fontRef>
+        </p:style>
+      </p:cxnSp>
+      <p:cxnSp>
+        <p:nvCxnSpPr>
+          <p:cNvPr id="11" name="Straight Arrow Connector 10">
+            <a:extLst>
+              <a:ext uri="{FF2B5EF4-FFF2-40B4-BE49-F238E27FC236}">
+                <a16:creationId xmlns:a16="http://schemas.microsoft.com/office/drawing/2014/main" id="{D2D0995F-DA05-648D-EA1E-481149A54E20}"/>
+              </a:ext>
+            </a:extLst>
+          </p:cNvPr>
+          <p:cNvCxnSpPr>
+            <a:cxnSpLocks/>
+          </p:cNvCxnSpPr>
+          <p:nvPr/>
+        </p:nvCxnSpPr>
+        <p:spPr>
+          <a:xfrm>
+            <a:off x="5867305" y="4516892"/>
+            <a:ext cx="609663" cy="0"/>
+          </a:xfrm>
+          <a:prstGeom prst="straightConnector1">
+            <a:avLst/>
+          </a:prstGeom>
+          <a:ln>
+            <a:solidFill>
+              <a:schemeClr val="tx1"/>
+            </a:solidFill>
+            <a:tailEnd type="triangle" w="lg" len="lg"/>
+          </a:ln>
+        </p:spPr>
+        <p:style>
+          <a:lnRef idx="1">
+            <a:schemeClr val="accent1"/>
+          </a:lnRef>
+          <a:fillRef idx="0">
+            <a:schemeClr val="accent1"/>
+          </a:fillRef>
+          <a:effectRef idx="0">
+            <a:schemeClr val="accent1"/>
+          </a:effectRef>
+          <a:fontRef idx="minor">
+            <a:schemeClr val="tx1"/>
+          </a:fontRef>
+        </p:style>
+      </p:cxnSp>
+      <p:sp>
+        <p:nvSpPr>
+          <p:cNvPr id="12" name="Rectangle 11">
+            <a:extLst>
+              <a:ext uri="{FF2B5EF4-FFF2-40B4-BE49-F238E27FC236}">
+                <a16:creationId xmlns:a16="http://schemas.microsoft.com/office/drawing/2014/main" id="{C0371323-DA09-22D9-CB1C-F8CDA677D59A}"/>
+              </a:ext>
+            </a:extLst>
+          </p:cNvPr>
+          <p:cNvSpPr/>
+          <p:nvPr/>
+        </p:nvSpPr>
+        <p:spPr>
+          <a:xfrm>
+            <a:off x="4445491" y="1926930"/>
+            <a:ext cx="3068760" cy="299524"/>
+          </a:xfrm>
+          <a:prstGeom prst="rect">
+            <a:avLst/>
+          </a:prstGeom>
+          <a:noFill/>
+          <a:ln>
+            <a:noFill/>
+          </a:ln>
+        </p:spPr>
+        <p:style>
+          <a:lnRef idx="2">
+            <a:schemeClr val="accent1">
+              <a:shade val="50000"/>
+            </a:schemeClr>
+          </a:lnRef>
+          <a:fillRef idx="1">
+            <a:schemeClr val="accent1"/>
+          </a:fillRef>
+          <a:effectRef idx="0">
+            <a:schemeClr val="accent1"/>
+          </a:effectRef>
+          <a:fontRef idx="minor">
+            <a:schemeClr val="lt1"/>
+          </a:fontRef>
+        </p:style>
+        <p:txBody>
+          <a:bodyPr rtlCol="0" anchor="ctr"/>
+          <a:lstStyle/>
+          <a:p>
+            <a:pPr algn="ctr"/>
+            <a:r>
+              <a:rPr lang="en-US" sz="1600" b="1" dirty="0">
+                <a:solidFill>
+                  <a:schemeClr val="tx1"/>
+                </a:solidFill>
+              </a:rPr>
+              <a:t>Multi-Sensor Perception System</a:t>
+            </a:r>
+          </a:p>
+        </p:txBody>
+      </p:sp>
+      <p:cxnSp>
+        <p:nvCxnSpPr>
+          <p:cNvPr id="14" name="Straight Arrow Connector 13">
+            <a:extLst>
+              <a:ext uri="{FF2B5EF4-FFF2-40B4-BE49-F238E27FC236}">
+                <a16:creationId xmlns:a16="http://schemas.microsoft.com/office/drawing/2014/main" id="{63371A24-35E4-973B-C472-BE1949A943D6}"/>
+              </a:ext>
+            </a:extLst>
+          </p:cNvPr>
+          <p:cNvCxnSpPr>
+            <a:cxnSpLocks/>
+            <a:stCxn id="18" idx="3"/>
+            <a:endCxn id="24" idx="1"/>
+          </p:cNvCxnSpPr>
+          <p:nvPr/>
+        </p:nvCxnSpPr>
+        <p:spPr>
+          <a:xfrm flipV="1">
+            <a:off x="4095041" y="3598254"/>
+            <a:ext cx="653815" cy="2309"/>
+          </a:xfrm>
+          <a:prstGeom prst="straightConnector1">
+            <a:avLst/>
+          </a:prstGeom>
+          <a:ln>
+            <a:solidFill>
+              <a:schemeClr val="tx1"/>
+            </a:solidFill>
+            <a:tailEnd type="triangle" w="lg" len="lg"/>
+          </a:ln>
+        </p:spPr>
+        <p:style>
+          <a:lnRef idx="1">
+            <a:schemeClr val="accent1"/>
+          </a:lnRef>
+          <a:fillRef idx="0">
+            <a:schemeClr val="accent1"/>
+          </a:fillRef>
+          <a:effectRef idx="0">
+            <a:schemeClr val="accent1"/>
+          </a:effectRef>
+          <a:fontRef idx="minor">
+            <a:schemeClr val="tx1"/>
+          </a:fontRef>
+        </p:style>
+      </p:cxnSp>
+      <p:cxnSp>
+        <p:nvCxnSpPr>
+          <p:cNvPr id="16" name="Straight Arrow Connector 15">
+            <a:extLst>
+              <a:ext uri="{FF2B5EF4-FFF2-40B4-BE49-F238E27FC236}">
+                <a16:creationId xmlns:a16="http://schemas.microsoft.com/office/drawing/2014/main" id="{D5899890-11D6-8434-C86B-683396F4BF51}"/>
+              </a:ext>
+            </a:extLst>
+          </p:cNvPr>
+          <p:cNvCxnSpPr>
+            <a:cxnSpLocks/>
+            <a:stCxn id="26" idx="3"/>
+            <a:endCxn id="20" idx="1"/>
+          </p:cNvCxnSpPr>
+          <p:nvPr/>
+        </p:nvCxnSpPr>
+        <p:spPr>
+          <a:xfrm>
+            <a:off x="7335867" y="3595868"/>
+            <a:ext cx="562755" cy="4695"/>
+          </a:xfrm>
+          <a:prstGeom prst="straightConnector1">
+            <a:avLst/>
+          </a:prstGeom>
+          <a:ln>
+            <a:solidFill>
+              <a:schemeClr val="tx1"/>
+            </a:solidFill>
+            <a:tailEnd type="triangle" w="lg" len="lg"/>
+          </a:ln>
+        </p:spPr>
+        <p:style>
+          <a:lnRef idx="1">
+            <a:schemeClr val="accent1"/>
+          </a:lnRef>
+          <a:fillRef idx="0">
+            <a:schemeClr val="accent1"/>
+          </a:fillRef>
+          <a:effectRef idx="0">
+            <a:schemeClr val="accent1"/>
+          </a:effectRef>
+          <a:fontRef idx="minor">
+            <a:schemeClr val="tx1"/>
+          </a:fontRef>
+        </p:style>
+      </p:cxnSp>
+      <mc:AlternateContent xmlns:mc="http://schemas.openxmlformats.org/markup-compatibility/2006">
+        <mc:Choice xmlns:a14="http://schemas.microsoft.com/office/drawing/2010/main" Requires="a14">
+          <p:sp>
+            <p:nvSpPr>
+              <p:cNvPr id="18" name="TextBox 17">
+                <a:extLst>
+                  <a:ext uri="{FF2B5EF4-FFF2-40B4-BE49-F238E27FC236}">
+                    <a16:creationId xmlns:a16="http://schemas.microsoft.com/office/drawing/2014/main" id="{34478504-8EF1-E603-5E81-D4A45157854E}"/>
+                  </a:ext>
+                </a:extLst>
+              </p:cNvPr>
+              <p:cNvSpPr txBox="1"/>
+              <p:nvPr/>
+            </p:nvSpPr>
+            <p:spPr>
+              <a:xfrm>
+                <a:off x="3709736" y="3446674"/>
+                <a:ext cx="385305" cy="307777"/>
+              </a:xfrm>
+              <a:prstGeom prst="rect">
+                <a:avLst/>
+              </a:prstGeom>
+              <a:noFill/>
+              <a:ln>
+                <a:noFill/>
+              </a:ln>
+            </p:spPr>
+            <p:txBody>
+              <a:bodyPr wrap="square" rtlCol="0">
+                <a:spAutoFit/>
+              </a:bodyPr>
+              <a:lstStyle/>
+              <a:p>
+                <a:pPr/>
+                <a14:m>
+                  <m:oMathPara xmlns:m="http://schemas.openxmlformats.org/officeDocument/2006/math">
+                    <m:oMathParaPr>
+                      <m:jc m:val="centerGroup"/>
+                    </m:oMathParaPr>
+                    <m:oMath xmlns:m="http://schemas.openxmlformats.org/officeDocument/2006/math">
+                      <m:r>
+                        <a:rPr lang="en-US" sz="1400" b="0" i="1" smtClean="0">
+                          <a:solidFill>
+                            <a:schemeClr val="tx1"/>
+                          </a:solidFill>
+                          <a:latin typeface="Cambria Math" panose="02040503050406030204" pitchFamily="18" charset="0"/>
+                        </a:rPr>
+                        <m:t>𝑥</m:t>
+                      </m:r>
+                    </m:oMath>
+                  </m:oMathPara>
+                </a14:m>
+                <a:endParaRPr lang="en-US" sz="1400" dirty="0">
+                  <a:solidFill>
+                    <a:schemeClr val="tx1"/>
+                  </a:solidFill>
+                </a:endParaRPr>
+              </a:p>
+            </p:txBody>
+          </p:sp>
+        </mc:Choice>
+        <mc:Fallback>
+          <p:sp>
+            <p:nvSpPr>
+              <p:cNvPr id="18" name="TextBox 17">
+                <a:extLst>
+                  <a:ext uri="{FF2B5EF4-FFF2-40B4-BE49-F238E27FC236}">
+                    <a16:creationId xmlns:a16="http://schemas.microsoft.com/office/drawing/2014/main" id="{34478504-8EF1-E603-5E81-D4A45157854E}"/>
+                  </a:ext>
+                </a:extLst>
+              </p:cNvPr>
+              <p:cNvSpPr txBox="1">
+                <a:spLocks noRot="1" noChangeAspect="1" noMove="1" noResize="1" noEditPoints="1" noAdjustHandles="1" noChangeArrowheads="1" noChangeShapeType="1" noTextEdit="1"/>
+              </p:cNvSpPr>
+              <p:nvPr/>
+            </p:nvSpPr>
+            <p:spPr>
+              <a:xfrm>
+                <a:off x="3709736" y="3446674"/>
+                <a:ext cx="385305" cy="307777"/>
+              </a:xfrm>
+              <a:prstGeom prst="rect">
+                <a:avLst/>
+              </a:prstGeom>
+              <a:blipFill>
+                <a:blip r:embed="rId3"/>
+                <a:stretch>
+                  <a:fillRect/>
+                </a:stretch>
+              </a:blipFill>
+              <a:ln>
+                <a:noFill/>
+              </a:ln>
+            </p:spPr>
+            <p:txBody>
+              <a:bodyPr/>
+              <a:lstStyle/>
+              <a:p>
+                <a:r>
+                  <a:rPr lang="en-US">
+                    <a:noFill/>
+                  </a:rPr>
+                  <a:t> </a:t>
+                </a:r>
+              </a:p>
+            </p:txBody>
+          </p:sp>
+        </mc:Fallback>
+      </mc:AlternateContent>
+      <mc:AlternateContent xmlns:mc="http://schemas.openxmlformats.org/markup-compatibility/2006">
+        <mc:Choice xmlns:a14="http://schemas.microsoft.com/office/drawing/2010/main" Requires="a14">
+          <p:sp>
+            <p:nvSpPr>
+              <p:cNvPr id="20" name="TextBox 19">
+                <a:extLst>
+                  <a:ext uri="{FF2B5EF4-FFF2-40B4-BE49-F238E27FC236}">
+                    <a16:creationId xmlns:a16="http://schemas.microsoft.com/office/drawing/2014/main" id="{F75536C1-D3EA-F145-5DC9-7E10AE801F6F}"/>
+                  </a:ext>
+                </a:extLst>
+              </p:cNvPr>
+              <p:cNvSpPr txBox="1"/>
+              <p:nvPr/>
+            </p:nvSpPr>
+            <p:spPr>
+              <a:xfrm>
+                <a:off x="7898622" y="3446674"/>
+                <a:ext cx="385305" cy="307777"/>
+              </a:xfrm>
+              <a:prstGeom prst="rect">
+                <a:avLst/>
+              </a:prstGeom>
+              <a:noFill/>
+              <a:ln>
+                <a:noFill/>
+              </a:ln>
+            </p:spPr>
+            <p:txBody>
+              <a:bodyPr wrap="square" rtlCol="0">
+                <a:spAutoFit/>
+              </a:bodyPr>
+              <a:lstStyle/>
+              <a:p>
+                <a:pPr/>
+                <a14:m>
+                  <m:oMathPara xmlns:m="http://schemas.openxmlformats.org/officeDocument/2006/math">
+                    <m:oMathParaPr>
+                      <m:jc m:val="centerGroup"/>
+                    </m:oMathParaPr>
+                    <m:oMath xmlns:m="http://schemas.openxmlformats.org/officeDocument/2006/math">
+                      <m:acc>
+                        <m:accPr>
+                          <m:chr m:val="̂"/>
+                          <m:ctrlPr>
+                            <a:rPr lang="en-US" sz="1400" i="1" smtClean="0">
+                              <a:solidFill>
+                                <a:schemeClr val="tx1"/>
+                              </a:solidFill>
+                              <a:latin typeface="Cambria Math" panose="02040503050406030204" pitchFamily="18" charset="0"/>
+                            </a:rPr>
+                          </m:ctrlPr>
+                        </m:accPr>
+                        <m:e>
+                          <m:r>
+                            <a:rPr lang="en-US" sz="1400" i="1">
+                              <a:solidFill>
+                                <a:schemeClr val="tx1"/>
+                              </a:solidFill>
+                              <a:latin typeface="Cambria Math" panose="02040503050406030204" pitchFamily="18" charset="0"/>
+                            </a:rPr>
+                            <m:t>𝑥</m:t>
+                          </m:r>
+                        </m:e>
+                      </m:acc>
+                    </m:oMath>
+                  </m:oMathPara>
+                </a14:m>
+                <a:endParaRPr lang="en-US" sz="1400" dirty="0">
+                  <a:solidFill>
+                    <a:schemeClr val="tx1"/>
+                  </a:solidFill>
+                </a:endParaRPr>
+              </a:p>
+            </p:txBody>
+          </p:sp>
+        </mc:Choice>
+        <mc:Fallback>
+          <p:sp>
+            <p:nvSpPr>
+              <p:cNvPr id="20" name="TextBox 19">
+                <a:extLst>
+                  <a:ext uri="{FF2B5EF4-FFF2-40B4-BE49-F238E27FC236}">
+                    <a16:creationId xmlns:a16="http://schemas.microsoft.com/office/drawing/2014/main" id="{F75536C1-D3EA-F145-5DC9-7E10AE801F6F}"/>
+                  </a:ext>
+                </a:extLst>
+              </p:cNvPr>
+              <p:cNvSpPr txBox="1">
+                <a:spLocks noRot="1" noChangeAspect="1" noMove="1" noResize="1" noEditPoints="1" noAdjustHandles="1" noChangeArrowheads="1" noChangeShapeType="1" noTextEdit="1"/>
+              </p:cNvSpPr>
+              <p:nvPr/>
+            </p:nvSpPr>
+            <p:spPr>
+              <a:xfrm>
+                <a:off x="7898622" y="3446674"/>
+                <a:ext cx="385305" cy="307777"/>
+              </a:xfrm>
+              <a:prstGeom prst="rect">
+                <a:avLst/>
+              </a:prstGeom>
+              <a:blipFill>
+                <a:blip r:embed="rId4"/>
+                <a:stretch>
+                  <a:fillRect r="-9524"/>
+                </a:stretch>
+              </a:blipFill>
+              <a:ln>
+                <a:noFill/>
+              </a:ln>
+            </p:spPr>
+            <p:txBody>
+              <a:bodyPr/>
+              <a:lstStyle/>
+              <a:p>
+                <a:r>
+                  <a:rPr lang="en-US">
+                    <a:noFill/>
+                  </a:rPr>
+                  <a:t> </a:t>
+                </a:r>
+              </a:p>
+            </p:txBody>
+          </p:sp>
+        </mc:Fallback>
+      </mc:AlternateContent>
+      <mc:AlternateContent xmlns:mc="http://schemas.openxmlformats.org/markup-compatibility/2006">
+        <mc:Choice xmlns:a14="http://schemas.microsoft.com/office/drawing/2010/main" Requires="a14">
+          <p:sp>
+            <p:nvSpPr>
+              <p:cNvPr id="21" name="TextBox 20">
+                <a:extLst>
+                  <a:ext uri="{FF2B5EF4-FFF2-40B4-BE49-F238E27FC236}">
+                    <a16:creationId xmlns:a16="http://schemas.microsoft.com/office/drawing/2014/main" id="{00DE1671-4465-C933-6DE4-E8C7BAD2FD0E}"/>
+                  </a:ext>
+                </a:extLst>
+              </p:cNvPr>
+              <p:cNvSpPr txBox="1"/>
+              <p:nvPr/>
+            </p:nvSpPr>
+            <p:spPr>
+              <a:xfrm>
+                <a:off x="5969679" y="2611317"/>
+                <a:ext cx="385305" cy="307777"/>
+              </a:xfrm>
+              <a:prstGeom prst="rect">
+                <a:avLst/>
+              </a:prstGeom>
+              <a:noFill/>
+              <a:ln>
+                <a:noFill/>
+              </a:ln>
+            </p:spPr>
+            <p:txBody>
+              <a:bodyPr wrap="square" rtlCol="0">
+                <a:spAutoFit/>
+              </a:bodyPr>
+              <a:lstStyle/>
+              <a:p>
+                <a:pPr/>
+                <a14:m>
+                  <m:oMathPara xmlns:m="http://schemas.openxmlformats.org/officeDocument/2006/math">
+                    <m:oMathParaPr>
+                      <m:jc m:val="centerGroup"/>
+                    </m:oMathParaPr>
+                    <m:oMath xmlns:m="http://schemas.openxmlformats.org/officeDocument/2006/math">
+                      <m:sSub>
+                        <m:sSubPr>
+                          <m:ctrlPr>
+                            <a:rPr lang="en-US" sz="1400" i="1" smtClean="0">
+                              <a:solidFill>
+                                <a:schemeClr val="tx1"/>
+                              </a:solidFill>
+                              <a:latin typeface="Cambria Math" panose="02040503050406030204" pitchFamily="18" charset="0"/>
+                            </a:rPr>
+                          </m:ctrlPr>
+                        </m:sSubPr>
+                        <m:e>
+                          <m:r>
+                            <a:rPr lang="en-US" sz="1400" i="1">
+                              <a:solidFill>
+                                <a:schemeClr val="tx1"/>
+                              </a:solidFill>
+                              <a:latin typeface="Cambria Math" panose="02040503050406030204" pitchFamily="18" charset="0"/>
+                            </a:rPr>
+                            <m:t>𝑧</m:t>
+                          </m:r>
+                        </m:e>
+                        <m:sub>
+                          <m:r>
+                            <a:rPr lang="en-US" sz="1400" i="1">
+                              <a:solidFill>
+                                <a:schemeClr val="tx1"/>
+                              </a:solidFill>
+                              <a:latin typeface="Cambria Math" panose="02040503050406030204" pitchFamily="18" charset="0"/>
+                            </a:rPr>
+                            <m:t>1</m:t>
+                          </m:r>
+                        </m:sub>
+                      </m:sSub>
+                    </m:oMath>
+                  </m:oMathPara>
+                </a14:m>
+                <a:endParaRPr lang="en-US" sz="1400" dirty="0">
+                  <a:solidFill>
+                    <a:schemeClr val="tx1"/>
+                  </a:solidFill>
+                </a:endParaRPr>
+              </a:p>
+            </p:txBody>
+          </p:sp>
+        </mc:Choice>
+        <mc:Fallback>
+          <p:sp>
+            <p:nvSpPr>
+              <p:cNvPr id="21" name="TextBox 20">
+                <a:extLst>
+                  <a:ext uri="{FF2B5EF4-FFF2-40B4-BE49-F238E27FC236}">
+                    <a16:creationId xmlns:a16="http://schemas.microsoft.com/office/drawing/2014/main" id="{00DE1671-4465-C933-6DE4-E8C7BAD2FD0E}"/>
+                  </a:ext>
+                </a:extLst>
+              </p:cNvPr>
+              <p:cNvSpPr txBox="1">
+                <a:spLocks noRot="1" noChangeAspect="1" noMove="1" noResize="1" noEditPoints="1" noAdjustHandles="1" noChangeArrowheads="1" noChangeShapeType="1" noTextEdit="1"/>
+              </p:cNvSpPr>
+              <p:nvPr/>
+            </p:nvSpPr>
+            <p:spPr>
+              <a:xfrm>
+                <a:off x="5969679" y="2611317"/>
+                <a:ext cx="385305" cy="307777"/>
+              </a:xfrm>
+              <a:prstGeom prst="rect">
+                <a:avLst/>
+              </a:prstGeom>
+              <a:blipFill>
+                <a:blip r:embed="rId5"/>
+                <a:stretch>
+                  <a:fillRect/>
+                </a:stretch>
+              </a:blipFill>
+              <a:ln>
+                <a:noFill/>
+              </a:ln>
+            </p:spPr>
+            <p:txBody>
+              <a:bodyPr/>
+              <a:lstStyle/>
+              <a:p>
+                <a:r>
+                  <a:rPr lang="en-US">
+                    <a:noFill/>
+                  </a:rPr>
+                  <a:t> </a:t>
+                </a:r>
+              </a:p>
+            </p:txBody>
+          </p:sp>
+        </mc:Fallback>
+      </mc:AlternateContent>
+      <mc:AlternateContent xmlns:mc="http://schemas.openxmlformats.org/markup-compatibility/2006">
+        <mc:Choice xmlns:a14="http://schemas.microsoft.com/office/drawing/2010/main" Requires="a14">
+          <p:sp>
+            <p:nvSpPr>
+              <p:cNvPr id="22" name="TextBox 21">
+                <a:extLst>
+                  <a:ext uri="{FF2B5EF4-FFF2-40B4-BE49-F238E27FC236}">
+                    <a16:creationId xmlns:a16="http://schemas.microsoft.com/office/drawing/2014/main" id="{9D2DF491-F0C6-C078-61D0-30D7F2FFAD71}"/>
+                  </a:ext>
+                </a:extLst>
+              </p:cNvPr>
+              <p:cNvSpPr txBox="1"/>
+              <p:nvPr/>
+            </p:nvSpPr>
+            <p:spPr>
+              <a:xfrm>
+                <a:off x="5969679" y="3534329"/>
+                <a:ext cx="385305" cy="307777"/>
+              </a:xfrm>
+              <a:prstGeom prst="rect">
+                <a:avLst/>
+              </a:prstGeom>
+              <a:noFill/>
+              <a:ln>
+                <a:noFill/>
+              </a:ln>
+            </p:spPr>
+            <p:txBody>
+              <a:bodyPr wrap="square" rtlCol="0">
+                <a:spAutoFit/>
+              </a:bodyPr>
+              <a:lstStyle/>
+              <a:p>
+                <a:pPr/>
+                <a14:m>
+                  <m:oMathPara xmlns:m="http://schemas.openxmlformats.org/officeDocument/2006/math">
+                    <m:oMathParaPr>
+                      <m:jc m:val="centerGroup"/>
+                    </m:oMathParaPr>
+                    <m:oMath xmlns:m="http://schemas.openxmlformats.org/officeDocument/2006/math">
+                      <m:sSub>
+                        <m:sSubPr>
+                          <m:ctrlPr>
+                            <a:rPr lang="en-US" sz="1400" i="1" smtClean="0">
+                              <a:solidFill>
+                                <a:schemeClr val="tx1"/>
+                              </a:solidFill>
+                              <a:latin typeface="Cambria Math" panose="02040503050406030204" pitchFamily="18" charset="0"/>
+                            </a:rPr>
+                          </m:ctrlPr>
+                        </m:sSubPr>
+                        <m:e>
+                          <m:r>
+                            <a:rPr lang="en-US" sz="1400" i="1">
+                              <a:solidFill>
+                                <a:schemeClr val="tx1"/>
+                              </a:solidFill>
+                              <a:latin typeface="Cambria Math" panose="02040503050406030204" pitchFamily="18" charset="0"/>
+                            </a:rPr>
+                            <m:t>𝑧</m:t>
+                          </m:r>
+                        </m:e>
+                        <m:sub>
+                          <m:r>
+                            <a:rPr lang="en-US" sz="1400" i="1">
+                              <a:solidFill>
+                                <a:schemeClr val="tx1"/>
+                              </a:solidFill>
+                              <a:latin typeface="Cambria Math" panose="02040503050406030204" pitchFamily="18" charset="0"/>
+                            </a:rPr>
+                            <m:t>2</m:t>
+                          </m:r>
+                        </m:sub>
+                      </m:sSub>
+                    </m:oMath>
+                  </m:oMathPara>
+                </a14:m>
+                <a:endParaRPr lang="en-US" sz="1400" dirty="0">
+                  <a:solidFill>
+                    <a:schemeClr val="tx1"/>
+                  </a:solidFill>
+                </a:endParaRPr>
+              </a:p>
+            </p:txBody>
+          </p:sp>
+        </mc:Choice>
+        <mc:Fallback>
+          <p:sp>
+            <p:nvSpPr>
+              <p:cNvPr id="22" name="TextBox 21">
+                <a:extLst>
+                  <a:ext uri="{FF2B5EF4-FFF2-40B4-BE49-F238E27FC236}">
+                    <a16:creationId xmlns:a16="http://schemas.microsoft.com/office/drawing/2014/main" id="{9D2DF491-F0C6-C078-61D0-30D7F2FFAD71}"/>
+                  </a:ext>
+                </a:extLst>
+              </p:cNvPr>
+              <p:cNvSpPr txBox="1">
+                <a:spLocks noRot="1" noChangeAspect="1" noMove="1" noResize="1" noEditPoints="1" noAdjustHandles="1" noChangeArrowheads="1" noChangeShapeType="1" noTextEdit="1"/>
+              </p:cNvSpPr>
+              <p:nvPr/>
+            </p:nvSpPr>
+            <p:spPr>
+              <a:xfrm>
+                <a:off x="5969679" y="3534329"/>
+                <a:ext cx="385305" cy="307777"/>
+              </a:xfrm>
+              <a:prstGeom prst="rect">
+                <a:avLst/>
+              </a:prstGeom>
+              <a:blipFill>
+                <a:blip r:embed="rId6"/>
+                <a:stretch>
+                  <a:fillRect/>
+                </a:stretch>
+              </a:blipFill>
+              <a:ln>
+                <a:noFill/>
+              </a:ln>
+            </p:spPr>
+            <p:txBody>
+              <a:bodyPr/>
+              <a:lstStyle/>
+              <a:p>
+                <a:r>
+                  <a:rPr lang="en-US">
+                    <a:noFill/>
+                  </a:rPr>
+                  <a:t> </a:t>
+                </a:r>
+              </a:p>
+            </p:txBody>
+          </p:sp>
+        </mc:Fallback>
+      </mc:AlternateContent>
+      <mc:AlternateContent xmlns:mc="http://schemas.openxmlformats.org/markup-compatibility/2006">
+        <mc:Choice xmlns:a14="http://schemas.microsoft.com/office/drawing/2010/main" Requires="a14">
+          <p:sp>
+            <p:nvSpPr>
+              <p:cNvPr id="23" name="TextBox 22">
+                <a:extLst>
+                  <a:ext uri="{FF2B5EF4-FFF2-40B4-BE49-F238E27FC236}">
+                    <a16:creationId xmlns:a16="http://schemas.microsoft.com/office/drawing/2014/main" id="{42326B55-7848-7D6B-C030-C7B3F1CAA15A}"/>
+                  </a:ext>
+                </a:extLst>
+              </p:cNvPr>
+              <p:cNvSpPr txBox="1"/>
+              <p:nvPr/>
+            </p:nvSpPr>
+            <p:spPr>
+              <a:xfrm>
+                <a:off x="5967062" y="4166614"/>
+                <a:ext cx="385305" cy="307777"/>
+              </a:xfrm>
+              <a:prstGeom prst="rect">
+                <a:avLst/>
+              </a:prstGeom>
+              <a:noFill/>
+              <a:ln>
+                <a:noFill/>
+              </a:ln>
+            </p:spPr>
+            <p:txBody>
+              <a:bodyPr wrap="square" rtlCol="0">
+                <a:spAutoFit/>
+              </a:bodyPr>
+              <a:lstStyle/>
+              <a:p>
+                <a:pPr/>
+                <a14:m>
+                  <m:oMathPara xmlns:m="http://schemas.openxmlformats.org/officeDocument/2006/math">
+                    <m:oMathParaPr>
+                      <m:jc m:val="centerGroup"/>
+                    </m:oMathParaPr>
+                    <m:oMath xmlns:m="http://schemas.openxmlformats.org/officeDocument/2006/math">
+                      <m:sSub>
+                        <m:sSubPr>
+                          <m:ctrlPr>
+                            <a:rPr lang="en-US" sz="1400" i="1" smtClean="0">
+                              <a:solidFill>
+                                <a:schemeClr val="tx1"/>
+                              </a:solidFill>
+                              <a:latin typeface="Cambria Math" panose="02040503050406030204" pitchFamily="18" charset="0"/>
+                            </a:rPr>
+                          </m:ctrlPr>
+                        </m:sSubPr>
+                        <m:e>
+                          <m:r>
+                            <a:rPr lang="en-US" sz="1400" i="1">
+                              <a:solidFill>
+                                <a:schemeClr val="tx1"/>
+                              </a:solidFill>
+                              <a:latin typeface="Cambria Math" panose="02040503050406030204" pitchFamily="18" charset="0"/>
+                            </a:rPr>
+                            <m:t>𝑧</m:t>
+                          </m:r>
+                        </m:e>
+                        <m:sub>
+                          <m:r>
+                            <a:rPr lang="en-US" sz="1400" i="1">
+                              <a:solidFill>
+                                <a:schemeClr val="tx1"/>
+                              </a:solidFill>
+                              <a:latin typeface="Cambria Math" panose="02040503050406030204" pitchFamily="18" charset="0"/>
+                            </a:rPr>
+                            <m:t>3</m:t>
+                          </m:r>
+                        </m:sub>
+                      </m:sSub>
+                    </m:oMath>
+                  </m:oMathPara>
+                </a14:m>
+                <a:endParaRPr lang="en-US" sz="1400" dirty="0">
+                  <a:solidFill>
+                    <a:schemeClr val="tx1"/>
+                  </a:solidFill>
+                </a:endParaRPr>
+              </a:p>
+            </p:txBody>
+          </p:sp>
+        </mc:Choice>
+        <mc:Fallback>
+          <p:sp>
+            <p:nvSpPr>
+              <p:cNvPr id="23" name="TextBox 22">
+                <a:extLst>
+                  <a:ext uri="{FF2B5EF4-FFF2-40B4-BE49-F238E27FC236}">
+                    <a16:creationId xmlns:a16="http://schemas.microsoft.com/office/drawing/2014/main" id="{42326B55-7848-7D6B-C030-C7B3F1CAA15A}"/>
+                  </a:ext>
+                </a:extLst>
+              </p:cNvPr>
+              <p:cNvSpPr txBox="1">
+                <a:spLocks noRot="1" noChangeAspect="1" noMove="1" noResize="1" noEditPoints="1" noAdjustHandles="1" noChangeArrowheads="1" noChangeShapeType="1" noTextEdit="1"/>
+              </p:cNvSpPr>
+              <p:nvPr/>
+            </p:nvSpPr>
+            <p:spPr>
+              <a:xfrm>
+                <a:off x="5967062" y="4166614"/>
+                <a:ext cx="385305" cy="307777"/>
+              </a:xfrm>
+              <a:prstGeom prst="rect">
+                <a:avLst/>
+              </a:prstGeom>
+              <a:blipFill>
+                <a:blip r:embed="rId7"/>
+                <a:stretch>
+                  <a:fillRect/>
+                </a:stretch>
+              </a:blipFill>
+              <a:ln>
+                <a:noFill/>
+              </a:ln>
+            </p:spPr>
+            <p:txBody>
+              <a:bodyPr/>
+              <a:lstStyle/>
+              <a:p>
+                <a:r>
+                  <a:rPr lang="en-US">
+                    <a:noFill/>
+                  </a:rPr>
+                  <a:t> </a:t>
+                </a:r>
+              </a:p>
+            </p:txBody>
+          </p:sp>
+        </mc:Fallback>
+      </mc:AlternateContent>
+      <mc:AlternateContent xmlns:mc="http://schemas.openxmlformats.org/markup-compatibility/2006">
+        <mc:Choice xmlns:a14="http://schemas.microsoft.com/office/drawing/2010/main" Requires="a14">
+          <p:sp>
+            <p:nvSpPr>
+              <p:cNvPr id="24" name="Rectangle: Rounded Corners 23">
+                <a:extLst>
+                  <a:ext uri="{FF2B5EF4-FFF2-40B4-BE49-F238E27FC236}">
+                    <a16:creationId xmlns:a16="http://schemas.microsoft.com/office/drawing/2014/main" id="{3F53CC2A-88EE-C65C-DB87-04FB6D138C3E}"/>
+                  </a:ext>
+                </a:extLst>
+              </p:cNvPr>
+              <p:cNvSpPr/>
+              <p:nvPr/>
+            </p:nvSpPr>
+            <p:spPr bwMode="auto">
+              <a:xfrm>
+                <a:off x="4748856" y="3349005"/>
+                <a:ext cx="1129548" cy="498497"/>
+              </a:xfrm>
+              <a:prstGeom prst="roundRect">
+                <a:avLst/>
+              </a:prstGeom>
+              <a:solidFill>
+                <a:srgbClr val="77933C"/>
+              </a:solidFill>
+              <a:ln w="25400" cap="flat" cmpd="sng" algn="ctr">
+                <a:noFill/>
+                <a:prstDash val="solid"/>
+                <a:round/>
+                <a:headEnd type="none" w="med" len="med"/>
+                <a:tailEnd type="none" w="med" len="med"/>
+              </a:ln>
+              <a:effectLst/>
+            </p:spPr>
+            <p:txBody>
+              <a:bodyPr vert="horz" wrap="square" lIns="91440" tIns="45720" rIns="91440" bIns="45720" numCol="1" rtlCol="0" anchor="ctr" anchorCtr="0" compatLnSpc="1">
+                <a:prstTxWarp prst="textNoShape">
+                  <a:avLst/>
+                </a:prstTxWarp>
+              </a:bodyPr>
+              <a:lstStyle/>
+              <a:p>
+                <a:pPr marL="0" marR="0" indent="0" algn="ctr" defTabSz="914400" rtl="0" eaLnBrk="1" fontAlgn="base" latinLnBrk="0" hangingPunct="1">
+                  <a:lnSpc>
+                    <a:spcPct val="100000"/>
+                  </a:lnSpc>
+                  <a:spcBef>
+                    <a:spcPct val="0"/>
+                  </a:spcBef>
+                  <a:spcAft>
+                    <a:spcPct val="0"/>
+                  </a:spcAft>
+                  <a:buClrTx/>
+                  <a:buSzTx/>
+                  <a:buFontTx/>
+                  <a:buNone/>
+                  <a:tabLst/>
+                </a:pPr>
+                <a:r>
+                  <a:rPr kumimoji="0" lang="en-US" sz="1200" b="0" i="0" u="none" strike="noStrike" cap="none" normalizeH="0" baseline="0" dirty="0">
+                    <a:ln>
+                      <a:noFill/>
+                    </a:ln>
+                    <a:solidFill>
+                      <a:schemeClr val="bg1"/>
+                    </a:solidFill>
+                    <a:effectLst/>
+                  </a:rPr>
+                  <a:t>Sensor </a:t>
+                </a:r>
+                <a14:m>
+                  <m:oMath xmlns:m="http://schemas.openxmlformats.org/officeDocument/2006/math">
+                    <m:r>
+                      <a:rPr kumimoji="0" lang="en-US" sz="1200" b="0" i="1" u="none" strike="noStrike" cap="none" normalizeH="0" baseline="0" dirty="0" smtClean="0">
+                        <a:ln>
+                          <a:noFill/>
+                        </a:ln>
+                        <a:solidFill>
+                          <a:schemeClr val="bg1"/>
+                        </a:solidFill>
+                        <a:effectLst/>
+                        <a:latin typeface="Cambria Math" panose="02040503050406030204" pitchFamily="18" charset="0"/>
+                      </a:rPr>
+                      <m:t>𝑁</m:t>
+                    </m:r>
+                  </m:oMath>
+                </a14:m>
+                <a:r>
+                  <a:rPr kumimoji="0" lang="en-US" sz="1200" b="0" i="0" u="none" strike="noStrike" cap="none" normalizeH="0" baseline="0" dirty="0">
+                    <a:ln>
+                      <a:noFill/>
+                    </a:ln>
+                    <a:solidFill>
+                      <a:schemeClr val="bg1"/>
+                    </a:solidFill>
+                    <a:effectLst/>
+                  </a:rPr>
+                  <a:t>, </a:t>
+                </a:r>
+                <a14:m>
+                  <m:oMath xmlns:m="http://schemas.openxmlformats.org/officeDocument/2006/math">
+                    <m:sSub>
+                      <m:sSubPr>
+                        <m:ctrlPr>
+                          <a:rPr kumimoji="0" lang="en-US" sz="1200" b="0" i="1" u="none" strike="noStrike" cap="none" normalizeH="0" baseline="0" smtClean="0">
+                            <a:ln>
+                              <a:noFill/>
+                            </a:ln>
+                            <a:solidFill>
+                              <a:schemeClr val="bg1"/>
+                            </a:solidFill>
+                            <a:effectLst/>
+                            <a:latin typeface="Cambria Math" panose="02040503050406030204" pitchFamily="18" charset="0"/>
+                          </a:rPr>
+                        </m:ctrlPr>
+                      </m:sSubPr>
+                      <m:e>
+                        <m:r>
+                          <a:rPr kumimoji="0" lang="en-US" sz="1200" b="0" i="1" u="none" strike="noStrike" cap="none" normalizeH="0" baseline="0" smtClean="0">
+                            <a:ln>
+                              <a:noFill/>
+                            </a:ln>
+                            <a:solidFill>
+                              <a:schemeClr val="bg1"/>
+                            </a:solidFill>
+                            <a:effectLst/>
+                            <a:latin typeface="Cambria Math" panose="02040503050406030204" pitchFamily="18" charset="0"/>
+                          </a:rPr>
+                          <m:t>𝑀</m:t>
+                        </m:r>
+                      </m:e>
+                      <m:sub>
+                        <m:r>
+                          <a:rPr kumimoji="0" lang="en-US" sz="1200" b="0" i="1" u="none" strike="noStrike" cap="none" normalizeH="0" baseline="0" smtClean="0">
+                            <a:ln>
+                              <a:noFill/>
+                            </a:ln>
+                            <a:solidFill>
+                              <a:schemeClr val="bg1"/>
+                            </a:solidFill>
+                            <a:effectLst/>
+                            <a:latin typeface="Cambria Math" panose="02040503050406030204" pitchFamily="18" charset="0"/>
+                          </a:rPr>
+                          <m:t>𝑁</m:t>
+                        </m:r>
+                      </m:sub>
+                    </m:sSub>
+                  </m:oMath>
+                </a14:m>
+                <a:endParaRPr kumimoji="0" lang="en-US" sz="1200" b="0" i="0" u="none" strike="noStrike" cap="none" normalizeH="0" baseline="0" dirty="0">
+                  <a:ln>
+                    <a:noFill/>
+                  </a:ln>
+                  <a:solidFill>
+                    <a:schemeClr val="bg1"/>
+                  </a:solidFill>
+                  <a:effectLst/>
+                </a:endParaRPr>
+              </a:p>
+            </p:txBody>
+          </p:sp>
+        </mc:Choice>
+        <mc:Fallback>
+          <p:sp>
+            <p:nvSpPr>
+              <p:cNvPr id="24" name="Rectangle: Rounded Corners 23">
+                <a:extLst>
+                  <a:ext uri="{FF2B5EF4-FFF2-40B4-BE49-F238E27FC236}">
+                    <a16:creationId xmlns:a16="http://schemas.microsoft.com/office/drawing/2014/main" id="{3F53CC2A-88EE-C65C-DB87-04FB6D138C3E}"/>
+                  </a:ext>
+                </a:extLst>
+              </p:cNvPr>
+              <p:cNvSpPr>
+                <a:spLocks noRot="1" noChangeAspect="1" noMove="1" noResize="1" noEditPoints="1" noAdjustHandles="1" noChangeArrowheads="1" noChangeShapeType="1" noTextEdit="1"/>
+              </p:cNvSpPr>
+              <p:nvPr/>
+            </p:nvSpPr>
+            <p:spPr bwMode="auto">
+              <a:xfrm>
+                <a:off x="4748856" y="3349005"/>
+                <a:ext cx="1129548" cy="498497"/>
+              </a:xfrm>
+              <a:prstGeom prst="roundRect">
+                <a:avLst/>
+              </a:prstGeom>
+              <a:blipFill>
+                <a:blip r:embed="rId8"/>
+                <a:stretch>
+                  <a:fillRect/>
+                </a:stretch>
+              </a:blipFill>
+              <a:ln w="25400" cap="flat" cmpd="sng" algn="ctr">
+                <a:noFill/>
+                <a:prstDash val="solid"/>
+                <a:round/>
+                <a:headEnd type="none" w="med" len="med"/>
+                <a:tailEnd type="none" w="med" len="med"/>
+              </a:ln>
+              <a:effectLst/>
+            </p:spPr>
+            <p:txBody>
+              <a:bodyPr/>
+              <a:lstStyle/>
+              <a:p>
+                <a:r>
+                  <a:rPr lang="en-US">
+                    <a:noFill/>
+                  </a:rPr>
+                  <a:t> </a:t>
+                </a:r>
+              </a:p>
+            </p:txBody>
+          </p:sp>
+        </mc:Fallback>
+      </mc:AlternateContent>
+      <mc:AlternateContent xmlns:mc="http://schemas.openxmlformats.org/markup-compatibility/2006">
+        <mc:Choice xmlns:a14="http://schemas.microsoft.com/office/drawing/2010/main" Requires="a14">
+          <p:sp>
+            <p:nvSpPr>
+              <p:cNvPr id="25" name="Rectangle: Rounded Corners 24">
+                <a:extLst>
+                  <a:ext uri="{FF2B5EF4-FFF2-40B4-BE49-F238E27FC236}">
+                    <a16:creationId xmlns:a16="http://schemas.microsoft.com/office/drawing/2014/main" id="{FDF61DEE-FF5B-8AE3-4D4A-57BF06111A99}"/>
+                  </a:ext>
+                </a:extLst>
+              </p:cNvPr>
+              <p:cNvSpPr/>
+              <p:nvPr/>
+            </p:nvSpPr>
+            <p:spPr bwMode="auto">
+              <a:xfrm>
+                <a:off x="4738684" y="4273493"/>
+                <a:ext cx="1129548" cy="498497"/>
+              </a:xfrm>
+              <a:prstGeom prst="roundRect">
+                <a:avLst/>
+              </a:prstGeom>
+              <a:solidFill>
+                <a:srgbClr val="7F7F7F"/>
+              </a:solidFill>
+              <a:ln w="25400" cap="flat" cmpd="sng" algn="ctr">
+                <a:noFill/>
+                <a:prstDash val="solid"/>
+                <a:round/>
+                <a:headEnd type="none" w="med" len="med"/>
+                <a:tailEnd type="none" w="med" len="med"/>
+              </a:ln>
+              <a:effectLst/>
+            </p:spPr>
+            <p:txBody>
+              <a:bodyPr vert="horz" wrap="square" lIns="91440" tIns="45720" rIns="91440" bIns="45720" numCol="1" rtlCol="0" anchor="ctr" anchorCtr="0" compatLnSpc="1">
+                <a:prstTxWarp prst="textNoShape">
+                  <a:avLst/>
+                </a:prstTxWarp>
+              </a:bodyPr>
+              <a:lstStyle/>
+              <a:p>
+                <a:pPr marL="0" marR="0" indent="0" algn="ctr" defTabSz="914400" rtl="0" eaLnBrk="1" fontAlgn="base" latinLnBrk="0" hangingPunct="1">
+                  <a:lnSpc>
+                    <a:spcPct val="100000"/>
+                  </a:lnSpc>
+                  <a:spcBef>
+                    <a:spcPct val="0"/>
+                  </a:spcBef>
+                  <a:spcAft>
+                    <a:spcPct val="0"/>
+                  </a:spcAft>
+                  <a:buClrTx/>
+                  <a:buSzTx/>
+                  <a:buFontTx/>
+                  <a:buNone/>
+                  <a:tabLst/>
+                </a:pPr>
+                <a:r>
+                  <a:rPr kumimoji="0" lang="en-US" sz="1200" b="0" i="0" u="none" strike="noStrike" cap="none" normalizeH="0" baseline="0" dirty="0">
+                    <a:ln>
+                      <a:noFill/>
+                    </a:ln>
+                    <a:solidFill>
+                      <a:schemeClr val="bg1"/>
+                    </a:solidFill>
+                    <a:effectLst/>
+                  </a:rPr>
+                  <a:t>Sensor </a:t>
+                </a:r>
+                <a14:m>
+                  <m:oMath xmlns:m="http://schemas.openxmlformats.org/officeDocument/2006/math">
+                    <m:r>
+                      <a:rPr kumimoji="0" lang="en-US" sz="1200" b="0" i="1" u="none" strike="noStrike" cap="none" normalizeH="0" baseline="0" dirty="0" smtClean="0">
+                        <a:ln>
+                          <a:noFill/>
+                        </a:ln>
+                        <a:solidFill>
+                          <a:schemeClr val="bg1"/>
+                        </a:solidFill>
+                        <a:effectLst/>
+                        <a:latin typeface="Cambria Math" panose="02040503050406030204" pitchFamily="18" charset="0"/>
+                      </a:rPr>
+                      <m:t>𝑁</m:t>
+                    </m:r>
+                    <m:r>
+                      <a:rPr kumimoji="0" lang="en-US" sz="1200" b="0" i="1" u="none" strike="noStrike" cap="none" normalizeH="0" baseline="0" dirty="0" smtClean="0">
+                        <a:ln>
+                          <a:noFill/>
+                        </a:ln>
+                        <a:solidFill>
+                          <a:schemeClr val="bg1"/>
+                        </a:solidFill>
+                        <a:effectLst/>
+                        <a:latin typeface="Cambria Math" panose="02040503050406030204" pitchFamily="18" charset="0"/>
+                      </a:rPr>
+                      <m:t>+1</m:t>
+                    </m:r>
+                  </m:oMath>
+                </a14:m>
+                <a:r>
+                  <a:rPr kumimoji="0" lang="en-US" sz="1200" b="0" i="0" u="none" strike="noStrike" cap="none" normalizeH="0" baseline="0" dirty="0">
+                    <a:ln>
+                      <a:noFill/>
+                    </a:ln>
+                    <a:solidFill>
+                      <a:schemeClr val="bg1"/>
+                    </a:solidFill>
+                    <a:effectLst/>
+                  </a:rPr>
+                  <a:t>, </a:t>
+                </a:r>
+                <a14:m>
+                  <m:oMath xmlns:m="http://schemas.openxmlformats.org/officeDocument/2006/math">
+                    <m:sSub>
+                      <m:sSubPr>
+                        <m:ctrlPr>
+                          <a:rPr kumimoji="0" lang="en-US" sz="1200" b="0" i="1" u="none" strike="noStrike" cap="none" normalizeH="0" baseline="0" smtClean="0">
+                            <a:ln>
+                              <a:noFill/>
+                            </a:ln>
+                            <a:solidFill>
+                              <a:schemeClr val="bg1"/>
+                            </a:solidFill>
+                            <a:effectLst/>
+                            <a:latin typeface="Cambria Math" panose="02040503050406030204" pitchFamily="18" charset="0"/>
+                          </a:rPr>
+                        </m:ctrlPr>
+                      </m:sSubPr>
+                      <m:e>
+                        <m:r>
+                          <a:rPr kumimoji="0" lang="en-US" sz="1200" b="0" i="1" u="none" strike="noStrike" cap="none" normalizeH="0" baseline="0" smtClean="0">
+                            <a:ln>
+                              <a:noFill/>
+                            </a:ln>
+                            <a:solidFill>
+                              <a:schemeClr val="bg1"/>
+                            </a:solidFill>
+                            <a:effectLst/>
+                            <a:latin typeface="Cambria Math" panose="02040503050406030204" pitchFamily="18" charset="0"/>
+                          </a:rPr>
+                          <m:t>𝑀</m:t>
+                        </m:r>
+                      </m:e>
+                      <m:sub>
+                        <m:r>
+                          <a:rPr kumimoji="0" lang="en-US" sz="1200" b="0" i="1" u="none" strike="noStrike" cap="none" normalizeH="0" baseline="0" smtClean="0">
+                            <a:ln>
+                              <a:noFill/>
+                            </a:ln>
+                            <a:solidFill>
+                              <a:schemeClr val="bg1"/>
+                            </a:solidFill>
+                            <a:effectLst/>
+                            <a:latin typeface="Cambria Math" panose="02040503050406030204" pitchFamily="18" charset="0"/>
+                          </a:rPr>
+                          <m:t>𝑁</m:t>
+                        </m:r>
+                        <m:r>
+                          <a:rPr kumimoji="0" lang="en-US" sz="1200" b="0" i="1" u="none" strike="noStrike" cap="none" normalizeH="0" baseline="0" smtClean="0">
+                            <a:ln>
+                              <a:noFill/>
+                            </a:ln>
+                            <a:solidFill>
+                              <a:schemeClr val="bg1"/>
+                            </a:solidFill>
+                            <a:effectLst/>
+                            <a:latin typeface="Cambria Math" panose="02040503050406030204" pitchFamily="18" charset="0"/>
+                          </a:rPr>
+                          <m:t>+1</m:t>
+                        </m:r>
+                      </m:sub>
+                    </m:sSub>
+                    <m:d>
+                      <m:dPr>
+                        <m:ctrlPr>
+                          <a:rPr kumimoji="0" lang="en-US" sz="1200" b="0" i="1" u="none" strike="noStrike" cap="none" normalizeH="0" baseline="0" smtClean="0">
+                            <a:ln>
+                              <a:noFill/>
+                            </a:ln>
+                            <a:solidFill>
+                              <a:schemeClr val="bg1"/>
+                            </a:solidFill>
+                            <a:effectLst/>
+                            <a:latin typeface="Cambria Math" panose="02040503050406030204" pitchFamily="18" charset="0"/>
+                          </a:rPr>
+                        </m:ctrlPr>
+                      </m:dPr>
+                      <m:e>
+                        <m:r>
+                          <a:rPr kumimoji="0" lang="en-US" sz="1200" b="0" i="1" u="none" strike="noStrike" cap="none" normalizeH="0" baseline="0" smtClean="0">
+                            <a:ln>
+                              <a:noFill/>
+                            </a:ln>
+                            <a:solidFill>
+                              <a:schemeClr val="bg1"/>
+                            </a:solidFill>
+                            <a:effectLst/>
+                            <a:latin typeface="Cambria Math" panose="02040503050406030204" pitchFamily="18" charset="0"/>
+                          </a:rPr>
+                          <m:t>𝜎</m:t>
+                        </m:r>
+                      </m:e>
+                    </m:d>
+                  </m:oMath>
+                </a14:m>
+                <a:endParaRPr kumimoji="0" lang="en-US" sz="1200" b="0" i="0" u="none" strike="noStrike" cap="none" normalizeH="0" baseline="0" dirty="0">
+                  <a:ln>
+                    <a:noFill/>
+                  </a:ln>
+                  <a:solidFill>
+                    <a:schemeClr val="bg1"/>
+                  </a:solidFill>
+                  <a:effectLst/>
+                </a:endParaRPr>
+              </a:p>
+            </p:txBody>
+          </p:sp>
+        </mc:Choice>
+        <mc:Fallback>
+          <p:sp>
+            <p:nvSpPr>
+              <p:cNvPr id="25" name="Rectangle: Rounded Corners 24">
+                <a:extLst>
+                  <a:ext uri="{FF2B5EF4-FFF2-40B4-BE49-F238E27FC236}">
+                    <a16:creationId xmlns:a16="http://schemas.microsoft.com/office/drawing/2014/main" id="{FDF61DEE-FF5B-8AE3-4D4A-57BF06111A99}"/>
+                  </a:ext>
+                </a:extLst>
+              </p:cNvPr>
+              <p:cNvSpPr>
+                <a:spLocks noRot="1" noChangeAspect="1" noMove="1" noResize="1" noEditPoints="1" noAdjustHandles="1" noChangeArrowheads="1" noChangeShapeType="1" noTextEdit="1"/>
+              </p:cNvSpPr>
+              <p:nvPr/>
+            </p:nvSpPr>
+            <p:spPr bwMode="auto">
+              <a:xfrm>
+                <a:off x="4738684" y="4273493"/>
+                <a:ext cx="1129548" cy="498497"/>
+              </a:xfrm>
+              <a:prstGeom prst="roundRect">
+                <a:avLst/>
+              </a:prstGeom>
+              <a:blipFill>
+                <a:blip r:embed="rId9"/>
+                <a:stretch>
+                  <a:fillRect/>
+                </a:stretch>
+              </a:blipFill>
+              <a:ln w="25400" cap="flat" cmpd="sng" algn="ctr">
+                <a:noFill/>
+                <a:prstDash val="solid"/>
+                <a:round/>
+                <a:headEnd type="none" w="med" len="med"/>
+                <a:tailEnd type="none" w="med" len="med"/>
+              </a:ln>
+              <a:effectLst/>
+            </p:spPr>
+            <p:txBody>
+              <a:bodyPr/>
+              <a:lstStyle/>
+              <a:p>
+                <a:r>
+                  <a:rPr lang="en-US">
+                    <a:noFill/>
+                  </a:rPr>
+                  <a:t> </a:t>
+                </a:r>
+              </a:p>
+            </p:txBody>
+          </p:sp>
+        </mc:Fallback>
+      </mc:AlternateContent>
+      <mc:AlternateContent xmlns:mc="http://schemas.openxmlformats.org/markup-compatibility/2006">
+        <mc:Choice xmlns:a14="http://schemas.microsoft.com/office/drawing/2010/main" Requires="a14">
+          <p:sp>
+            <p:nvSpPr>
+              <p:cNvPr id="26" name="Rectangle: Rounded Corners 25">
+                <a:extLst>
+                  <a:ext uri="{FF2B5EF4-FFF2-40B4-BE49-F238E27FC236}">
+                    <a16:creationId xmlns:a16="http://schemas.microsoft.com/office/drawing/2014/main" id="{7498C4C8-4C36-975B-04E9-488857BE924E}"/>
+                  </a:ext>
+                </a:extLst>
+              </p:cNvPr>
+              <p:cNvSpPr/>
+              <p:nvPr/>
+            </p:nvSpPr>
+            <p:spPr bwMode="auto">
+              <a:xfrm>
+                <a:off x="6479029" y="2422407"/>
+                <a:ext cx="856838" cy="2346922"/>
+              </a:xfrm>
+              <a:prstGeom prst="roundRect">
+                <a:avLst/>
+              </a:prstGeom>
+              <a:solidFill>
+                <a:srgbClr val="77933C"/>
+              </a:solidFill>
+              <a:ln w="25400" cap="flat" cmpd="sng" algn="ctr">
+                <a:noFill/>
+                <a:prstDash val="solid"/>
+                <a:round/>
+                <a:headEnd type="none" w="med" len="med"/>
+                <a:tailEnd type="none" w="med" len="med"/>
+              </a:ln>
+              <a:effectLst/>
+            </p:spPr>
+            <p:txBody>
+              <a:bodyPr vert="horz" wrap="square" lIns="91440" tIns="45720" rIns="91440" bIns="45720" numCol="1" rtlCol="0" anchor="ctr" anchorCtr="0" compatLnSpc="1">
+                <a:prstTxWarp prst="textNoShape">
+                  <a:avLst/>
+                </a:prstTxWarp>
+              </a:bodyPr>
+              <a:lstStyle/>
+              <a:p>
+                <a:pPr marL="0" marR="0" indent="0" algn="ctr" defTabSz="914400" rtl="0" eaLnBrk="1" fontAlgn="base" latinLnBrk="0" hangingPunct="1">
+                  <a:lnSpc>
+                    <a:spcPct val="100000"/>
+                  </a:lnSpc>
+                  <a:spcBef>
+                    <a:spcPct val="0"/>
+                  </a:spcBef>
+                  <a:spcAft>
+                    <a:spcPct val="0"/>
+                  </a:spcAft>
+                  <a:buClrTx/>
+                  <a:buSzTx/>
+                  <a:buFontTx/>
+                  <a:buNone/>
+                  <a:tabLst/>
+                </a:pPr>
+                <a:r>
+                  <a:rPr kumimoji="0" lang="en-US" sz="1400" b="0" i="0" u="none" strike="noStrike" cap="none" normalizeH="0" baseline="0" dirty="0">
+                    <a:ln>
+                      <a:noFill/>
+                    </a:ln>
+                    <a:solidFill>
+                      <a:schemeClr val="bg1"/>
+                    </a:solidFill>
+                    <a:effectLst/>
+                    <a:latin typeface="+mn-lt"/>
+                  </a:rPr>
+                  <a:t>Data Fusion,</a:t>
+                </a:r>
+              </a:p>
+              <a:p>
+                <a:pPr marL="0" marR="0" indent="0" algn="ctr" defTabSz="914400" rtl="0" eaLnBrk="1" fontAlgn="base" latinLnBrk="0" hangingPunct="1">
+                  <a:lnSpc>
+                    <a:spcPct val="100000"/>
+                  </a:lnSpc>
+                  <a:spcBef>
+                    <a:spcPct val="0"/>
+                  </a:spcBef>
+                  <a:spcAft>
+                    <a:spcPct val="0"/>
+                  </a:spcAft>
+                  <a:buClrTx/>
+                  <a:buSzTx/>
+                  <a:buFontTx/>
+                  <a:buNone/>
+                  <a:tabLst/>
+                </a:pPr>
+                <a14:m>
+                  <m:oMathPara xmlns:m="http://schemas.openxmlformats.org/officeDocument/2006/math">
+                    <m:oMathParaPr>
+                      <m:jc m:val="centerGroup"/>
+                    </m:oMathParaPr>
+                    <m:oMath xmlns:m="http://schemas.openxmlformats.org/officeDocument/2006/math">
+                      <m:sSub>
+                        <m:sSubPr>
+                          <m:ctrlPr>
+                            <a:rPr kumimoji="0" lang="en-US" sz="1400" b="0" i="1" u="none" strike="noStrike" cap="none" normalizeH="0" baseline="0" smtClean="0">
+                              <a:ln>
+                                <a:noFill/>
+                              </a:ln>
+                              <a:solidFill>
+                                <a:schemeClr val="bg1"/>
+                              </a:solidFill>
+                              <a:effectLst/>
+                              <a:latin typeface="Cambria Math" panose="02040503050406030204" pitchFamily="18" charset="0"/>
+                            </a:rPr>
+                          </m:ctrlPr>
+                        </m:sSubPr>
+                        <m:e>
+                          <m:r>
+                            <a:rPr kumimoji="0" lang="en-US" sz="1400" b="0" i="1" u="none" strike="noStrike" cap="none" normalizeH="0" baseline="0" smtClean="0">
+                              <a:ln>
+                                <a:noFill/>
+                              </a:ln>
+                              <a:solidFill>
+                                <a:schemeClr val="bg1"/>
+                              </a:solidFill>
+                              <a:effectLst/>
+                              <a:latin typeface="Cambria Math" panose="02040503050406030204" pitchFamily="18" charset="0"/>
+                            </a:rPr>
+                            <m:t>𝑀</m:t>
+                          </m:r>
+                        </m:e>
+                        <m:sub>
+                          <m:r>
+                            <a:rPr kumimoji="0" lang="en-US" sz="1400" b="0" i="1" u="none" strike="noStrike" cap="none" normalizeH="0" baseline="0" smtClean="0">
+                              <a:ln>
+                                <a:noFill/>
+                              </a:ln>
+                              <a:solidFill>
+                                <a:schemeClr val="bg1"/>
+                              </a:solidFill>
+                              <a:effectLst/>
+                              <a:latin typeface="Cambria Math" panose="02040503050406030204" pitchFamily="18" charset="0"/>
+                            </a:rPr>
+                            <m:t>𝑁</m:t>
+                          </m:r>
+                          <m:r>
+                            <a:rPr kumimoji="0" lang="en-US" sz="1400" b="0" i="1" u="none" strike="noStrike" cap="none" normalizeH="0" baseline="0" smtClean="0">
+                              <a:ln>
+                                <a:noFill/>
+                              </a:ln>
+                              <a:solidFill>
+                                <a:schemeClr val="bg1"/>
+                              </a:solidFill>
+                              <a:effectLst/>
+                              <a:latin typeface="Cambria Math" panose="02040503050406030204" pitchFamily="18" charset="0"/>
+                            </a:rPr>
+                            <m:t>+2</m:t>
+                          </m:r>
+                        </m:sub>
+                      </m:sSub>
+                    </m:oMath>
+                  </m:oMathPara>
+                </a14:m>
+                <a:endParaRPr kumimoji="0" lang="en-US" sz="1400" b="0" i="0" u="none" strike="noStrike" cap="none" normalizeH="0" baseline="0" dirty="0">
+                  <a:ln>
+                    <a:noFill/>
+                  </a:ln>
+                  <a:solidFill>
+                    <a:schemeClr val="bg1"/>
+                  </a:solidFill>
+                  <a:effectLst/>
+                  <a:latin typeface="+mn-lt"/>
+                </a:endParaRPr>
+              </a:p>
+            </p:txBody>
+          </p:sp>
+        </mc:Choice>
+        <mc:Fallback>
+          <p:sp>
+            <p:nvSpPr>
+              <p:cNvPr id="26" name="Rectangle: Rounded Corners 25">
+                <a:extLst>
+                  <a:ext uri="{FF2B5EF4-FFF2-40B4-BE49-F238E27FC236}">
+                    <a16:creationId xmlns:a16="http://schemas.microsoft.com/office/drawing/2014/main" id="{7498C4C8-4C36-975B-04E9-488857BE924E}"/>
+                  </a:ext>
+                </a:extLst>
+              </p:cNvPr>
+              <p:cNvSpPr>
+                <a:spLocks noRot="1" noChangeAspect="1" noMove="1" noResize="1" noEditPoints="1" noAdjustHandles="1" noChangeArrowheads="1" noChangeShapeType="1" noTextEdit="1"/>
+              </p:cNvSpPr>
+              <p:nvPr/>
+            </p:nvSpPr>
+            <p:spPr bwMode="auto">
+              <a:xfrm>
+                <a:off x="6479029" y="2422407"/>
+                <a:ext cx="856838" cy="2346922"/>
+              </a:xfrm>
+              <a:prstGeom prst="roundRect">
+                <a:avLst/>
+              </a:prstGeom>
+              <a:blipFill>
+                <a:blip r:embed="rId10"/>
+                <a:stretch>
+                  <a:fillRect/>
+                </a:stretch>
+              </a:blipFill>
+              <a:ln w="25400" cap="flat" cmpd="sng" algn="ctr">
+                <a:noFill/>
+                <a:prstDash val="solid"/>
+                <a:round/>
+                <a:headEnd type="none" w="med" len="med"/>
+                <a:tailEnd type="none" w="med" len="med"/>
+              </a:ln>
+              <a:effectLst/>
+            </p:spPr>
+            <p:txBody>
+              <a:bodyPr/>
+              <a:lstStyle/>
+              <a:p>
+                <a:r>
+                  <a:rPr lang="en-US">
+                    <a:noFill/>
+                  </a:rPr>
+                  <a:t> </a:t>
+                </a:r>
+              </a:p>
+            </p:txBody>
+          </p:sp>
+        </mc:Fallback>
+      </mc:AlternateContent>
+      <mc:AlternateContent xmlns:mc="http://schemas.openxmlformats.org/markup-compatibility/2006">
+        <mc:Choice xmlns:a14="http://schemas.microsoft.com/office/drawing/2010/main" Requires="a14">
+          <p:sp>
+            <p:nvSpPr>
+              <p:cNvPr id="27" name="TextBox 26">
+                <a:extLst>
+                  <a:ext uri="{FF2B5EF4-FFF2-40B4-BE49-F238E27FC236}">
+                    <a16:creationId xmlns:a16="http://schemas.microsoft.com/office/drawing/2014/main" id="{36A7FF4A-3869-50A9-7F53-D2549AE0EDE4}"/>
+                  </a:ext>
+                </a:extLst>
+              </p:cNvPr>
+              <p:cNvSpPr txBox="1"/>
+              <p:nvPr/>
+            </p:nvSpPr>
+            <p:spPr>
+              <a:xfrm>
+                <a:off x="5125816" y="2940712"/>
+                <a:ext cx="430887" cy="405321"/>
+              </a:xfrm>
+              <a:prstGeom prst="rect">
+                <a:avLst/>
+              </a:prstGeom>
+              <a:noFill/>
+            </p:spPr>
+            <p:txBody>
+              <a:bodyPr vert="eaVert" wrap="square" rtlCol="0">
+                <a:spAutoFit/>
+              </a:bodyPr>
+              <a:lstStyle/>
+              <a:p>
+                <a:pPr/>
+                <a14:m>
+                  <m:oMathPara xmlns:m="http://schemas.openxmlformats.org/officeDocument/2006/math">
+                    <m:oMathParaPr>
+                      <m:jc m:val="centerGroup"/>
+                    </m:oMathParaPr>
+                    <m:oMath xmlns:m="http://schemas.openxmlformats.org/officeDocument/2006/math">
+                      <m:r>
+                        <a:rPr lang="en-US" sz="1600" b="0" i="1" smtClean="0">
+                          <a:solidFill>
+                            <a:schemeClr val="tx1"/>
+                          </a:solidFill>
+                          <a:latin typeface="Cambria Math" panose="02040503050406030204" pitchFamily="18" charset="0"/>
+                        </a:rPr>
+                        <m:t>⋯</m:t>
+                      </m:r>
+                    </m:oMath>
+                  </m:oMathPara>
+                </a14:m>
+                <a:endParaRPr lang="en-US" sz="1600" dirty="0">
+                  <a:solidFill>
+                    <a:schemeClr val="tx1"/>
+                  </a:solidFill>
+                </a:endParaRPr>
+              </a:p>
+            </p:txBody>
+          </p:sp>
+        </mc:Choice>
+        <mc:Fallback>
+          <p:sp>
+            <p:nvSpPr>
+              <p:cNvPr id="27" name="TextBox 26">
+                <a:extLst>
+                  <a:ext uri="{FF2B5EF4-FFF2-40B4-BE49-F238E27FC236}">
+                    <a16:creationId xmlns:a16="http://schemas.microsoft.com/office/drawing/2014/main" id="{36A7FF4A-3869-50A9-7F53-D2549AE0EDE4}"/>
+                  </a:ext>
+                </a:extLst>
+              </p:cNvPr>
+              <p:cNvSpPr txBox="1">
+                <a:spLocks noRot="1" noChangeAspect="1" noMove="1" noResize="1" noEditPoints="1" noAdjustHandles="1" noChangeArrowheads="1" noChangeShapeType="1" noTextEdit="1"/>
+              </p:cNvSpPr>
+              <p:nvPr/>
+            </p:nvSpPr>
+            <p:spPr>
+              <a:xfrm>
+                <a:off x="5125816" y="2940712"/>
+                <a:ext cx="430887" cy="405321"/>
+              </a:xfrm>
+              <a:prstGeom prst="rect">
+                <a:avLst/>
+              </a:prstGeom>
+              <a:blipFill>
+                <a:blip r:embed="rId11"/>
+                <a:stretch>
+                  <a:fillRect/>
+                </a:stretch>
+              </a:blipFill>
+            </p:spPr>
+            <p:txBody>
+              <a:bodyPr/>
+              <a:lstStyle/>
+              <a:p>
+                <a:r>
+                  <a:rPr lang="en-US">
+                    <a:noFill/>
+                  </a:rPr>
+                  <a:t> </a:t>
+                </a:r>
+              </a:p>
+            </p:txBody>
+          </p:sp>
+        </mc:Fallback>
+      </mc:AlternateContent>
+      <p:sp>
+        <p:nvSpPr>
+          <p:cNvPr id="31" name="Content Placeholder 3">
+            <a:extLst>
+              <a:ext uri="{FF2B5EF4-FFF2-40B4-BE49-F238E27FC236}">
+                <a16:creationId xmlns:a16="http://schemas.microsoft.com/office/drawing/2014/main" id="{B4A7943C-9181-429A-B4DF-22AF63038673}"/>
+              </a:ext>
+            </a:extLst>
+          </p:cNvPr>
+          <p:cNvSpPr txBox="1">
+            <a:spLocks/>
+          </p:cNvSpPr>
+          <p:nvPr/>
+        </p:nvSpPr>
+        <p:spPr>
+          <a:xfrm>
+            <a:off x="4512541" y="4826373"/>
+            <a:ext cx="2064396" cy="333154"/>
+          </a:xfrm>
+          <a:prstGeom prst="rect">
+            <a:avLst/>
+          </a:prstGeom>
+        </p:spPr>
+        <p:txBody>
+          <a:bodyPr/>
+          <a:lstStyle>
+            <a:lvl1pPr marL="486884" indent="-486884" algn="l" rtl="0" eaLnBrk="0" fontAlgn="base" hangingPunct="0">
+              <a:spcBef>
+                <a:spcPct val="20000"/>
+              </a:spcBef>
+              <a:spcAft>
+                <a:spcPct val="0"/>
+              </a:spcAft>
+              <a:buClr>
+                <a:schemeClr val="tx2"/>
+              </a:buClr>
+              <a:buSzPct val="70000"/>
+              <a:buFont typeface="Wingdings" pitchFamily="2" charset="2"/>
+              <a:buBlip>
+                <a:blip r:embed="rId12"/>
+              </a:buBlip>
+              <a:defRPr sz="4400">
+                <a:solidFill>
+                  <a:schemeClr val="bg1"/>
+                </a:solidFill>
+                <a:latin typeface="+mn-lt"/>
+                <a:ea typeface="ＭＳ Ｐゴシック" charset="0"/>
+                <a:cs typeface="+mn-cs"/>
+              </a:defRPr>
+            </a:lvl1pPr>
+            <a:lvl2pPr marL="982760" indent="-493634" algn="l" rtl="0" eaLnBrk="0" fontAlgn="base" hangingPunct="0">
+              <a:spcBef>
+                <a:spcPct val="20000"/>
+              </a:spcBef>
+              <a:spcAft>
+                <a:spcPct val="0"/>
+              </a:spcAft>
+              <a:buClr>
+                <a:schemeClr val="accent2"/>
+              </a:buClr>
+              <a:buSzPct val="70000"/>
+              <a:buFont typeface="Wingdings" pitchFamily="2" charset="2"/>
+              <a:buBlip>
+                <a:blip r:embed="rId13"/>
+              </a:buBlip>
+              <a:defRPr sz="3600">
+                <a:solidFill>
+                  <a:schemeClr val="bg1"/>
+                </a:solidFill>
+                <a:latin typeface="+mn-lt"/>
+                <a:ea typeface="ＭＳ Ｐゴシック" charset="0"/>
+              </a:defRPr>
+            </a:lvl2pPr>
+            <a:lvl3pPr marL="1402032" indent="-417000" algn="l" rtl="0" eaLnBrk="0" fontAlgn="base" hangingPunct="0">
+              <a:spcBef>
+                <a:spcPct val="20000"/>
+              </a:spcBef>
+              <a:spcAft>
+                <a:spcPct val="0"/>
+              </a:spcAft>
+              <a:buClr>
+                <a:schemeClr val="accent1"/>
+              </a:buClr>
+              <a:buSzPct val="70000"/>
+              <a:buFont typeface="Wingdings" pitchFamily="2" charset="2"/>
+              <a:buBlip>
+                <a:blip r:embed="rId14"/>
+              </a:buBlip>
+              <a:defRPr sz="3100">
+                <a:solidFill>
+                  <a:schemeClr val="bg1"/>
+                </a:solidFill>
+                <a:latin typeface="+mn-lt"/>
+                <a:ea typeface="ＭＳ Ｐゴシック" charset="0"/>
+              </a:defRPr>
+            </a:lvl3pPr>
+            <a:lvl4pPr marL="1819005" indent="-414742" algn="l" rtl="0" eaLnBrk="0" fontAlgn="base" hangingPunct="0">
+              <a:spcBef>
+                <a:spcPct val="20000"/>
+              </a:spcBef>
+              <a:spcAft>
+                <a:spcPct val="0"/>
+              </a:spcAft>
+              <a:buClr>
+                <a:schemeClr val="tx2"/>
+              </a:buClr>
+              <a:buSzPct val="75000"/>
+              <a:buFont typeface="Wingdings" pitchFamily="2" charset="2"/>
+              <a:buChar char="§"/>
+              <a:defRPr sz="2800">
+                <a:solidFill>
+                  <a:schemeClr val="bg1"/>
+                </a:solidFill>
+                <a:latin typeface="+mn-lt"/>
+                <a:ea typeface="ＭＳ Ｐゴシック" charset="0"/>
+              </a:defRPr>
+            </a:lvl4pPr>
+            <a:lvl5pPr marL="2269821" indent="-448563" algn="l" rtl="0" eaLnBrk="0" fontAlgn="base" hangingPunct="0">
+              <a:spcBef>
+                <a:spcPct val="20000"/>
+              </a:spcBef>
+              <a:spcAft>
+                <a:spcPct val="0"/>
+              </a:spcAft>
+              <a:buClr>
+                <a:schemeClr val="folHlink"/>
+              </a:buClr>
+              <a:buSzPct val="80000"/>
+              <a:buFont typeface="Wingdings" pitchFamily="2" charset="2"/>
+              <a:buChar char="§"/>
+              <a:defRPr sz="2400">
+                <a:solidFill>
+                  <a:schemeClr val="bg1"/>
+                </a:solidFill>
+                <a:latin typeface="+mn-lt"/>
+                <a:ea typeface="ＭＳ Ｐゴシック" charset="0"/>
+              </a:defRPr>
+            </a:lvl5pPr>
+            <a:lvl6pPr marL="2918999" indent="-448563" algn="l" rtl="0" fontAlgn="base">
+              <a:spcBef>
+                <a:spcPct val="20000"/>
+              </a:spcBef>
+              <a:spcAft>
+                <a:spcPct val="0"/>
+              </a:spcAft>
+              <a:buClr>
+                <a:schemeClr val="folHlink"/>
+              </a:buClr>
+              <a:buSzPct val="80000"/>
+              <a:buFont typeface="Wingdings" pitchFamily="2" charset="2"/>
+              <a:buChar char="§"/>
+              <a:defRPr>
+                <a:solidFill>
+                  <a:srgbClr val="D1D1D1"/>
+                </a:solidFill>
+                <a:latin typeface="+mn-lt"/>
+              </a:defRPr>
+            </a:lvl6pPr>
+            <a:lvl7pPr marL="3568165" indent="-448563" algn="l" rtl="0" fontAlgn="base">
+              <a:spcBef>
+                <a:spcPct val="20000"/>
+              </a:spcBef>
+              <a:spcAft>
+                <a:spcPct val="0"/>
+              </a:spcAft>
+              <a:buClr>
+                <a:schemeClr val="folHlink"/>
+              </a:buClr>
+              <a:buSzPct val="80000"/>
+              <a:buFont typeface="Wingdings" pitchFamily="2" charset="2"/>
+              <a:buChar char="§"/>
+              <a:defRPr>
+                <a:solidFill>
+                  <a:srgbClr val="D1D1D1"/>
+                </a:solidFill>
+                <a:latin typeface="+mn-lt"/>
+              </a:defRPr>
+            </a:lvl7pPr>
+            <a:lvl8pPr marL="4217321" indent="-448563" algn="l" rtl="0" fontAlgn="base">
+              <a:spcBef>
+                <a:spcPct val="20000"/>
+              </a:spcBef>
+              <a:spcAft>
+                <a:spcPct val="0"/>
+              </a:spcAft>
+              <a:buClr>
+                <a:schemeClr val="folHlink"/>
+              </a:buClr>
+              <a:buSzPct val="80000"/>
+              <a:buFont typeface="Wingdings" pitchFamily="2" charset="2"/>
+              <a:buChar char="§"/>
+              <a:defRPr>
+                <a:solidFill>
+                  <a:srgbClr val="D1D1D1"/>
+                </a:solidFill>
+                <a:latin typeface="+mn-lt"/>
+              </a:defRPr>
+            </a:lvl8pPr>
+            <a:lvl9pPr marL="4866495" indent="-448563" algn="l" rtl="0" fontAlgn="base">
+              <a:spcBef>
+                <a:spcPct val="20000"/>
+              </a:spcBef>
+              <a:spcAft>
+                <a:spcPct val="0"/>
+              </a:spcAft>
+              <a:buClr>
+                <a:schemeClr val="folHlink"/>
+              </a:buClr>
+              <a:buSzPct val="80000"/>
+              <a:buFont typeface="Wingdings" pitchFamily="2" charset="2"/>
+              <a:buChar char="§"/>
+              <a:defRPr>
+                <a:solidFill>
+                  <a:srgbClr val="D1D1D1"/>
+                </a:solidFill>
+                <a:latin typeface="+mn-lt"/>
+              </a:defRPr>
+            </a:lvl9pPr>
+          </a:lstStyle>
+          <a:p>
+            <a:pPr marL="0" marR="0" lvl="0" indent="0" algn="ctr" defTabSz="642915" rtl="0" eaLnBrk="0" fontAlgn="base" latinLnBrk="0" hangingPunct="0">
+              <a:lnSpc>
+                <a:spcPct val="100000"/>
+              </a:lnSpc>
+              <a:spcBef>
+                <a:spcPct val="20000"/>
+              </a:spcBef>
+              <a:spcAft>
+                <a:spcPct val="0"/>
+              </a:spcAft>
+              <a:buClr>
+                <a:srgbClr val="EEECE1"/>
+              </a:buClr>
+              <a:buSzPct val="70000"/>
+              <a:buFont typeface="Wingdings" pitchFamily="2" charset="2"/>
+              <a:buNone/>
+              <a:tabLst/>
+              <a:defRPr/>
+            </a:pPr>
+            <a:r>
+              <a:rPr kumimoji="0" lang="en-US" sz="1400" b="1" i="0" u="none" strike="noStrike" kern="0" cap="none" spc="0" normalizeH="0" baseline="0" noProof="0" dirty="0">
+                <a:ln>
+                  <a:noFill/>
+                </a:ln>
+                <a:solidFill>
+                  <a:srgbClr val="7F7F7F"/>
+                </a:solidFill>
+                <a:effectLst/>
+                <a:uLnTx/>
+                <a:uFillTx/>
+                <a:latin typeface="Calibri" panose="020F0502020204030204"/>
+                <a:ea typeface="ＭＳ Ｐゴシック" charset="0"/>
+                <a:cs typeface="+mn-cs"/>
+                <a:sym typeface="Gill Sans" pitchFamily="-65" charset="0"/>
+              </a:rPr>
+              <a:t>Partially-specified Sensor</a:t>
+            </a:r>
+          </a:p>
+        </p:txBody>
+      </p:sp>
+      <p:cxnSp>
+        <p:nvCxnSpPr>
+          <p:cNvPr id="33" name="Connector: Elbow 32">
+            <a:extLst>
+              <a:ext uri="{FF2B5EF4-FFF2-40B4-BE49-F238E27FC236}">
+                <a16:creationId xmlns:a16="http://schemas.microsoft.com/office/drawing/2014/main" id="{7419F020-360E-F099-A484-1149A00FAD66}"/>
+              </a:ext>
+            </a:extLst>
+          </p:cNvPr>
+          <p:cNvCxnSpPr>
+            <a:stCxn id="18" idx="3"/>
+            <a:endCxn id="8" idx="1"/>
+          </p:cNvCxnSpPr>
+          <p:nvPr/>
+        </p:nvCxnSpPr>
+        <p:spPr>
+          <a:xfrm flipV="1">
+            <a:off x="4095041" y="2681000"/>
+            <a:ext cx="668424" cy="919563"/>
+          </a:xfrm>
+          <a:prstGeom prst="bentConnector3">
+            <a:avLst>
+              <a:gd name="adj1" fmla="val 50000"/>
+            </a:avLst>
+          </a:prstGeom>
+          <a:ln>
+            <a:solidFill>
+              <a:schemeClr val="tx1"/>
+            </a:solidFill>
+            <a:tailEnd type="triangle"/>
+          </a:ln>
+        </p:spPr>
+        <p:style>
+          <a:lnRef idx="1">
+            <a:schemeClr val="accent1"/>
+          </a:lnRef>
+          <a:fillRef idx="0">
+            <a:schemeClr val="accent1"/>
+          </a:fillRef>
+          <a:effectRef idx="0">
+            <a:schemeClr val="accent1"/>
+          </a:effectRef>
+          <a:fontRef idx="minor">
+            <a:schemeClr val="tx1"/>
+          </a:fontRef>
+        </p:style>
+      </p:cxnSp>
+      <p:cxnSp>
+        <p:nvCxnSpPr>
+          <p:cNvPr id="36" name="Connector: Elbow 35">
+            <a:extLst>
+              <a:ext uri="{FF2B5EF4-FFF2-40B4-BE49-F238E27FC236}">
+                <a16:creationId xmlns:a16="http://schemas.microsoft.com/office/drawing/2014/main" id="{9A037F87-177C-4B0E-BA5F-2DC7966D87A6}"/>
+              </a:ext>
+            </a:extLst>
+          </p:cNvPr>
+          <p:cNvCxnSpPr>
+            <a:cxnSpLocks/>
+            <a:stCxn id="18" idx="3"/>
+            <a:endCxn id="25" idx="1"/>
+          </p:cNvCxnSpPr>
+          <p:nvPr/>
+        </p:nvCxnSpPr>
+        <p:spPr>
+          <a:xfrm>
+            <a:off x="4095041" y="3600563"/>
+            <a:ext cx="643643" cy="922179"/>
+          </a:xfrm>
+          <a:prstGeom prst="bentConnector3">
+            <a:avLst>
+              <a:gd name="adj1" fmla="val 51776"/>
+            </a:avLst>
+          </a:prstGeom>
+          <a:ln>
+            <a:solidFill>
+              <a:schemeClr val="tx1"/>
+            </a:solidFill>
+            <a:tailEnd type="triangle"/>
+          </a:ln>
+        </p:spPr>
+        <p:style>
+          <a:lnRef idx="1">
+            <a:schemeClr val="accent1"/>
+          </a:lnRef>
+          <a:fillRef idx="0">
+            <a:schemeClr val="accent1"/>
+          </a:fillRef>
+          <a:effectRef idx="0">
+            <a:schemeClr val="accent1"/>
+          </a:effectRef>
+          <a:fontRef idx="minor">
+            <a:schemeClr val="tx1"/>
+          </a:fontRef>
+        </p:style>
+      </p:cxnSp>
+    </p:spTree>
+    <p:extLst>
+      <p:ext uri="{BB962C8B-B14F-4D97-AF65-F5344CB8AC3E}">
+        <p14:creationId xmlns:p14="http://schemas.microsoft.com/office/powerpoint/2010/main" val="2503092383"/>
+      </p:ext>
+    </p:extLst>
+  </p:cSld>
+  <p:clrMapOvr>
+    <a:masterClrMapping/>
+  </p:clrMapOvr>
+  <p:timing>
+    <p:tnLst>
+      <p:par>
+        <p:cTn id="1" dur="indefinite" restart="never" nodeType="tmRoot">
+          <p:childTnLst>
+            <p:seq concurrent="1" nextAc="seek">
+              <p:cTn id="2" dur="indefinite" nodeType="mainSeq">
+                <p:childTnLst>
+                  <p:par>
+                    <p:cTn id="3" fill="hold">
+                      <p:stCondLst>
+                        <p:cond delay="indefinite"/>
+                        <p:cond evt="onBegin" delay="0">
+                          <p:tn val="2"/>
+                        </p:cond>
+                      </p:stCondLst>
+                      <p:childTnLst>
+                        <p:par>
+                          <p:cTn id="4" fill="hold">
+                            <p:stCondLst>
+                              <p:cond delay="0"/>
+                            </p:stCondLst>
+                            <p:childTnLst>
+                              <p:par>
+                                <p:cTn id="5" presetID="1" presetClass="entr" presetSubtype="0" fill="hold" grpId="0" nodeType="withEffect">
+                                  <p:stCondLst>
+                                    <p:cond delay="0"/>
+                                  </p:stCondLst>
+                                  <p:childTnLst>
+                                    <p:set>
+                                      <p:cBhvr>
+                                        <p:cTn id="6" dur="1" fill="hold">
+                                          <p:stCondLst>
+                                            <p:cond delay="0"/>
+                                          </p:stCondLst>
+                                        </p:cTn>
+                                        <p:tgtEl>
+                                          <p:spTgt spid="31"/>
+                                        </p:tgtEl>
+                                        <p:attrNameLst>
+                                          <p:attrName>style.visibility</p:attrName>
+                                        </p:attrNameLst>
+                                      </p:cBhvr>
+                                      <p:to>
+                                        <p:strVal val="visible"/>
+                                      </p:to>
+                                    </p:set>
+                                  </p:childTnLst>
+                                </p:cTn>
+                              </p:par>
+                            </p:childTnLst>
+                          </p:cTn>
+                        </p:par>
+                      </p:childTnLst>
+                    </p:cTn>
+                  </p:par>
+                </p:childTnLst>
+              </p:cTn>
+              <p:prevCondLst>
+                <p:cond evt="onPrev" delay="0">
+                  <p:tgtEl>
+                    <p:sldTgt/>
+                  </p:tgtEl>
+                </p:cond>
+              </p:prevCondLst>
+              <p:nextCondLst>
+                <p:cond evt="onNext" delay="0">
+                  <p:tgtEl>
+                    <p:sldTgt/>
+                  </p:tgtEl>
+                </p:cond>
+              </p:nextCondLst>
+            </p:seq>
+          </p:childTnLst>
+        </p:cTn>
+      </p:par>
+    </p:tnLst>
+    <p:bldLst>
+      <p:bldP spid="31" grpId="0"/>
+    </p:bldLst>
+  </p:timing>
+</p:sld>
+</file>
+
 <file path=ppt/theme/theme1.xml><?xml version="1.0" encoding="utf-8"?>
 <a:theme xmlns:a="http://schemas.openxmlformats.org/drawingml/2006/main" name="Office Theme">
   <a:themeElements>
